--- a/자료/DB정리.pptx
+++ b/자료/DB정리.pptx
@@ -14,6 +14,7 @@
     <p:sldId id="259" r:id="rId8"/>
     <p:sldId id="260" r:id="rId9"/>
     <p:sldId id="261" r:id="rId10"/>
+    <p:sldId id="265" r:id="rId11"/>
   </p:sldIdLst>
   <p:sldSz cx="12192000" cy="6858000"/>
   <p:notesSz cx="6858000" cy="9144000"/>
@@ -251,7 +252,7 @@
           <a:p>
             <a:fld id="{03714702-8BCB-4F0C-9BF6-AC909513F1D3}" type="datetimeFigureOut">
               <a:rPr lang="ko-KR" altLang="en-US" smtClean="0"/>
-              <a:t>2024-08-28</a:t>
+              <a:t>2024-09-02</a:t>
             </a:fld>
             <a:endParaRPr lang="ko-KR" altLang="en-US"/>
           </a:p>
@@ -421,7 +422,7 @@
           <a:p>
             <a:fld id="{03714702-8BCB-4F0C-9BF6-AC909513F1D3}" type="datetimeFigureOut">
               <a:rPr lang="ko-KR" altLang="en-US" smtClean="0"/>
-              <a:t>2024-08-28</a:t>
+              <a:t>2024-09-02</a:t>
             </a:fld>
             <a:endParaRPr lang="ko-KR" altLang="en-US"/>
           </a:p>
@@ -601,7 +602,7 @@
           <a:p>
             <a:fld id="{03714702-8BCB-4F0C-9BF6-AC909513F1D3}" type="datetimeFigureOut">
               <a:rPr lang="ko-KR" altLang="en-US" smtClean="0"/>
-              <a:t>2024-08-28</a:t>
+              <a:t>2024-09-02</a:t>
             </a:fld>
             <a:endParaRPr lang="ko-KR" altLang="en-US"/>
           </a:p>
@@ -771,7 +772,7 @@
           <a:p>
             <a:fld id="{03714702-8BCB-4F0C-9BF6-AC909513F1D3}" type="datetimeFigureOut">
               <a:rPr lang="ko-KR" altLang="en-US" smtClean="0"/>
-              <a:t>2024-08-28</a:t>
+              <a:t>2024-09-02</a:t>
             </a:fld>
             <a:endParaRPr lang="ko-KR" altLang="en-US"/>
           </a:p>
@@ -1017,7 +1018,7 @@
           <a:p>
             <a:fld id="{03714702-8BCB-4F0C-9BF6-AC909513F1D3}" type="datetimeFigureOut">
               <a:rPr lang="ko-KR" altLang="en-US" smtClean="0"/>
-              <a:t>2024-08-28</a:t>
+              <a:t>2024-09-02</a:t>
             </a:fld>
             <a:endParaRPr lang="ko-KR" altLang="en-US"/>
           </a:p>
@@ -1249,7 +1250,7 @@
           <a:p>
             <a:fld id="{03714702-8BCB-4F0C-9BF6-AC909513F1D3}" type="datetimeFigureOut">
               <a:rPr lang="ko-KR" altLang="en-US" smtClean="0"/>
-              <a:t>2024-08-28</a:t>
+              <a:t>2024-09-02</a:t>
             </a:fld>
             <a:endParaRPr lang="ko-KR" altLang="en-US"/>
           </a:p>
@@ -1616,7 +1617,7 @@
           <a:p>
             <a:fld id="{03714702-8BCB-4F0C-9BF6-AC909513F1D3}" type="datetimeFigureOut">
               <a:rPr lang="ko-KR" altLang="en-US" smtClean="0"/>
-              <a:t>2024-08-28</a:t>
+              <a:t>2024-09-02</a:t>
             </a:fld>
             <a:endParaRPr lang="ko-KR" altLang="en-US"/>
           </a:p>
@@ -1734,7 +1735,7 @@
           <a:p>
             <a:fld id="{03714702-8BCB-4F0C-9BF6-AC909513F1D3}" type="datetimeFigureOut">
               <a:rPr lang="ko-KR" altLang="en-US" smtClean="0"/>
-              <a:t>2024-08-28</a:t>
+              <a:t>2024-09-02</a:t>
             </a:fld>
             <a:endParaRPr lang="ko-KR" altLang="en-US"/>
           </a:p>
@@ -1829,7 +1830,7 @@
           <a:p>
             <a:fld id="{03714702-8BCB-4F0C-9BF6-AC909513F1D3}" type="datetimeFigureOut">
               <a:rPr lang="ko-KR" altLang="en-US" smtClean="0"/>
-              <a:t>2024-08-28</a:t>
+              <a:t>2024-09-02</a:t>
             </a:fld>
             <a:endParaRPr lang="ko-KR" altLang="en-US"/>
           </a:p>
@@ -2106,7 +2107,7 @@
           <a:p>
             <a:fld id="{03714702-8BCB-4F0C-9BF6-AC909513F1D3}" type="datetimeFigureOut">
               <a:rPr lang="ko-KR" altLang="en-US" smtClean="0"/>
-              <a:t>2024-08-28</a:t>
+              <a:t>2024-09-02</a:t>
             </a:fld>
             <a:endParaRPr lang="ko-KR" altLang="en-US"/>
           </a:p>
@@ -2359,7 +2360,7 @@
           <a:p>
             <a:fld id="{03714702-8BCB-4F0C-9BF6-AC909513F1D3}" type="datetimeFigureOut">
               <a:rPr lang="ko-KR" altLang="en-US" smtClean="0"/>
-              <a:t>2024-08-28</a:t>
+              <a:t>2024-09-02</a:t>
             </a:fld>
             <a:endParaRPr lang="ko-KR" altLang="en-US"/>
           </a:p>
@@ -2572,7 +2573,7 @@
           <a:p>
             <a:fld id="{03714702-8BCB-4F0C-9BF6-AC909513F1D3}" type="datetimeFigureOut">
               <a:rPr lang="ko-KR" altLang="en-US" smtClean="0"/>
-              <a:t>2024-08-28</a:t>
+              <a:t>2024-09-02</a:t>
             </a:fld>
             <a:endParaRPr lang="ko-KR" altLang="en-US"/>
           </a:p>
@@ -3036,6 +3037,150 @@
 </p:sld>
 </file>
 
+<file path=ppt/slides/slide10.xml><?xml version="1.0" encoding="utf-8"?>
+<p:sld xmlns:a="http://schemas.openxmlformats.org/drawingml/2006/main" xmlns:r="http://schemas.openxmlformats.org/officeDocument/2006/relationships" xmlns:p="http://schemas.openxmlformats.org/presentationml/2006/main">
+  <p:cSld>
+    <p:spTree>
+      <p:nvGrpSpPr>
+        <p:cNvPr id="1" name=""/>
+        <p:cNvGrpSpPr/>
+        <p:nvPr/>
+      </p:nvGrpSpPr>
+      <p:grpSpPr>
+        <a:xfrm>
+          <a:off x="0" y="0"/>
+          <a:ext cx="0" cy="0"/>
+          <a:chOff x="0" y="0"/>
+          <a:chExt cx="0" cy="0"/>
+        </a:xfrm>
+      </p:grpSpPr>
+      <p:sp>
+        <p:nvSpPr>
+          <p:cNvPr id="2" name="제목 1"/>
+          <p:cNvSpPr>
+            <a:spLocks noGrp="1"/>
+          </p:cNvSpPr>
+          <p:nvPr>
+            <p:ph type="title"/>
+          </p:nvPr>
+        </p:nvSpPr>
+        <p:spPr/>
+        <p:txBody>
+          <a:bodyPr/>
+          <a:lstStyle/>
+          <a:p>
+            <a:r>
+              <a:rPr lang="en-US" altLang="ko-KR" dirty="0" smtClean="0"/>
+              <a:t>Select [] from [] where [] order by []</a:t>
+            </a:r>
+            <a:endParaRPr lang="ko-KR" altLang="en-US" dirty="0"/>
+          </a:p>
+        </p:txBody>
+      </p:sp>
+      <p:sp>
+        <p:nvSpPr>
+          <p:cNvPr id="4" name="TextBox 3"/>
+          <p:cNvSpPr txBox="1"/>
+          <p:nvPr/>
+        </p:nvSpPr>
+        <p:spPr>
+          <a:xfrm>
+            <a:off x="838200" y="1690688"/>
+            <a:ext cx="10515600" cy="1938992"/>
+          </a:xfrm>
+          <a:prstGeom prst="rect">
+            <a:avLst/>
+          </a:prstGeom>
+          <a:noFill/>
+        </p:spPr>
+        <p:txBody>
+          <a:bodyPr wrap="square" rtlCol="0">
+            <a:spAutoFit/>
+          </a:bodyPr>
+          <a:lstStyle/>
+          <a:p>
+            <a:pPr>
+              <a:lnSpc>
+                <a:spcPct val="150000"/>
+              </a:lnSpc>
+            </a:pPr>
+            <a:r>
+              <a:rPr lang="en-US" altLang="ko-KR" sz="2000" b="1" dirty="0" smtClean="0"/>
+              <a:t>Select – </a:t>
+            </a:r>
+            <a:r>
+              <a:rPr lang="ko-KR" altLang="en-US" sz="2000" b="1" dirty="0" smtClean="0"/>
+              <a:t>화면에 출력</a:t>
+            </a:r>
+            <a:endParaRPr lang="en-US" altLang="ko-KR" sz="2000" b="1" dirty="0" smtClean="0"/>
+          </a:p>
+          <a:p>
+            <a:pPr>
+              <a:lnSpc>
+                <a:spcPct val="150000"/>
+              </a:lnSpc>
+            </a:pPr>
+            <a:r>
+              <a:rPr lang="en-US" altLang="ko-KR" sz="2000" b="1" dirty="0" smtClean="0"/>
+              <a:t>From – </a:t>
+            </a:r>
+            <a:r>
+              <a:rPr lang="ko-KR" altLang="en-US" sz="2000" b="1" dirty="0" smtClean="0"/>
+              <a:t>대상 테이블</a:t>
+            </a:r>
+            <a:endParaRPr lang="en-US" altLang="ko-KR" sz="2000" b="1" dirty="0" smtClean="0"/>
+          </a:p>
+          <a:p>
+            <a:pPr>
+              <a:lnSpc>
+                <a:spcPct val="150000"/>
+              </a:lnSpc>
+            </a:pPr>
+            <a:r>
+              <a:rPr lang="en-US" altLang="ko-KR" sz="2000" b="1" dirty="0" smtClean="0"/>
+              <a:t>Where – </a:t>
+            </a:r>
+            <a:r>
+              <a:rPr lang="ko-KR" altLang="en-US" sz="2000" b="1" dirty="0" err="1" smtClean="0"/>
+              <a:t>튜플</a:t>
+            </a:r>
+            <a:r>
+              <a:rPr lang="ko-KR" altLang="en-US" sz="2000" b="1" dirty="0" smtClean="0"/>
+              <a:t> 선정 조건</a:t>
+            </a:r>
+            <a:endParaRPr lang="en-US" altLang="ko-KR" sz="2000" b="1" dirty="0" smtClean="0"/>
+          </a:p>
+          <a:p>
+            <a:pPr>
+              <a:lnSpc>
+                <a:spcPct val="150000"/>
+              </a:lnSpc>
+            </a:pPr>
+            <a:r>
+              <a:rPr lang="en-US" altLang="ko-KR" sz="2000" b="1" dirty="0" smtClean="0"/>
+              <a:t>Order by – </a:t>
+            </a:r>
+            <a:r>
+              <a:rPr lang="ko-KR" altLang="en-US" sz="2000" b="1" dirty="0" smtClean="0"/>
+              <a:t>정렬</a:t>
+            </a:r>
+            <a:endParaRPr lang="en-US" altLang="ko-KR" sz="1500" dirty="0"/>
+          </a:p>
+        </p:txBody>
+      </p:sp>
+    </p:spTree>
+    <p:extLst>
+      <p:ext uri="{BB962C8B-B14F-4D97-AF65-F5344CB8AC3E}">
+        <p14:creationId xmlns:p14="http://schemas.microsoft.com/office/powerpoint/2010/main" val="2233381564"/>
+      </p:ext>
+    </p:extLst>
+  </p:cSld>
+  <p:clrMapOvr>
+    <a:masterClrMapping/>
+  </p:clrMapOvr>
+</p:sld>
+</file>
+
 <file path=ppt/slides/slide2.xml><?xml version="1.0" encoding="utf-8"?>
 <p:sld xmlns:a="http://schemas.openxmlformats.org/drawingml/2006/main" xmlns:r="http://schemas.openxmlformats.org/officeDocument/2006/relationships" xmlns:p="http://schemas.openxmlformats.org/presentationml/2006/main">
   <p:cSld>
@@ -3806,7 +3951,6 @@
               <a:rPr lang="en-US" altLang="ko-KR" sz="2000" b="1" dirty="0" smtClean="0"/>
               <a:t>CHAR</a:t>
             </a:r>
-            <a:endParaRPr lang="en-US" altLang="ko-KR" sz="2000" b="1" dirty="0" smtClean="0"/>
           </a:p>
           <a:p>
             <a:pPr>

--- a/자료/DB정리.pptx
+++ b/자료/DB정리.pptx
@@ -8,13 +8,18 @@
     <p:sldId id="256" r:id="rId2"/>
     <p:sldId id="257" r:id="rId3"/>
     <p:sldId id="263" r:id="rId4"/>
-    <p:sldId id="264" r:id="rId5"/>
-    <p:sldId id="262" r:id="rId6"/>
-    <p:sldId id="258" r:id="rId7"/>
-    <p:sldId id="259" r:id="rId8"/>
-    <p:sldId id="260" r:id="rId9"/>
-    <p:sldId id="261" r:id="rId10"/>
+    <p:sldId id="271" r:id="rId5"/>
+    <p:sldId id="264" r:id="rId6"/>
+    <p:sldId id="267" r:id="rId7"/>
+    <p:sldId id="268" r:id="rId8"/>
+    <p:sldId id="269" r:id="rId9"/>
+    <p:sldId id="270" r:id="rId10"/>
     <p:sldId id="265" r:id="rId11"/>
+    <p:sldId id="262" r:id="rId12"/>
+    <p:sldId id="258" r:id="rId13"/>
+    <p:sldId id="259" r:id="rId14"/>
+    <p:sldId id="260" r:id="rId15"/>
+    <p:sldId id="261" r:id="rId16"/>
   </p:sldIdLst>
   <p:sldSz cx="12192000" cy="6858000"/>
   <p:notesSz cx="6858000" cy="9144000"/>
@@ -3070,8 +3075,8 @@
           <a:lstStyle/>
           <a:p>
             <a:r>
-              <a:rPr lang="en-US" altLang="ko-KR" dirty="0" smtClean="0"/>
-              <a:t>Select [] from [] where [] order by []</a:t>
+              <a:rPr lang="ko-KR" altLang="en-US" dirty="0" smtClean="0"/>
+              <a:t>조회 및 검색</a:t>
             </a:r>
             <a:endParaRPr lang="ko-KR" altLang="en-US" dirty="0"/>
           </a:p>
@@ -3086,7 +3091,7 @@
         <p:spPr>
           <a:xfrm>
             <a:off x="838200" y="1690688"/>
-            <a:ext cx="10515600" cy="1938992"/>
+            <a:ext cx="10515600" cy="4708981"/>
           </a:xfrm>
           <a:prstGeom prst="rect">
             <a:avLst/>
@@ -3106,7 +3111,46 @@
             </a:pPr>
             <a:r>
               <a:rPr lang="en-US" altLang="ko-KR" sz="2000" b="1" dirty="0" smtClean="0"/>
-              <a:t>Select – </a:t>
+              <a:t>SELECT </a:t>
+            </a:r>
+            <a:r>
+              <a:rPr lang="en-US" altLang="ko-KR" sz="2000" b="1" dirty="0"/>
+              <a:t>[] </a:t>
+            </a:r>
+            <a:r>
+              <a:rPr lang="en-US" altLang="ko-KR" sz="2000" b="1" dirty="0" smtClean="0"/>
+              <a:t>FROM </a:t>
+            </a:r>
+            <a:r>
+              <a:rPr lang="en-US" altLang="ko-KR" sz="2000" b="1" dirty="0"/>
+              <a:t>[] </a:t>
+            </a:r>
+            <a:r>
+              <a:rPr lang="en-US" altLang="ko-KR" sz="2000" b="1" dirty="0" smtClean="0"/>
+              <a:t>WHERE [] (GROUP BY[]) ORDER BY []</a:t>
+            </a:r>
+          </a:p>
+          <a:p>
+            <a:pPr>
+              <a:lnSpc>
+                <a:spcPct val="150000"/>
+              </a:lnSpc>
+            </a:pPr>
+            <a:endParaRPr lang="en-US" altLang="ko-KR" sz="2000" b="1" dirty="0" smtClean="0"/>
+          </a:p>
+          <a:p>
+            <a:pPr>
+              <a:lnSpc>
+                <a:spcPct val="150000"/>
+              </a:lnSpc>
+            </a:pPr>
+            <a:r>
+              <a:rPr lang="en-US" altLang="ko-KR" sz="2000" b="1" dirty="0" smtClean="0"/>
+              <a:t>SELECT </a:t>
+            </a:r>
+            <a:r>
+              <a:rPr lang="en-US" altLang="ko-KR" sz="2000" b="1" dirty="0" smtClean="0"/>
+              <a:t>– </a:t>
             </a:r>
             <a:r>
               <a:rPr lang="ko-KR" altLang="en-US" sz="2000" b="1" dirty="0" smtClean="0"/>
@@ -3122,7 +3166,11 @@
             </a:pPr>
             <a:r>
               <a:rPr lang="en-US" altLang="ko-KR" sz="2000" b="1" dirty="0" smtClean="0"/>
-              <a:t>From – </a:t>
+              <a:t>FROM </a:t>
+            </a:r>
+            <a:r>
+              <a:rPr lang="en-US" altLang="ko-KR" sz="2000" b="1" dirty="0" smtClean="0"/>
+              <a:t>– </a:t>
             </a:r>
             <a:r>
               <a:rPr lang="ko-KR" altLang="en-US" sz="2000" b="1" dirty="0" smtClean="0"/>
@@ -3138,7 +3186,11 @@
             </a:pPr>
             <a:r>
               <a:rPr lang="en-US" altLang="ko-KR" sz="2000" b="1" dirty="0" smtClean="0"/>
-              <a:t>Where – </a:t>
+              <a:t>WHERE </a:t>
+            </a:r>
+            <a:r>
+              <a:rPr lang="en-US" altLang="ko-KR" sz="2000" b="1" dirty="0" smtClean="0"/>
+              <a:t>– </a:t>
             </a:r>
             <a:r>
               <a:rPr lang="ko-KR" altLang="en-US" sz="2000" b="1" dirty="0" err="1" smtClean="0"/>
@@ -3146,7 +3198,11 @@
             </a:r>
             <a:r>
               <a:rPr lang="ko-KR" altLang="en-US" sz="2000" b="1" dirty="0" smtClean="0"/>
-              <a:t> 선정 조건</a:t>
+              <a:t> 선정 </a:t>
+            </a:r>
+            <a:r>
+              <a:rPr lang="ko-KR" altLang="en-US" sz="2000" b="1" dirty="0" smtClean="0"/>
+              <a:t>조건</a:t>
             </a:r>
             <a:endParaRPr lang="en-US" altLang="ko-KR" sz="2000" b="1" dirty="0" smtClean="0"/>
           </a:p>
@@ -3158,13 +3214,72 @@
             </a:pPr>
             <a:r>
               <a:rPr lang="en-US" altLang="ko-KR" sz="2000" b="1" dirty="0" smtClean="0"/>
-              <a:t>Order by – </a:t>
+              <a:t>GROUP BY – </a:t>
+            </a:r>
+            <a:r>
+              <a:rPr lang="ko-KR" altLang="en-US" sz="2000" b="1" dirty="0" smtClean="0"/>
+              <a:t>그룹화 후 요약</a:t>
+            </a:r>
+            <a:endParaRPr lang="en-US" altLang="ko-KR" sz="2000" b="1" dirty="0" smtClean="0"/>
+          </a:p>
+          <a:p>
+            <a:pPr>
+              <a:lnSpc>
+                <a:spcPct val="150000"/>
+              </a:lnSpc>
+            </a:pPr>
+            <a:r>
+              <a:rPr lang="en-US" altLang="ko-KR" sz="2000" b="1" dirty="0" smtClean="0"/>
+              <a:t>ORDER BY </a:t>
+            </a:r>
+            <a:r>
+              <a:rPr lang="en-US" altLang="ko-KR" sz="2000" b="1" dirty="0" smtClean="0"/>
+              <a:t>– </a:t>
             </a:r>
             <a:r>
               <a:rPr lang="ko-KR" altLang="en-US" sz="2000" b="1" dirty="0" smtClean="0"/>
               <a:t>정렬</a:t>
             </a:r>
-            <a:endParaRPr lang="en-US" altLang="ko-KR" sz="1500" dirty="0"/>
+            <a:endParaRPr lang="en-US" altLang="ko-KR" sz="2000" b="1" dirty="0" smtClean="0"/>
+          </a:p>
+          <a:p>
+            <a:pPr>
+              <a:lnSpc>
+                <a:spcPct val="150000"/>
+              </a:lnSpc>
+            </a:pPr>
+            <a:endParaRPr lang="en-US" altLang="ko-KR" sz="2000" b="1" dirty="0"/>
+          </a:p>
+          <a:p>
+            <a:pPr>
+              <a:lnSpc>
+                <a:spcPct val="150000"/>
+              </a:lnSpc>
+            </a:pPr>
+            <a:r>
+              <a:rPr lang="ko-KR" altLang="en-US" sz="2000" b="1" dirty="0" smtClean="0"/>
+              <a:t>순서 </a:t>
+            </a:r>
+            <a:r>
+              <a:rPr lang="en-US" altLang="ko-KR" sz="2000" b="1" dirty="0" smtClean="0"/>
+              <a:t>:</a:t>
+            </a:r>
+          </a:p>
+          <a:p>
+            <a:pPr>
+              <a:lnSpc>
+                <a:spcPct val="150000"/>
+              </a:lnSpc>
+            </a:pPr>
+            <a:r>
+              <a:rPr lang="en-US" altLang="ko-KR" sz="2000" b="1" dirty="0" smtClean="0"/>
+              <a:t>FROM -&gt; WHERE -&gt; SELECT -&gt; ORDER BY </a:t>
+            </a:r>
+            <a:r>
+              <a:rPr lang="ko-KR" altLang="en-US" sz="2000" b="1" dirty="0" smtClean="0"/>
+              <a:t>순서로 생각 및 분석 </a:t>
+            </a:r>
+            <a:endParaRPr lang="en-US" altLang="ko-KR" sz="2000" b="1" dirty="0" smtClean="0"/>
           </a:p>
         </p:txBody>
       </p:sp>
@@ -3181,7 +3296,7 @@
 </p:sld>
 </file>
 
-<file path=ppt/slides/slide2.xml><?xml version="1.0" encoding="utf-8"?>
+<file path=ppt/slides/slide11.xml><?xml version="1.0" encoding="utf-8"?>
 <p:sld xmlns:a="http://schemas.openxmlformats.org/drawingml/2006/main" xmlns:r="http://schemas.openxmlformats.org/officeDocument/2006/relationships" xmlns:p="http://schemas.openxmlformats.org/presentationml/2006/main">
   <p:cSld>
     <p:spTree>
@@ -3214,1023 +3329,6 @@
           <a:lstStyle/>
           <a:p>
             <a:r>
-              <a:rPr lang="ko-KR" altLang="en-US" dirty="0" smtClean="0"/>
-              <a:t>용어 설명</a:t>
-            </a:r>
-            <a:endParaRPr lang="ko-KR" altLang="en-US" dirty="0"/>
-          </a:p>
-        </p:txBody>
-      </p:sp>
-      <p:sp>
-        <p:nvSpPr>
-          <p:cNvPr id="4" name="TextBox 3"/>
-          <p:cNvSpPr txBox="1"/>
-          <p:nvPr/>
-        </p:nvSpPr>
-        <p:spPr>
-          <a:xfrm>
-            <a:off x="838200" y="1690688"/>
-            <a:ext cx="10515600" cy="5193729"/>
-          </a:xfrm>
-          <a:prstGeom prst="rect">
-            <a:avLst/>
-          </a:prstGeom>
-          <a:noFill/>
-        </p:spPr>
-        <p:txBody>
-          <a:bodyPr wrap="square" rtlCol="0">
-            <a:spAutoFit/>
-          </a:bodyPr>
-          <a:lstStyle/>
-          <a:p>
-            <a:pPr>
-              <a:lnSpc>
-                <a:spcPct val="150000"/>
-              </a:lnSpc>
-            </a:pPr>
-            <a:r>
-              <a:rPr lang="ko-KR" altLang="en-US" sz="2000" b="1" dirty="0" err="1" smtClean="0"/>
-              <a:t>릴레이션</a:t>
-            </a:r>
-            <a:endParaRPr lang="en-US" altLang="ko-KR" sz="2000" b="1" dirty="0" smtClean="0"/>
-          </a:p>
-          <a:p>
-            <a:pPr>
-              <a:lnSpc>
-                <a:spcPct val="150000"/>
-              </a:lnSpc>
-            </a:pPr>
-            <a:r>
-              <a:rPr lang="ko-KR" altLang="en-US" sz="1500" dirty="0" smtClean="0"/>
-              <a:t>관계 </a:t>
-            </a:r>
-            <a:r>
-              <a:rPr lang="ko-KR" altLang="en-US" sz="1500" dirty="0"/>
-              <a:t>데이터 모델</a:t>
-            </a:r>
-            <a:r>
-              <a:rPr lang="en-US" altLang="ko-KR" sz="1500" dirty="0"/>
-              <a:t>(</a:t>
-            </a:r>
-            <a:r>
-              <a:rPr lang="ko-KR" altLang="en-US" sz="1500" dirty="0"/>
-              <a:t>관계형 데이터베이스</a:t>
-            </a:r>
-            <a:r>
-              <a:rPr lang="en-US" altLang="ko-KR" sz="1500" dirty="0"/>
-              <a:t>)</a:t>
-            </a:r>
-            <a:r>
-              <a:rPr lang="ko-KR" altLang="en-US" sz="1500" dirty="0"/>
-              <a:t>의 테이블을 </a:t>
-            </a:r>
-            <a:r>
-              <a:rPr lang="ko-KR" altLang="en-US" sz="1500" dirty="0" err="1"/>
-              <a:t>릴레이션</a:t>
-            </a:r>
-            <a:r>
-              <a:rPr lang="en-US" altLang="ko-KR" sz="1500" dirty="0"/>
-              <a:t>(Relation)</a:t>
-            </a:r>
-            <a:r>
-              <a:rPr lang="ko-KR" altLang="en-US" sz="1500" dirty="0"/>
-              <a:t>이라고 부른다</a:t>
-            </a:r>
-            <a:r>
-              <a:rPr lang="en-US" altLang="ko-KR" sz="1500" dirty="0"/>
-              <a:t>. </a:t>
-            </a:r>
-            <a:endParaRPr lang="en-US" altLang="ko-KR" sz="1500" dirty="0" smtClean="0"/>
-          </a:p>
-          <a:p>
-            <a:pPr>
-              <a:lnSpc>
-                <a:spcPct val="150000"/>
-              </a:lnSpc>
-            </a:pPr>
-            <a:r>
-              <a:rPr lang="ko-KR" altLang="en-US" sz="1500" dirty="0" err="1" smtClean="0"/>
-              <a:t>튜플</a:t>
-            </a:r>
-            <a:r>
-              <a:rPr lang="en-US" altLang="ko-KR" sz="1500" dirty="0"/>
-              <a:t>(Tuple)</a:t>
-            </a:r>
-            <a:r>
-              <a:rPr lang="ko-KR" altLang="en-US" sz="1500" dirty="0"/>
-              <a:t>과 </a:t>
-            </a:r>
-            <a:r>
-              <a:rPr lang="ko-KR" altLang="en-US" sz="1500" dirty="0" err="1"/>
-              <a:t>어트리뷰트</a:t>
-            </a:r>
-            <a:r>
-              <a:rPr lang="en-US" altLang="ko-KR" sz="1500" dirty="0"/>
-              <a:t>(Attribute)</a:t>
-            </a:r>
-            <a:r>
-              <a:rPr lang="ko-KR" altLang="en-US" sz="1500" dirty="0"/>
-              <a:t>로 구성되어있다</a:t>
-            </a:r>
-            <a:r>
-              <a:rPr lang="en-US" altLang="ko-KR" sz="1500" dirty="0"/>
-              <a:t>. </a:t>
-            </a:r>
-            <a:endParaRPr lang="en-US" altLang="ko-KR" sz="1500" dirty="0" smtClean="0"/>
-          </a:p>
-          <a:p>
-            <a:pPr>
-              <a:lnSpc>
-                <a:spcPct val="150000"/>
-              </a:lnSpc>
-            </a:pPr>
-            <a:r>
-              <a:rPr lang="ko-KR" altLang="en-US" sz="2000" b="1" dirty="0" smtClean="0"/>
-              <a:t>테이블</a:t>
-            </a:r>
-            <a:endParaRPr lang="en-US" altLang="ko-KR" sz="2000" b="1" dirty="0" smtClean="0"/>
-          </a:p>
-          <a:p>
-            <a:pPr>
-              <a:lnSpc>
-                <a:spcPct val="150000"/>
-              </a:lnSpc>
-            </a:pPr>
-            <a:r>
-              <a:rPr lang="ko-KR" altLang="en-US" sz="1500" dirty="0"/>
-              <a:t>테이블은 행과 열로 구성된 데이터 </a:t>
-            </a:r>
-            <a:r>
-              <a:rPr lang="ko-KR" altLang="en-US" sz="1500" dirty="0" smtClean="0"/>
-              <a:t>집합</a:t>
-            </a:r>
-            <a:r>
-              <a:rPr lang="en-US" altLang="ko-KR" sz="1500" dirty="0" smtClean="0"/>
-              <a:t>. </a:t>
-            </a:r>
-            <a:r>
-              <a:rPr lang="en-US" altLang="ko-KR" sz="1500" b="1" dirty="0" smtClean="0"/>
-              <a:t>*</a:t>
-            </a:r>
-            <a:r>
-              <a:rPr lang="en-US" altLang="ko-KR" sz="1500" dirty="0" smtClean="0"/>
-              <a:t>(</a:t>
-            </a:r>
-            <a:r>
-              <a:rPr lang="ko-KR" altLang="en-US" sz="1500" dirty="0" smtClean="0"/>
-              <a:t>테이블 </a:t>
-            </a:r>
-            <a:r>
-              <a:rPr lang="en-US" altLang="ko-KR" sz="1500" dirty="0" smtClean="0"/>
-              <a:t>!=</a:t>
-            </a:r>
-            <a:r>
-              <a:rPr lang="ko-KR" altLang="en-US" sz="1500" dirty="0" smtClean="0"/>
-              <a:t> </a:t>
-            </a:r>
-            <a:r>
-              <a:rPr lang="ko-KR" altLang="en-US" sz="1500" dirty="0" err="1" smtClean="0"/>
-              <a:t>릴레이션</a:t>
-            </a:r>
-            <a:r>
-              <a:rPr lang="en-US" altLang="ko-KR" sz="1500" dirty="0" smtClean="0"/>
-              <a:t>)</a:t>
-            </a:r>
-          </a:p>
-          <a:p>
-            <a:pPr>
-              <a:lnSpc>
-                <a:spcPct val="150000"/>
-              </a:lnSpc>
-            </a:pPr>
-            <a:r>
-              <a:rPr lang="ko-KR" altLang="en-US" sz="2000" b="1" dirty="0" err="1" smtClean="0"/>
-              <a:t>튜플</a:t>
-            </a:r>
-            <a:r>
-              <a:rPr lang="ko-KR" altLang="en-US" sz="2000" b="1" dirty="0" smtClean="0"/>
-              <a:t> </a:t>
-            </a:r>
-            <a:r>
-              <a:rPr lang="en-US" altLang="ko-KR" sz="2000" b="1" dirty="0" smtClean="0"/>
-              <a:t>( == </a:t>
-            </a:r>
-            <a:r>
-              <a:rPr lang="ko-KR" altLang="en-US" sz="2000" b="1" dirty="0" smtClean="0"/>
-              <a:t>레코드</a:t>
-            </a:r>
-            <a:r>
-              <a:rPr lang="en-US" altLang="ko-KR" sz="2000" b="1" dirty="0" smtClean="0"/>
-              <a:t>)</a:t>
-            </a:r>
-          </a:p>
-          <a:p>
-            <a:pPr>
-              <a:lnSpc>
-                <a:spcPct val="150000"/>
-              </a:lnSpc>
-            </a:pPr>
-            <a:r>
-              <a:rPr lang="ko-KR" altLang="en-US" sz="1500" dirty="0" err="1" smtClean="0"/>
-              <a:t>릴레이션의</a:t>
-            </a:r>
-            <a:r>
-              <a:rPr lang="ko-KR" altLang="en-US" sz="1500" dirty="0" smtClean="0"/>
-              <a:t> 행을 말함</a:t>
-            </a:r>
-            <a:endParaRPr lang="en-US" altLang="ko-KR" sz="1500" dirty="0" smtClean="0"/>
-          </a:p>
-          <a:p>
-            <a:pPr>
-              <a:lnSpc>
-                <a:spcPct val="150000"/>
-              </a:lnSpc>
-            </a:pPr>
-            <a:r>
-              <a:rPr lang="ko-KR" altLang="en-US" sz="2000" b="1" dirty="0" err="1" smtClean="0"/>
-              <a:t>어트리뷰트</a:t>
-            </a:r>
-            <a:r>
-              <a:rPr lang="ko-KR" altLang="en-US" sz="2000" b="1" dirty="0" smtClean="0"/>
-              <a:t> </a:t>
-            </a:r>
-            <a:r>
-              <a:rPr lang="en-US" altLang="ko-KR" sz="2000" b="1" dirty="0" smtClean="0"/>
-              <a:t>(== </a:t>
-            </a:r>
-            <a:r>
-              <a:rPr lang="ko-KR" altLang="en-US" sz="2000" b="1" dirty="0" smtClean="0"/>
-              <a:t>필드</a:t>
-            </a:r>
-            <a:r>
-              <a:rPr lang="en-US" altLang="ko-KR" sz="2000" b="1" dirty="0" smtClean="0"/>
-              <a:t>)</a:t>
-            </a:r>
-          </a:p>
-          <a:p>
-            <a:pPr>
-              <a:lnSpc>
-                <a:spcPct val="150000"/>
-              </a:lnSpc>
-            </a:pPr>
-            <a:r>
-              <a:rPr lang="ko-KR" altLang="en-US" sz="1500" dirty="0" err="1" smtClean="0"/>
-              <a:t>릴레이션의</a:t>
-            </a:r>
-            <a:r>
-              <a:rPr lang="ko-KR" altLang="en-US" sz="1500" dirty="0" smtClean="0"/>
-              <a:t> 열을 말함 </a:t>
-            </a:r>
-            <a:r>
-              <a:rPr lang="en-US" altLang="ko-KR" sz="1500" dirty="0" smtClean="0"/>
-              <a:t>‘</a:t>
-            </a:r>
-            <a:r>
-              <a:rPr lang="ko-KR" altLang="en-US" sz="1500" dirty="0" smtClean="0"/>
-              <a:t>속성</a:t>
-            </a:r>
-            <a:r>
-              <a:rPr lang="en-US" altLang="ko-KR" sz="1500" dirty="0" smtClean="0"/>
-              <a:t>’ </a:t>
-            </a:r>
-            <a:r>
-              <a:rPr lang="ko-KR" altLang="en-US" sz="1500" dirty="0" smtClean="0"/>
-              <a:t>또는 </a:t>
-            </a:r>
-            <a:r>
-              <a:rPr lang="ko-KR" altLang="en-US" sz="1500" dirty="0" err="1" smtClean="0"/>
-              <a:t>어트리뷰트라고</a:t>
-            </a:r>
-            <a:r>
-              <a:rPr lang="ko-KR" altLang="en-US" sz="1500" dirty="0" smtClean="0"/>
-              <a:t> 함</a:t>
-            </a:r>
-            <a:endParaRPr lang="en-US" altLang="ko-KR" sz="1500" dirty="0" smtClean="0"/>
-          </a:p>
-          <a:p>
-            <a:pPr>
-              <a:lnSpc>
-                <a:spcPct val="150000"/>
-              </a:lnSpc>
-            </a:pPr>
-            <a:r>
-              <a:rPr lang="ko-KR" altLang="en-US" sz="2000" b="1" dirty="0" smtClean="0"/>
-              <a:t>키 </a:t>
-            </a:r>
-            <a:r>
-              <a:rPr lang="en-US" altLang="ko-KR" sz="2000" b="1" dirty="0" smtClean="0"/>
-              <a:t>(</a:t>
-            </a:r>
-            <a:r>
-              <a:rPr lang="ko-KR" altLang="en-US" sz="2000" b="1" dirty="0" smtClean="0"/>
-              <a:t>현재 배운 키 </a:t>
-            </a:r>
-            <a:r>
-              <a:rPr lang="en-US" altLang="ko-KR" sz="2000" b="1" dirty="0" smtClean="0"/>
-              <a:t>=&gt; </a:t>
-            </a:r>
-            <a:r>
-              <a:rPr lang="ko-KR" altLang="en-US" sz="2000" b="1" dirty="0" err="1" smtClean="0"/>
-              <a:t>기본키</a:t>
-            </a:r>
-            <a:r>
-              <a:rPr lang="en-US" altLang="ko-KR" sz="2000" b="1" dirty="0" smtClean="0"/>
-              <a:t>, </a:t>
-            </a:r>
-            <a:r>
-              <a:rPr lang="ko-KR" altLang="en-US" sz="2000" b="1" dirty="0" err="1" smtClean="0"/>
-              <a:t>외래키</a:t>
-            </a:r>
-            <a:r>
-              <a:rPr lang="en-US" altLang="ko-KR" sz="2000" b="1" dirty="0" smtClean="0"/>
-              <a:t>)</a:t>
-            </a:r>
-          </a:p>
-          <a:p>
-            <a:pPr>
-              <a:lnSpc>
-                <a:spcPct val="150000"/>
-              </a:lnSpc>
-            </a:pPr>
-            <a:r>
-              <a:rPr lang="ko-KR" altLang="en-US" sz="1500" dirty="0"/>
-              <a:t>키는 데이터베이스에서 조건에 만족하는 </a:t>
-            </a:r>
-            <a:r>
-              <a:rPr lang="ko-KR" altLang="en-US" sz="1500" dirty="0" err="1"/>
-              <a:t>튜플을</a:t>
-            </a:r>
-            <a:r>
-              <a:rPr lang="ko-KR" altLang="en-US" sz="1500" dirty="0"/>
-              <a:t> 찾거나 순서대로 정렬할 때 </a:t>
-            </a:r>
-            <a:endParaRPr lang="en-US" altLang="ko-KR" sz="1500" dirty="0" smtClean="0"/>
-          </a:p>
-          <a:p>
-            <a:pPr>
-              <a:lnSpc>
-                <a:spcPct val="150000"/>
-              </a:lnSpc>
-            </a:pPr>
-            <a:r>
-              <a:rPr lang="ko-KR" altLang="en-US" sz="1500" dirty="0" smtClean="0"/>
-              <a:t>다른 </a:t>
-            </a:r>
-            <a:r>
-              <a:rPr lang="ko-KR" altLang="en-US" sz="1500" dirty="0" err="1"/>
-              <a:t>튜플들과</a:t>
-            </a:r>
-            <a:r>
-              <a:rPr lang="ko-KR" altLang="en-US" sz="1500" dirty="0"/>
-              <a:t> 구별할 수 있는 유일한 기준이 되는 속성이다</a:t>
-            </a:r>
-            <a:r>
-              <a:rPr lang="en-US" altLang="ko-KR" sz="1500" dirty="0"/>
-              <a:t>.</a:t>
-            </a:r>
-            <a:endParaRPr lang="en-US" altLang="ko-KR" sz="1500" dirty="0" smtClean="0"/>
-          </a:p>
-          <a:p>
-            <a:pPr>
-              <a:lnSpc>
-                <a:spcPct val="150000"/>
-              </a:lnSpc>
-            </a:pPr>
-            <a:endParaRPr lang="ko-KR" altLang="en-US" sz="1500" dirty="0"/>
-          </a:p>
-        </p:txBody>
-      </p:sp>
-    </p:spTree>
-    <p:extLst>
-      <p:ext uri="{BB962C8B-B14F-4D97-AF65-F5344CB8AC3E}">
-        <p14:creationId xmlns:p14="http://schemas.microsoft.com/office/powerpoint/2010/main" val="2489147112"/>
-      </p:ext>
-    </p:extLst>
-  </p:cSld>
-  <p:clrMapOvr>
-    <a:masterClrMapping/>
-  </p:clrMapOvr>
-</p:sld>
-</file>
-
-<file path=ppt/slides/slide3.xml><?xml version="1.0" encoding="utf-8"?>
-<p:sld xmlns:a="http://schemas.openxmlformats.org/drawingml/2006/main" xmlns:r="http://schemas.openxmlformats.org/officeDocument/2006/relationships" xmlns:p="http://schemas.openxmlformats.org/presentationml/2006/main">
-  <p:cSld>
-    <p:spTree>
-      <p:nvGrpSpPr>
-        <p:cNvPr id="1" name=""/>
-        <p:cNvGrpSpPr/>
-        <p:nvPr/>
-      </p:nvGrpSpPr>
-      <p:grpSpPr>
-        <a:xfrm>
-          <a:off x="0" y="0"/>
-          <a:ext cx="0" cy="0"/>
-          <a:chOff x="0" y="0"/>
-          <a:chExt cx="0" cy="0"/>
-        </a:xfrm>
-      </p:grpSpPr>
-      <p:sp>
-        <p:nvSpPr>
-          <p:cNvPr id="2" name="제목 1"/>
-          <p:cNvSpPr>
-            <a:spLocks noGrp="1"/>
-          </p:cNvSpPr>
-          <p:nvPr>
-            <p:ph type="title"/>
-          </p:nvPr>
-        </p:nvSpPr>
-        <p:spPr/>
-        <p:txBody>
-          <a:bodyPr/>
-          <a:lstStyle/>
-          <a:p>
-            <a:r>
-              <a:rPr lang="ko-KR" altLang="en-US" dirty="0" smtClean="0"/>
-              <a:t>용어 설명</a:t>
-            </a:r>
-            <a:r>
-              <a:rPr lang="en-US" altLang="ko-KR" dirty="0" smtClean="0"/>
-              <a:t>(</a:t>
-            </a:r>
-            <a:r>
-              <a:rPr lang="ko-KR" altLang="en-US" dirty="0" smtClean="0"/>
-              <a:t>키 추가 설명</a:t>
-            </a:r>
-            <a:r>
-              <a:rPr lang="en-US" altLang="ko-KR" dirty="0" smtClean="0"/>
-              <a:t>)</a:t>
-            </a:r>
-            <a:endParaRPr lang="ko-KR" altLang="en-US" dirty="0"/>
-          </a:p>
-        </p:txBody>
-      </p:sp>
-      <p:sp>
-        <p:nvSpPr>
-          <p:cNvPr id="4" name="TextBox 3"/>
-          <p:cNvSpPr txBox="1"/>
-          <p:nvPr/>
-        </p:nvSpPr>
-        <p:spPr>
-          <a:xfrm>
-            <a:off x="838200" y="1690688"/>
-            <a:ext cx="10515600" cy="3093154"/>
-          </a:xfrm>
-          <a:prstGeom prst="rect">
-            <a:avLst/>
-          </a:prstGeom>
-          <a:noFill/>
-        </p:spPr>
-        <p:txBody>
-          <a:bodyPr wrap="square" rtlCol="0">
-            <a:spAutoFit/>
-          </a:bodyPr>
-          <a:lstStyle/>
-          <a:p>
-            <a:pPr>
-              <a:lnSpc>
-                <a:spcPct val="150000"/>
-              </a:lnSpc>
-            </a:pPr>
-            <a:r>
-              <a:rPr lang="ko-KR" altLang="en-US" sz="2000" b="1" dirty="0" err="1" smtClean="0"/>
-              <a:t>기본키</a:t>
-            </a:r>
-            <a:endParaRPr lang="en-US" altLang="ko-KR" sz="2000" b="1" dirty="0" smtClean="0"/>
-          </a:p>
-          <a:p>
-            <a:pPr>
-              <a:lnSpc>
-                <a:spcPct val="150000"/>
-              </a:lnSpc>
-            </a:pPr>
-            <a:r>
-              <a:rPr lang="ko-KR" altLang="en-US" sz="1500" dirty="0" smtClean="0"/>
-              <a:t>유일성을 판단하여 </a:t>
-            </a:r>
-            <a:r>
-              <a:rPr lang="ko-KR" altLang="en-US" sz="1500" dirty="0" err="1" smtClean="0"/>
-              <a:t>튜플을</a:t>
-            </a:r>
-            <a:r>
-              <a:rPr lang="ko-KR" altLang="en-US" sz="1500" dirty="0" smtClean="0"/>
-              <a:t> 유일하게 식별</a:t>
-            </a:r>
-            <a:r>
-              <a:rPr lang="en-US" altLang="ko-KR" sz="1500" dirty="0" smtClean="0"/>
-              <a:t>, </a:t>
-            </a:r>
-            <a:r>
-              <a:rPr lang="ko-KR" altLang="en-US" sz="1500" dirty="0" err="1" smtClean="0"/>
-              <a:t>기본키로</a:t>
-            </a:r>
-            <a:r>
-              <a:rPr lang="ko-KR" altLang="en-US" sz="1500" dirty="0" smtClean="0"/>
-              <a:t> </a:t>
-            </a:r>
-            <a:r>
-              <a:rPr lang="en-US" altLang="ko-KR" sz="1500" dirty="0" smtClean="0"/>
-              <a:t>index</a:t>
-            </a:r>
-            <a:r>
-              <a:rPr lang="ko-KR" altLang="en-US" sz="1500" dirty="0" smtClean="0"/>
-              <a:t>를 형성하여 저장함</a:t>
-            </a:r>
-            <a:endParaRPr lang="en-US" altLang="ko-KR" sz="1500" dirty="0" smtClean="0"/>
-          </a:p>
-          <a:p>
-            <a:pPr>
-              <a:lnSpc>
-                <a:spcPct val="150000"/>
-              </a:lnSpc>
-            </a:pPr>
-            <a:r>
-              <a:rPr lang="ko-KR" altLang="en-US" sz="1500" dirty="0" smtClean="0"/>
-              <a:t>검색속도가 향상되며</a:t>
-            </a:r>
-            <a:r>
-              <a:rPr lang="en-US" altLang="ko-KR" sz="1500" dirty="0" smtClean="0"/>
-              <a:t>, null </a:t>
-            </a:r>
-            <a:r>
-              <a:rPr lang="ko-KR" altLang="en-US" sz="1500" dirty="0" smtClean="0"/>
-              <a:t>불가 </a:t>
-            </a:r>
-            <a:endParaRPr lang="en-US" altLang="ko-KR" sz="1500" dirty="0" smtClean="0"/>
-          </a:p>
-          <a:p>
-            <a:pPr>
-              <a:lnSpc>
-                <a:spcPct val="150000"/>
-              </a:lnSpc>
-            </a:pPr>
-            <a:endParaRPr lang="en-US" altLang="ko-KR" sz="1500" dirty="0" smtClean="0"/>
-          </a:p>
-          <a:p>
-            <a:pPr>
-              <a:lnSpc>
-                <a:spcPct val="150000"/>
-              </a:lnSpc>
-            </a:pPr>
-            <a:r>
-              <a:rPr lang="ko-KR" altLang="en-US" sz="2000" b="1" dirty="0" err="1" smtClean="0"/>
-              <a:t>외래키</a:t>
-            </a:r>
-            <a:endParaRPr lang="en-US" altLang="ko-KR" sz="2000" b="1" dirty="0" smtClean="0"/>
-          </a:p>
-          <a:p>
-            <a:pPr>
-              <a:lnSpc>
-                <a:spcPct val="150000"/>
-              </a:lnSpc>
-            </a:pPr>
-            <a:r>
-              <a:rPr lang="ko-KR" altLang="en-US" sz="1500" dirty="0" smtClean="0"/>
-              <a:t>테이블을 </a:t>
-            </a:r>
-            <a:r>
-              <a:rPr lang="ko-KR" altLang="en-US" sz="1500" dirty="0" err="1" smtClean="0"/>
-              <a:t>정규화하기</a:t>
-            </a:r>
-            <a:r>
-              <a:rPr lang="ko-KR" altLang="en-US" sz="1500" dirty="0" smtClean="0"/>
-              <a:t> 위해 사용</a:t>
-            </a:r>
-            <a:r>
-              <a:rPr lang="en-US" altLang="ko-KR" sz="1500" dirty="0" smtClean="0"/>
-              <a:t>(</a:t>
-            </a:r>
-            <a:r>
-              <a:rPr lang="ko-KR" altLang="en-US" sz="1500" dirty="0" smtClean="0"/>
-              <a:t>데이터 중복을 최소화하기 위해서 테이블을 쪼갠다</a:t>
-            </a:r>
-            <a:r>
-              <a:rPr lang="en-US" altLang="ko-KR" sz="1500" dirty="0" smtClean="0"/>
-              <a:t>.)</a:t>
-            </a:r>
-          </a:p>
-          <a:p>
-            <a:pPr>
-              <a:lnSpc>
-                <a:spcPct val="150000"/>
-              </a:lnSpc>
-            </a:pPr>
-            <a:r>
-              <a:rPr lang="ko-KR" altLang="en-US" sz="1500" dirty="0" smtClean="0"/>
-              <a:t>자식 </a:t>
-            </a:r>
-            <a:r>
-              <a:rPr lang="ko-KR" altLang="en-US" sz="1500" dirty="0" err="1" smtClean="0"/>
-              <a:t>릴레이션에</a:t>
-            </a:r>
-            <a:r>
-              <a:rPr lang="ko-KR" altLang="en-US" sz="1500" dirty="0" smtClean="0"/>
-              <a:t> </a:t>
-            </a:r>
-            <a:r>
-              <a:rPr lang="ko-KR" altLang="en-US" sz="1500" dirty="0" err="1" smtClean="0"/>
-              <a:t>외래키가</a:t>
-            </a:r>
-            <a:r>
-              <a:rPr lang="ko-KR" altLang="en-US" sz="1500" dirty="0" smtClean="0"/>
-              <a:t> 부모 </a:t>
-            </a:r>
-            <a:r>
-              <a:rPr lang="ko-KR" altLang="en-US" sz="1500" dirty="0" err="1" smtClean="0"/>
-              <a:t>릴레이션의</a:t>
-            </a:r>
-            <a:r>
-              <a:rPr lang="ko-KR" altLang="en-US" sz="1500" dirty="0" smtClean="0"/>
-              <a:t> 특정 필드 참조</a:t>
-            </a:r>
-            <a:endParaRPr lang="en-US" altLang="ko-KR" sz="1500" dirty="0" smtClean="0"/>
-          </a:p>
-          <a:p>
-            <a:pPr>
-              <a:lnSpc>
-                <a:spcPct val="150000"/>
-              </a:lnSpc>
-            </a:pPr>
-            <a:r>
-              <a:rPr lang="ko-KR" altLang="en-US" sz="1500" dirty="0" smtClean="0"/>
-              <a:t>데이터 중복을 최소화한다</a:t>
-            </a:r>
-            <a:r>
-              <a:rPr lang="en-US" altLang="ko-KR" sz="1500" dirty="0" smtClean="0"/>
-              <a:t>.</a:t>
-            </a:r>
-            <a:endParaRPr lang="ko-KR" altLang="en-US" sz="1500" dirty="0"/>
-          </a:p>
-        </p:txBody>
-      </p:sp>
-    </p:spTree>
-    <p:extLst>
-      <p:ext uri="{BB962C8B-B14F-4D97-AF65-F5344CB8AC3E}">
-        <p14:creationId xmlns:p14="http://schemas.microsoft.com/office/powerpoint/2010/main" val="564884892"/>
-      </p:ext>
-    </p:extLst>
-  </p:cSld>
-  <p:clrMapOvr>
-    <a:masterClrMapping/>
-  </p:clrMapOvr>
-</p:sld>
-</file>
-
-<file path=ppt/slides/slide4.xml><?xml version="1.0" encoding="utf-8"?>
-<p:sld xmlns:a="http://schemas.openxmlformats.org/drawingml/2006/main" xmlns:r="http://schemas.openxmlformats.org/officeDocument/2006/relationships" xmlns:p="http://schemas.openxmlformats.org/presentationml/2006/main">
-  <p:cSld>
-    <p:spTree>
-      <p:nvGrpSpPr>
-        <p:cNvPr id="1" name=""/>
-        <p:cNvGrpSpPr/>
-        <p:nvPr/>
-      </p:nvGrpSpPr>
-      <p:grpSpPr>
-        <a:xfrm>
-          <a:off x="0" y="0"/>
-          <a:ext cx="0" cy="0"/>
-          <a:chOff x="0" y="0"/>
-          <a:chExt cx="0" cy="0"/>
-        </a:xfrm>
-      </p:grpSpPr>
-      <p:sp>
-        <p:nvSpPr>
-          <p:cNvPr id="2" name="제목 1"/>
-          <p:cNvSpPr>
-            <a:spLocks noGrp="1"/>
-          </p:cNvSpPr>
-          <p:nvPr>
-            <p:ph type="title"/>
-          </p:nvPr>
-        </p:nvSpPr>
-        <p:spPr/>
-        <p:txBody>
-          <a:bodyPr/>
-          <a:lstStyle/>
-          <a:p>
-            <a:r>
-              <a:rPr lang="ko-KR" altLang="en-US" dirty="0" err="1" smtClean="0"/>
-              <a:t>자료형</a:t>
-            </a:r>
-            <a:r>
-              <a:rPr lang="ko-KR" altLang="en-US" dirty="0" smtClean="0"/>
-              <a:t> 설명</a:t>
-            </a:r>
-            <a:endParaRPr lang="ko-KR" altLang="en-US" dirty="0"/>
-          </a:p>
-        </p:txBody>
-      </p:sp>
-      <p:sp>
-        <p:nvSpPr>
-          <p:cNvPr id="4" name="TextBox 3"/>
-          <p:cNvSpPr txBox="1"/>
-          <p:nvPr/>
-        </p:nvSpPr>
-        <p:spPr>
-          <a:xfrm>
-            <a:off x="838200" y="1690688"/>
-            <a:ext cx="10515600" cy="4131900"/>
-          </a:xfrm>
-          <a:prstGeom prst="rect">
-            <a:avLst/>
-          </a:prstGeom>
-          <a:noFill/>
-        </p:spPr>
-        <p:txBody>
-          <a:bodyPr wrap="square" rtlCol="0">
-            <a:spAutoFit/>
-          </a:bodyPr>
-          <a:lstStyle/>
-          <a:p>
-            <a:pPr>
-              <a:lnSpc>
-                <a:spcPct val="150000"/>
-              </a:lnSpc>
-            </a:pPr>
-            <a:r>
-              <a:rPr lang="en-US" altLang="ko-KR" sz="2000" b="1" dirty="0" smtClean="0"/>
-              <a:t>CHAR</a:t>
-            </a:r>
-          </a:p>
-          <a:p>
-            <a:pPr>
-              <a:lnSpc>
-                <a:spcPct val="150000"/>
-              </a:lnSpc>
-            </a:pPr>
-            <a:r>
-              <a:rPr lang="ko-KR" altLang="en-US" sz="1500" dirty="0" err="1"/>
-              <a:t>고정길이</a:t>
-            </a:r>
-            <a:r>
-              <a:rPr lang="ko-KR" altLang="en-US" sz="1500" dirty="0"/>
-              <a:t> 문자 </a:t>
-            </a:r>
-            <a:r>
-              <a:rPr lang="en-US" altLang="ko-KR" sz="1500" dirty="0"/>
-              <a:t>DATA</a:t>
-            </a:r>
-            <a:r>
-              <a:rPr lang="ko-KR" altLang="en-US" sz="1500" dirty="0"/>
-              <a:t>를 </a:t>
-            </a:r>
-            <a:r>
-              <a:rPr lang="en-US" altLang="ko-KR" sz="1500" dirty="0"/>
-              <a:t>4000BYTE </a:t>
-            </a:r>
-            <a:r>
-              <a:rPr lang="ko-KR" altLang="en-US" sz="1500" dirty="0" smtClean="0"/>
-              <a:t>저장</a:t>
-            </a:r>
-            <a:endParaRPr lang="en-US" altLang="ko-KR" sz="1500" dirty="0" smtClean="0"/>
-          </a:p>
-          <a:p>
-            <a:pPr>
-              <a:lnSpc>
-                <a:spcPct val="150000"/>
-              </a:lnSpc>
-            </a:pPr>
-            <a:r>
-              <a:rPr lang="en-US" altLang="ko-KR" sz="2000" b="1" dirty="0" smtClean="0"/>
-              <a:t>VARCHAR2</a:t>
-            </a:r>
-          </a:p>
-          <a:p>
-            <a:pPr>
-              <a:lnSpc>
-                <a:spcPct val="150000"/>
-              </a:lnSpc>
-            </a:pPr>
-            <a:r>
-              <a:rPr lang="ko-KR" altLang="en-US" sz="1500" dirty="0" err="1"/>
-              <a:t>가변길이</a:t>
-            </a:r>
-            <a:r>
-              <a:rPr lang="ko-KR" altLang="en-US" sz="1500" dirty="0"/>
-              <a:t> 문자 </a:t>
-            </a:r>
-            <a:r>
-              <a:rPr lang="en-US" altLang="ko-KR" sz="1500" dirty="0"/>
-              <a:t>DATA</a:t>
-            </a:r>
-            <a:r>
-              <a:rPr lang="ko-KR" altLang="en-US" sz="1500" dirty="0"/>
-              <a:t>를 </a:t>
-            </a:r>
-            <a:r>
-              <a:rPr lang="en-US" altLang="ko-KR" sz="1500" dirty="0"/>
-              <a:t>4000BYTE </a:t>
-            </a:r>
-            <a:r>
-              <a:rPr lang="ko-KR" altLang="en-US" sz="1500" dirty="0" smtClean="0"/>
-              <a:t>저장</a:t>
-            </a:r>
-            <a:endParaRPr lang="en-US" altLang="ko-KR" sz="1500" dirty="0" smtClean="0"/>
-          </a:p>
-          <a:p>
-            <a:pPr>
-              <a:lnSpc>
-                <a:spcPct val="150000"/>
-              </a:lnSpc>
-            </a:pPr>
-            <a:r>
-              <a:rPr lang="en-US" altLang="ko-KR" sz="2000" b="1" dirty="0" smtClean="0"/>
-              <a:t>NUMBER</a:t>
-            </a:r>
-            <a:endParaRPr lang="en-US" altLang="ko-KR" sz="2000" b="1" dirty="0"/>
-          </a:p>
-          <a:p>
-            <a:pPr>
-              <a:lnSpc>
-                <a:spcPct val="150000"/>
-              </a:lnSpc>
-            </a:pPr>
-            <a:r>
-              <a:rPr lang="ko-KR" altLang="en-US" sz="1500" dirty="0" err="1"/>
-              <a:t>가변길이</a:t>
-            </a:r>
-            <a:r>
-              <a:rPr lang="ko-KR" altLang="en-US" sz="1500" dirty="0"/>
-              <a:t> </a:t>
-            </a:r>
-            <a:r>
-              <a:rPr lang="ko-KR" altLang="en-US" sz="1500" dirty="0" err="1"/>
-              <a:t>숫자값을</a:t>
-            </a:r>
-            <a:r>
-              <a:rPr lang="ko-KR" altLang="en-US" sz="1500" dirty="0"/>
-              <a:t> </a:t>
-            </a:r>
-            <a:r>
-              <a:rPr lang="en-US" altLang="ko-KR" sz="1500" dirty="0"/>
-              <a:t>-38 ~ +38</a:t>
-            </a:r>
-            <a:r>
-              <a:rPr lang="ko-KR" altLang="en-US" sz="1500" dirty="0" err="1"/>
-              <a:t>자리수를</a:t>
-            </a:r>
-            <a:r>
-              <a:rPr lang="ko-KR" altLang="en-US" sz="1500" dirty="0"/>
-              <a:t> </a:t>
-            </a:r>
-            <a:r>
-              <a:rPr lang="ko-KR" altLang="en-US" sz="1500" dirty="0" smtClean="0"/>
-              <a:t>저장</a:t>
-            </a:r>
-            <a:endParaRPr lang="en-US" altLang="ko-KR" sz="1500" dirty="0" smtClean="0"/>
-          </a:p>
-          <a:p>
-            <a:pPr>
-              <a:lnSpc>
-                <a:spcPct val="150000"/>
-              </a:lnSpc>
-            </a:pPr>
-            <a:r>
-              <a:rPr lang="en-US" altLang="ko-KR" sz="2000" b="1" dirty="0" smtClean="0"/>
-              <a:t>DATE</a:t>
-            </a:r>
-            <a:endParaRPr lang="en-US" altLang="ko-KR" sz="2000" b="1" dirty="0"/>
-          </a:p>
-          <a:p>
-            <a:pPr>
-              <a:lnSpc>
-                <a:spcPct val="150000"/>
-              </a:lnSpc>
-            </a:pPr>
-            <a:r>
-              <a:rPr lang="ko-KR" altLang="en-US" sz="1500" dirty="0" smtClean="0"/>
-              <a:t>날짜를 저장</a:t>
-            </a:r>
-            <a:endParaRPr lang="en-US" altLang="ko-KR" sz="1500" dirty="0"/>
-          </a:p>
-          <a:p>
-            <a:pPr>
-              <a:lnSpc>
-                <a:spcPct val="150000"/>
-              </a:lnSpc>
-            </a:pPr>
-            <a:r>
-              <a:rPr lang="en-US" altLang="ko-KR" sz="2000" b="1" dirty="0" smtClean="0"/>
-              <a:t>TIMESTAMP</a:t>
-            </a:r>
-            <a:endParaRPr lang="en-US" altLang="ko-KR" sz="2000" b="1" dirty="0"/>
-          </a:p>
-          <a:p>
-            <a:pPr>
-              <a:lnSpc>
-                <a:spcPct val="150000"/>
-              </a:lnSpc>
-            </a:pPr>
-            <a:r>
-              <a:rPr lang="ko-KR" altLang="en-US" sz="1500" dirty="0" smtClean="0"/>
-              <a:t>년</a:t>
-            </a:r>
-            <a:r>
-              <a:rPr lang="en-US" altLang="ko-KR" sz="1500" dirty="0" smtClean="0"/>
-              <a:t>, </a:t>
-            </a:r>
-            <a:r>
-              <a:rPr lang="ko-KR" altLang="en-US" sz="1500" dirty="0" smtClean="0"/>
-              <a:t>월</a:t>
-            </a:r>
-            <a:r>
-              <a:rPr lang="en-US" altLang="ko-KR" sz="1500" dirty="0" smtClean="0"/>
-              <a:t>, </a:t>
-            </a:r>
-            <a:r>
-              <a:rPr lang="ko-KR" altLang="en-US" sz="1500" dirty="0" smtClean="0"/>
-              <a:t>일</a:t>
-            </a:r>
-            <a:r>
-              <a:rPr lang="en-US" altLang="ko-KR" sz="1500" dirty="0" smtClean="0"/>
-              <a:t>, </a:t>
-            </a:r>
-            <a:r>
-              <a:rPr lang="ko-KR" altLang="en-US" sz="1500" dirty="0" smtClean="0"/>
-              <a:t>시</a:t>
-            </a:r>
-            <a:r>
-              <a:rPr lang="en-US" altLang="ko-KR" sz="1500" dirty="0" smtClean="0"/>
-              <a:t>, </a:t>
-            </a:r>
-            <a:r>
-              <a:rPr lang="ko-KR" altLang="en-US" sz="1500" dirty="0" smtClean="0"/>
-              <a:t>분</a:t>
-            </a:r>
-            <a:r>
-              <a:rPr lang="en-US" altLang="ko-KR" sz="1500" dirty="0" smtClean="0"/>
-              <a:t>, </a:t>
-            </a:r>
-            <a:r>
-              <a:rPr lang="ko-KR" altLang="en-US" sz="1500" dirty="0" smtClean="0"/>
-              <a:t>초</a:t>
-            </a:r>
-            <a:r>
-              <a:rPr lang="en-US" altLang="ko-KR" sz="1500" dirty="0" smtClean="0"/>
-              <a:t>, </a:t>
-            </a:r>
-            <a:r>
-              <a:rPr lang="en-US" altLang="ko-KR" sz="1500" dirty="0" err="1" smtClean="0"/>
-              <a:t>mili</a:t>
-            </a:r>
-            <a:r>
-              <a:rPr lang="en-US" altLang="ko-KR" sz="1500" dirty="0" smtClean="0"/>
-              <a:t>-second</a:t>
-            </a:r>
-            <a:r>
-              <a:rPr lang="ko-KR" altLang="en-US" sz="1500" dirty="0" smtClean="0"/>
-              <a:t>까지 보여줌</a:t>
-            </a:r>
-            <a:endParaRPr lang="en-US" altLang="ko-KR" sz="1500" dirty="0"/>
-          </a:p>
-        </p:txBody>
-      </p:sp>
-    </p:spTree>
-    <p:extLst>
-      <p:ext uri="{BB962C8B-B14F-4D97-AF65-F5344CB8AC3E}">
-        <p14:creationId xmlns:p14="http://schemas.microsoft.com/office/powerpoint/2010/main" val="476270996"/>
-      </p:ext>
-    </p:extLst>
-  </p:cSld>
-  <p:clrMapOvr>
-    <a:masterClrMapping/>
-  </p:clrMapOvr>
-</p:sld>
-</file>
-
-<file path=ppt/slides/slide5.xml><?xml version="1.0" encoding="utf-8"?>
-<p:sld xmlns:a="http://schemas.openxmlformats.org/drawingml/2006/main" xmlns:r="http://schemas.openxmlformats.org/officeDocument/2006/relationships" xmlns:p="http://schemas.openxmlformats.org/presentationml/2006/main">
-  <p:cSld>
-    <p:spTree>
-      <p:nvGrpSpPr>
-        <p:cNvPr id="1" name=""/>
-        <p:cNvGrpSpPr/>
-        <p:nvPr/>
-      </p:nvGrpSpPr>
-      <p:grpSpPr>
-        <a:xfrm>
-          <a:off x="0" y="0"/>
-          <a:ext cx="0" cy="0"/>
-          <a:chOff x="0" y="0"/>
-          <a:chExt cx="0" cy="0"/>
-        </a:xfrm>
-      </p:grpSpPr>
-      <p:sp>
-        <p:nvSpPr>
-          <p:cNvPr id="2" name="제목 1"/>
-          <p:cNvSpPr>
-            <a:spLocks noGrp="1"/>
-          </p:cNvSpPr>
-          <p:nvPr>
-            <p:ph type="title"/>
-          </p:nvPr>
-        </p:nvSpPr>
-        <p:spPr/>
-        <p:txBody>
-          <a:bodyPr/>
-          <a:lstStyle/>
-          <a:p>
-            <a:r>
               <a:rPr lang="en-US" altLang="ko-KR" dirty="0" smtClean="0"/>
               <a:t>ERD(Entity Relationship Diagram)</a:t>
             </a:r>
@@ -4350,7 +3448,7 @@
 </p:sld>
 </file>
 
-<file path=ppt/slides/slide6.xml><?xml version="1.0" encoding="utf-8"?>
+<file path=ppt/slides/slide12.xml><?xml version="1.0" encoding="utf-8"?>
 <p:sld xmlns:a="http://schemas.openxmlformats.org/drawingml/2006/main" xmlns:r="http://schemas.openxmlformats.org/officeDocument/2006/relationships" xmlns:p="http://schemas.openxmlformats.org/presentationml/2006/main">
   <p:cSld>
     <p:spTree>
@@ -4992,7 +4090,7 @@
 </p:sld>
 </file>
 
-<file path=ppt/slides/slide7.xml><?xml version="1.0" encoding="utf-8"?>
+<file path=ppt/slides/slide13.xml><?xml version="1.0" encoding="utf-8"?>
 <p:sld xmlns:a="http://schemas.openxmlformats.org/drawingml/2006/main" xmlns:r="http://schemas.openxmlformats.org/officeDocument/2006/relationships" xmlns:p="http://schemas.openxmlformats.org/presentationml/2006/main">
   <p:cSld>
     <p:spTree>
@@ -5660,7 +4758,7 @@
 </p:sld>
 </file>
 
-<file path=ppt/slides/slide8.xml><?xml version="1.0" encoding="utf-8"?>
+<file path=ppt/slides/slide14.xml><?xml version="1.0" encoding="utf-8"?>
 <p:sld xmlns:a="http://schemas.openxmlformats.org/drawingml/2006/main" xmlns:r="http://schemas.openxmlformats.org/officeDocument/2006/relationships" xmlns:p="http://schemas.openxmlformats.org/presentationml/2006/main">
   <p:cSld>
     <p:spTree>
@@ -6332,7 +5430,7 @@
 </p:sld>
 </file>
 
-<file path=ppt/slides/slide9.xml><?xml version="1.0" encoding="utf-8"?>
+<file path=ppt/slides/slide15.xml><?xml version="1.0" encoding="utf-8"?>
 <p:sld xmlns:a="http://schemas.openxmlformats.org/drawingml/2006/main" xmlns:r="http://schemas.openxmlformats.org/officeDocument/2006/relationships" xmlns:p="http://schemas.openxmlformats.org/presentationml/2006/main">
   <p:cSld>
     <p:spTree>
@@ -7031,6 +6129,2206 @@
     <p:extLst>
       <p:ext uri="{BB962C8B-B14F-4D97-AF65-F5344CB8AC3E}">
         <p14:creationId xmlns:p14="http://schemas.microsoft.com/office/powerpoint/2010/main" val="3543112934"/>
+      </p:ext>
+    </p:extLst>
+  </p:cSld>
+  <p:clrMapOvr>
+    <a:masterClrMapping/>
+  </p:clrMapOvr>
+</p:sld>
+</file>
+
+<file path=ppt/slides/slide2.xml><?xml version="1.0" encoding="utf-8"?>
+<p:sld xmlns:a="http://schemas.openxmlformats.org/drawingml/2006/main" xmlns:r="http://schemas.openxmlformats.org/officeDocument/2006/relationships" xmlns:p="http://schemas.openxmlformats.org/presentationml/2006/main">
+  <p:cSld>
+    <p:spTree>
+      <p:nvGrpSpPr>
+        <p:cNvPr id="1" name=""/>
+        <p:cNvGrpSpPr/>
+        <p:nvPr/>
+      </p:nvGrpSpPr>
+      <p:grpSpPr>
+        <a:xfrm>
+          <a:off x="0" y="0"/>
+          <a:ext cx="0" cy="0"/>
+          <a:chOff x="0" y="0"/>
+          <a:chExt cx="0" cy="0"/>
+        </a:xfrm>
+      </p:grpSpPr>
+      <p:sp>
+        <p:nvSpPr>
+          <p:cNvPr id="2" name="제목 1"/>
+          <p:cNvSpPr>
+            <a:spLocks noGrp="1"/>
+          </p:cNvSpPr>
+          <p:nvPr>
+            <p:ph type="title"/>
+          </p:nvPr>
+        </p:nvSpPr>
+        <p:spPr/>
+        <p:txBody>
+          <a:bodyPr/>
+          <a:lstStyle/>
+          <a:p>
+            <a:r>
+              <a:rPr lang="ko-KR" altLang="en-US" dirty="0" smtClean="0"/>
+              <a:t>용어 설명</a:t>
+            </a:r>
+            <a:endParaRPr lang="ko-KR" altLang="en-US" dirty="0"/>
+          </a:p>
+        </p:txBody>
+      </p:sp>
+      <p:sp>
+        <p:nvSpPr>
+          <p:cNvPr id="4" name="TextBox 3"/>
+          <p:cNvSpPr txBox="1"/>
+          <p:nvPr/>
+        </p:nvSpPr>
+        <p:spPr>
+          <a:xfrm>
+            <a:off x="838200" y="1690688"/>
+            <a:ext cx="10515600" cy="5193729"/>
+          </a:xfrm>
+          <a:prstGeom prst="rect">
+            <a:avLst/>
+          </a:prstGeom>
+          <a:noFill/>
+        </p:spPr>
+        <p:txBody>
+          <a:bodyPr wrap="square" rtlCol="0">
+            <a:spAutoFit/>
+          </a:bodyPr>
+          <a:lstStyle/>
+          <a:p>
+            <a:pPr>
+              <a:lnSpc>
+                <a:spcPct val="150000"/>
+              </a:lnSpc>
+            </a:pPr>
+            <a:r>
+              <a:rPr lang="ko-KR" altLang="en-US" sz="2000" b="1" dirty="0" err="1" smtClean="0"/>
+              <a:t>릴레이션</a:t>
+            </a:r>
+            <a:endParaRPr lang="en-US" altLang="ko-KR" sz="2000" b="1" dirty="0" smtClean="0"/>
+          </a:p>
+          <a:p>
+            <a:pPr>
+              <a:lnSpc>
+                <a:spcPct val="150000"/>
+              </a:lnSpc>
+            </a:pPr>
+            <a:r>
+              <a:rPr lang="ko-KR" altLang="en-US" sz="1500" dirty="0" smtClean="0"/>
+              <a:t>관계 </a:t>
+            </a:r>
+            <a:r>
+              <a:rPr lang="ko-KR" altLang="en-US" sz="1500" dirty="0"/>
+              <a:t>데이터 모델</a:t>
+            </a:r>
+            <a:r>
+              <a:rPr lang="en-US" altLang="ko-KR" sz="1500" dirty="0"/>
+              <a:t>(</a:t>
+            </a:r>
+            <a:r>
+              <a:rPr lang="ko-KR" altLang="en-US" sz="1500" dirty="0"/>
+              <a:t>관계형 데이터베이스</a:t>
+            </a:r>
+            <a:r>
+              <a:rPr lang="en-US" altLang="ko-KR" sz="1500" dirty="0"/>
+              <a:t>)</a:t>
+            </a:r>
+            <a:r>
+              <a:rPr lang="ko-KR" altLang="en-US" sz="1500" dirty="0"/>
+              <a:t>의 테이블을 </a:t>
+            </a:r>
+            <a:r>
+              <a:rPr lang="ko-KR" altLang="en-US" sz="1500" dirty="0" err="1"/>
+              <a:t>릴레이션</a:t>
+            </a:r>
+            <a:r>
+              <a:rPr lang="en-US" altLang="ko-KR" sz="1500" dirty="0"/>
+              <a:t>(Relation)</a:t>
+            </a:r>
+            <a:r>
+              <a:rPr lang="ko-KR" altLang="en-US" sz="1500" dirty="0"/>
+              <a:t>이라고 부른다</a:t>
+            </a:r>
+            <a:r>
+              <a:rPr lang="en-US" altLang="ko-KR" sz="1500" dirty="0"/>
+              <a:t>. </a:t>
+            </a:r>
+            <a:endParaRPr lang="en-US" altLang="ko-KR" sz="1500" dirty="0" smtClean="0"/>
+          </a:p>
+          <a:p>
+            <a:pPr>
+              <a:lnSpc>
+                <a:spcPct val="150000"/>
+              </a:lnSpc>
+            </a:pPr>
+            <a:r>
+              <a:rPr lang="ko-KR" altLang="en-US" sz="1500" dirty="0" err="1" smtClean="0"/>
+              <a:t>튜플</a:t>
+            </a:r>
+            <a:r>
+              <a:rPr lang="en-US" altLang="ko-KR" sz="1500" dirty="0"/>
+              <a:t>(Tuple)</a:t>
+            </a:r>
+            <a:r>
+              <a:rPr lang="ko-KR" altLang="en-US" sz="1500" dirty="0"/>
+              <a:t>과 </a:t>
+            </a:r>
+            <a:r>
+              <a:rPr lang="ko-KR" altLang="en-US" sz="1500" dirty="0" err="1"/>
+              <a:t>어트리뷰트</a:t>
+            </a:r>
+            <a:r>
+              <a:rPr lang="en-US" altLang="ko-KR" sz="1500" dirty="0"/>
+              <a:t>(Attribute)</a:t>
+            </a:r>
+            <a:r>
+              <a:rPr lang="ko-KR" altLang="en-US" sz="1500" dirty="0"/>
+              <a:t>로 구성되어있다</a:t>
+            </a:r>
+            <a:r>
+              <a:rPr lang="en-US" altLang="ko-KR" sz="1500" dirty="0"/>
+              <a:t>. </a:t>
+            </a:r>
+            <a:endParaRPr lang="en-US" altLang="ko-KR" sz="1500" dirty="0" smtClean="0"/>
+          </a:p>
+          <a:p>
+            <a:pPr>
+              <a:lnSpc>
+                <a:spcPct val="150000"/>
+              </a:lnSpc>
+            </a:pPr>
+            <a:r>
+              <a:rPr lang="ko-KR" altLang="en-US" sz="2000" b="1" dirty="0" smtClean="0"/>
+              <a:t>테이블</a:t>
+            </a:r>
+            <a:endParaRPr lang="en-US" altLang="ko-KR" sz="2000" b="1" dirty="0" smtClean="0"/>
+          </a:p>
+          <a:p>
+            <a:pPr>
+              <a:lnSpc>
+                <a:spcPct val="150000"/>
+              </a:lnSpc>
+            </a:pPr>
+            <a:r>
+              <a:rPr lang="ko-KR" altLang="en-US" sz="1500" dirty="0"/>
+              <a:t>테이블은 행과 열로 구성된 데이터 </a:t>
+            </a:r>
+            <a:r>
+              <a:rPr lang="ko-KR" altLang="en-US" sz="1500" dirty="0" smtClean="0"/>
+              <a:t>집합</a:t>
+            </a:r>
+            <a:r>
+              <a:rPr lang="en-US" altLang="ko-KR" sz="1500" dirty="0" smtClean="0"/>
+              <a:t>. </a:t>
+            </a:r>
+            <a:r>
+              <a:rPr lang="en-US" altLang="ko-KR" sz="1500" b="1" dirty="0" smtClean="0"/>
+              <a:t>*</a:t>
+            </a:r>
+            <a:r>
+              <a:rPr lang="en-US" altLang="ko-KR" sz="1500" dirty="0" smtClean="0"/>
+              <a:t>(</a:t>
+            </a:r>
+            <a:r>
+              <a:rPr lang="ko-KR" altLang="en-US" sz="1500" dirty="0" smtClean="0"/>
+              <a:t>테이블 </a:t>
+            </a:r>
+            <a:r>
+              <a:rPr lang="en-US" altLang="ko-KR" sz="1500" dirty="0" smtClean="0"/>
+              <a:t>!=</a:t>
+            </a:r>
+            <a:r>
+              <a:rPr lang="ko-KR" altLang="en-US" sz="1500" dirty="0" smtClean="0"/>
+              <a:t> </a:t>
+            </a:r>
+            <a:r>
+              <a:rPr lang="ko-KR" altLang="en-US" sz="1500" dirty="0" err="1" smtClean="0"/>
+              <a:t>릴레이션</a:t>
+            </a:r>
+            <a:r>
+              <a:rPr lang="en-US" altLang="ko-KR" sz="1500" dirty="0" smtClean="0"/>
+              <a:t>)</a:t>
+            </a:r>
+          </a:p>
+          <a:p>
+            <a:pPr>
+              <a:lnSpc>
+                <a:spcPct val="150000"/>
+              </a:lnSpc>
+            </a:pPr>
+            <a:r>
+              <a:rPr lang="ko-KR" altLang="en-US" sz="2000" b="1" dirty="0" err="1" smtClean="0"/>
+              <a:t>튜플</a:t>
+            </a:r>
+            <a:r>
+              <a:rPr lang="ko-KR" altLang="en-US" sz="2000" b="1" dirty="0" smtClean="0"/>
+              <a:t> </a:t>
+            </a:r>
+            <a:r>
+              <a:rPr lang="en-US" altLang="ko-KR" sz="2000" b="1" dirty="0" smtClean="0"/>
+              <a:t>(== </a:t>
+            </a:r>
+            <a:r>
+              <a:rPr lang="ko-KR" altLang="en-US" sz="2000" b="1" dirty="0" smtClean="0"/>
+              <a:t>레코드</a:t>
+            </a:r>
+            <a:r>
+              <a:rPr lang="en-US" altLang="ko-KR" sz="2000" b="1" dirty="0" smtClean="0"/>
+              <a:t>)</a:t>
+            </a:r>
+          </a:p>
+          <a:p>
+            <a:pPr>
+              <a:lnSpc>
+                <a:spcPct val="150000"/>
+              </a:lnSpc>
+            </a:pPr>
+            <a:r>
+              <a:rPr lang="ko-KR" altLang="en-US" sz="1500" dirty="0" err="1" smtClean="0"/>
+              <a:t>릴레이션의</a:t>
+            </a:r>
+            <a:r>
+              <a:rPr lang="ko-KR" altLang="en-US" sz="1500" dirty="0" smtClean="0"/>
+              <a:t> 행을 말함</a:t>
+            </a:r>
+            <a:endParaRPr lang="en-US" altLang="ko-KR" sz="1500" dirty="0" smtClean="0"/>
+          </a:p>
+          <a:p>
+            <a:pPr>
+              <a:lnSpc>
+                <a:spcPct val="150000"/>
+              </a:lnSpc>
+            </a:pPr>
+            <a:r>
+              <a:rPr lang="ko-KR" altLang="en-US" sz="2000" b="1" dirty="0" err="1" smtClean="0"/>
+              <a:t>어트리뷰트</a:t>
+            </a:r>
+            <a:r>
+              <a:rPr lang="ko-KR" altLang="en-US" sz="2000" b="1" dirty="0" smtClean="0"/>
+              <a:t> </a:t>
+            </a:r>
+            <a:r>
+              <a:rPr lang="en-US" altLang="ko-KR" sz="2000" b="1" dirty="0" smtClean="0"/>
+              <a:t>(== </a:t>
+            </a:r>
+            <a:r>
+              <a:rPr lang="ko-KR" altLang="en-US" sz="2000" b="1" dirty="0" smtClean="0"/>
+              <a:t>필드</a:t>
+            </a:r>
+            <a:r>
+              <a:rPr lang="en-US" altLang="ko-KR" sz="2000" b="1" dirty="0" smtClean="0"/>
+              <a:t>)</a:t>
+            </a:r>
+          </a:p>
+          <a:p>
+            <a:pPr>
+              <a:lnSpc>
+                <a:spcPct val="150000"/>
+              </a:lnSpc>
+            </a:pPr>
+            <a:r>
+              <a:rPr lang="ko-KR" altLang="en-US" sz="1500" dirty="0" err="1" smtClean="0"/>
+              <a:t>릴레이션의</a:t>
+            </a:r>
+            <a:r>
+              <a:rPr lang="ko-KR" altLang="en-US" sz="1500" dirty="0" smtClean="0"/>
+              <a:t> 열을 말함 </a:t>
+            </a:r>
+            <a:r>
+              <a:rPr lang="en-US" altLang="ko-KR" sz="1500" dirty="0" smtClean="0"/>
+              <a:t>‘</a:t>
+            </a:r>
+            <a:r>
+              <a:rPr lang="ko-KR" altLang="en-US" sz="1500" dirty="0" smtClean="0"/>
+              <a:t>속성</a:t>
+            </a:r>
+            <a:r>
+              <a:rPr lang="en-US" altLang="ko-KR" sz="1500" dirty="0" smtClean="0"/>
+              <a:t>’ </a:t>
+            </a:r>
+            <a:r>
+              <a:rPr lang="ko-KR" altLang="en-US" sz="1500" dirty="0" smtClean="0"/>
+              <a:t>또는 </a:t>
+            </a:r>
+            <a:r>
+              <a:rPr lang="ko-KR" altLang="en-US" sz="1500" dirty="0" err="1" smtClean="0"/>
+              <a:t>어트리뷰트라고</a:t>
+            </a:r>
+            <a:r>
+              <a:rPr lang="ko-KR" altLang="en-US" sz="1500" dirty="0" smtClean="0"/>
+              <a:t> 함</a:t>
+            </a:r>
+            <a:endParaRPr lang="en-US" altLang="ko-KR" sz="1500" dirty="0" smtClean="0"/>
+          </a:p>
+          <a:p>
+            <a:pPr>
+              <a:lnSpc>
+                <a:spcPct val="150000"/>
+              </a:lnSpc>
+            </a:pPr>
+            <a:r>
+              <a:rPr lang="ko-KR" altLang="en-US" sz="2000" b="1" dirty="0" smtClean="0"/>
+              <a:t>키 </a:t>
+            </a:r>
+            <a:r>
+              <a:rPr lang="en-US" altLang="ko-KR" sz="2000" b="1" dirty="0" smtClean="0"/>
+              <a:t>(</a:t>
+            </a:r>
+            <a:r>
+              <a:rPr lang="ko-KR" altLang="en-US" sz="2000" b="1" dirty="0" smtClean="0"/>
+              <a:t>현재 배운 키 </a:t>
+            </a:r>
+            <a:r>
+              <a:rPr lang="en-US" altLang="ko-KR" sz="2000" b="1" dirty="0" smtClean="0"/>
+              <a:t>=&gt; </a:t>
+            </a:r>
+            <a:r>
+              <a:rPr lang="ko-KR" altLang="en-US" sz="2000" b="1" dirty="0" err="1" smtClean="0"/>
+              <a:t>기본키</a:t>
+            </a:r>
+            <a:r>
+              <a:rPr lang="en-US" altLang="ko-KR" sz="2000" b="1" dirty="0" smtClean="0"/>
+              <a:t>, </a:t>
+            </a:r>
+            <a:r>
+              <a:rPr lang="ko-KR" altLang="en-US" sz="2000" b="1" dirty="0" err="1" smtClean="0"/>
+              <a:t>외래키</a:t>
+            </a:r>
+            <a:r>
+              <a:rPr lang="en-US" altLang="ko-KR" sz="2000" b="1" dirty="0" smtClean="0"/>
+              <a:t>)</a:t>
+            </a:r>
+          </a:p>
+          <a:p>
+            <a:pPr>
+              <a:lnSpc>
+                <a:spcPct val="150000"/>
+              </a:lnSpc>
+            </a:pPr>
+            <a:r>
+              <a:rPr lang="ko-KR" altLang="en-US" sz="1500" dirty="0"/>
+              <a:t>키는 데이터베이스에서 조건에 만족하는 </a:t>
+            </a:r>
+            <a:r>
+              <a:rPr lang="ko-KR" altLang="en-US" sz="1500" dirty="0" err="1"/>
+              <a:t>튜플을</a:t>
+            </a:r>
+            <a:r>
+              <a:rPr lang="ko-KR" altLang="en-US" sz="1500" dirty="0"/>
+              <a:t> 찾거나 순서대로 정렬할 때 </a:t>
+            </a:r>
+            <a:endParaRPr lang="en-US" altLang="ko-KR" sz="1500" dirty="0" smtClean="0"/>
+          </a:p>
+          <a:p>
+            <a:pPr>
+              <a:lnSpc>
+                <a:spcPct val="150000"/>
+              </a:lnSpc>
+            </a:pPr>
+            <a:r>
+              <a:rPr lang="ko-KR" altLang="en-US" sz="1500" dirty="0" smtClean="0"/>
+              <a:t>다른 </a:t>
+            </a:r>
+            <a:r>
+              <a:rPr lang="ko-KR" altLang="en-US" sz="1500" dirty="0" err="1"/>
+              <a:t>튜플들과</a:t>
+            </a:r>
+            <a:r>
+              <a:rPr lang="ko-KR" altLang="en-US" sz="1500" dirty="0"/>
+              <a:t> 구별할 수 있는 유일한 기준이 되는 속성이다</a:t>
+            </a:r>
+            <a:r>
+              <a:rPr lang="en-US" altLang="ko-KR" sz="1500" dirty="0"/>
+              <a:t>.</a:t>
+            </a:r>
+            <a:endParaRPr lang="en-US" altLang="ko-KR" sz="1500" dirty="0" smtClean="0"/>
+          </a:p>
+          <a:p>
+            <a:pPr>
+              <a:lnSpc>
+                <a:spcPct val="150000"/>
+              </a:lnSpc>
+            </a:pPr>
+            <a:endParaRPr lang="ko-KR" altLang="en-US" sz="1500" dirty="0"/>
+          </a:p>
+        </p:txBody>
+      </p:sp>
+    </p:spTree>
+    <p:extLst>
+      <p:ext uri="{BB962C8B-B14F-4D97-AF65-F5344CB8AC3E}">
+        <p14:creationId xmlns:p14="http://schemas.microsoft.com/office/powerpoint/2010/main" val="2489147112"/>
+      </p:ext>
+    </p:extLst>
+  </p:cSld>
+  <p:clrMapOvr>
+    <a:masterClrMapping/>
+  </p:clrMapOvr>
+</p:sld>
+</file>
+
+<file path=ppt/slides/slide3.xml><?xml version="1.0" encoding="utf-8"?>
+<p:sld xmlns:a="http://schemas.openxmlformats.org/drawingml/2006/main" xmlns:r="http://schemas.openxmlformats.org/officeDocument/2006/relationships" xmlns:p="http://schemas.openxmlformats.org/presentationml/2006/main">
+  <p:cSld>
+    <p:spTree>
+      <p:nvGrpSpPr>
+        <p:cNvPr id="1" name=""/>
+        <p:cNvGrpSpPr/>
+        <p:nvPr/>
+      </p:nvGrpSpPr>
+      <p:grpSpPr>
+        <a:xfrm>
+          <a:off x="0" y="0"/>
+          <a:ext cx="0" cy="0"/>
+          <a:chOff x="0" y="0"/>
+          <a:chExt cx="0" cy="0"/>
+        </a:xfrm>
+      </p:grpSpPr>
+      <p:sp>
+        <p:nvSpPr>
+          <p:cNvPr id="2" name="제목 1"/>
+          <p:cNvSpPr>
+            <a:spLocks noGrp="1"/>
+          </p:cNvSpPr>
+          <p:nvPr>
+            <p:ph type="title"/>
+          </p:nvPr>
+        </p:nvSpPr>
+        <p:spPr/>
+        <p:txBody>
+          <a:bodyPr/>
+          <a:lstStyle/>
+          <a:p>
+            <a:r>
+              <a:rPr lang="ko-KR" altLang="en-US" dirty="0" smtClean="0"/>
+              <a:t>용어 설명</a:t>
+            </a:r>
+            <a:r>
+              <a:rPr lang="en-US" altLang="ko-KR" dirty="0" smtClean="0"/>
+              <a:t>(</a:t>
+            </a:r>
+            <a:r>
+              <a:rPr lang="ko-KR" altLang="en-US" dirty="0" smtClean="0"/>
+              <a:t>키 추가 설명</a:t>
+            </a:r>
+            <a:r>
+              <a:rPr lang="en-US" altLang="ko-KR" dirty="0" smtClean="0"/>
+              <a:t>)</a:t>
+            </a:r>
+            <a:endParaRPr lang="ko-KR" altLang="en-US" dirty="0"/>
+          </a:p>
+        </p:txBody>
+      </p:sp>
+      <p:sp>
+        <p:nvSpPr>
+          <p:cNvPr id="4" name="TextBox 3"/>
+          <p:cNvSpPr txBox="1"/>
+          <p:nvPr/>
+        </p:nvSpPr>
+        <p:spPr>
+          <a:xfrm>
+            <a:off x="838200" y="1690688"/>
+            <a:ext cx="10515600" cy="3093154"/>
+          </a:xfrm>
+          <a:prstGeom prst="rect">
+            <a:avLst/>
+          </a:prstGeom>
+          <a:noFill/>
+        </p:spPr>
+        <p:txBody>
+          <a:bodyPr wrap="square" rtlCol="0">
+            <a:spAutoFit/>
+          </a:bodyPr>
+          <a:lstStyle/>
+          <a:p>
+            <a:pPr>
+              <a:lnSpc>
+                <a:spcPct val="150000"/>
+              </a:lnSpc>
+            </a:pPr>
+            <a:r>
+              <a:rPr lang="ko-KR" altLang="en-US" sz="2000" b="1" dirty="0" err="1" smtClean="0"/>
+              <a:t>기본키</a:t>
+            </a:r>
+            <a:endParaRPr lang="en-US" altLang="ko-KR" sz="2000" b="1" dirty="0" smtClean="0"/>
+          </a:p>
+          <a:p>
+            <a:pPr>
+              <a:lnSpc>
+                <a:spcPct val="150000"/>
+              </a:lnSpc>
+            </a:pPr>
+            <a:r>
+              <a:rPr lang="ko-KR" altLang="en-US" sz="1500" dirty="0" smtClean="0"/>
+              <a:t>유일성을 판단하여 </a:t>
+            </a:r>
+            <a:r>
+              <a:rPr lang="ko-KR" altLang="en-US" sz="1500" dirty="0" err="1" smtClean="0"/>
+              <a:t>튜플을</a:t>
+            </a:r>
+            <a:r>
+              <a:rPr lang="ko-KR" altLang="en-US" sz="1500" dirty="0" smtClean="0"/>
+              <a:t> 유일하게 식별</a:t>
+            </a:r>
+            <a:r>
+              <a:rPr lang="en-US" altLang="ko-KR" sz="1500" dirty="0" smtClean="0"/>
+              <a:t>, </a:t>
+            </a:r>
+            <a:r>
+              <a:rPr lang="ko-KR" altLang="en-US" sz="1500" dirty="0" err="1" smtClean="0"/>
+              <a:t>기본키로</a:t>
+            </a:r>
+            <a:r>
+              <a:rPr lang="ko-KR" altLang="en-US" sz="1500" dirty="0" smtClean="0"/>
+              <a:t> </a:t>
+            </a:r>
+            <a:r>
+              <a:rPr lang="en-US" altLang="ko-KR" sz="1500" dirty="0" smtClean="0"/>
+              <a:t>index</a:t>
+            </a:r>
+            <a:r>
+              <a:rPr lang="ko-KR" altLang="en-US" sz="1500" dirty="0" smtClean="0"/>
+              <a:t>를 형성하여 저장함</a:t>
+            </a:r>
+            <a:endParaRPr lang="en-US" altLang="ko-KR" sz="1500" dirty="0" smtClean="0"/>
+          </a:p>
+          <a:p>
+            <a:pPr>
+              <a:lnSpc>
+                <a:spcPct val="150000"/>
+              </a:lnSpc>
+            </a:pPr>
+            <a:r>
+              <a:rPr lang="ko-KR" altLang="en-US" sz="1500" dirty="0" smtClean="0"/>
+              <a:t>검색속도가 향상되며</a:t>
+            </a:r>
+            <a:r>
+              <a:rPr lang="en-US" altLang="ko-KR" sz="1500" dirty="0" smtClean="0"/>
+              <a:t>, null </a:t>
+            </a:r>
+            <a:r>
+              <a:rPr lang="ko-KR" altLang="en-US" sz="1500" dirty="0" smtClean="0"/>
+              <a:t>불가 </a:t>
+            </a:r>
+            <a:endParaRPr lang="en-US" altLang="ko-KR" sz="1500" dirty="0" smtClean="0"/>
+          </a:p>
+          <a:p>
+            <a:pPr>
+              <a:lnSpc>
+                <a:spcPct val="150000"/>
+              </a:lnSpc>
+            </a:pPr>
+            <a:endParaRPr lang="en-US" altLang="ko-KR" sz="1500" dirty="0" smtClean="0"/>
+          </a:p>
+          <a:p>
+            <a:pPr>
+              <a:lnSpc>
+                <a:spcPct val="150000"/>
+              </a:lnSpc>
+            </a:pPr>
+            <a:r>
+              <a:rPr lang="ko-KR" altLang="en-US" sz="2000" b="1" dirty="0" err="1" smtClean="0"/>
+              <a:t>외래키</a:t>
+            </a:r>
+            <a:endParaRPr lang="en-US" altLang="ko-KR" sz="2000" b="1" dirty="0" smtClean="0"/>
+          </a:p>
+          <a:p>
+            <a:pPr>
+              <a:lnSpc>
+                <a:spcPct val="150000"/>
+              </a:lnSpc>
+            </a:pPr>
+            <a:r>
+              <a:rPr lang="ko-KR" altLang="en-US" sz="1500" dirty="0" smtClean="0"/>
+              <a:t>테이블을 </a:t>
+            </a:r>
+            <a:r>
+              <a:rPr lang="ko-KR" altLang="en-US" sz="1500" dirty="0" err="1" smtClean="0"/>
+              <a:t>정규화하기</a:t>
+            </a:r>
+            <a:r>
+              <a:rPr lang="ko-KR" altLang="en-US" sz="1500" dirty="0" smtClean="0"/>
+              <a:t> 위해 사용</a:t>
+            </a:r>
+            <a:r>
+              <a:rPr lang="en-US" altLang="ko-KR" sz="1500" dirty="0" smtClean="0"/>
+              <a:t>(</a:t>
+            </a:r>
+            <a:r>
+              <a:rPr lang="ko-KR" altLang="en-US" sz="1500" dirty="0" smtClean="0"/>
+              <a:t>데이터 중복을 최소화하기 위해서 테이블을 쪼갠다</a:t>
+            </a:r>
+            <a:r>
+              <a:rPr lang="en-US" altLang="ko-KR" sz="1500" dirty="0" smtClean="0"/>
+              <a:t>.)</a:t>
+            </a:r>
+          </a:p>
+          <a:p>
+            <a:pPr>
+              <a:lnSpc>
+                <a:spcPct val="150000"/>
+              </a:lnSpc>
+            </a:pPr>
+            <a:r>
+              <a:rPr lang="ko-KR" altLang="en-US" sz="1500" dirty="0" smtClean="0"/>
+              <a:t>자식 </a:t>
+            </a:r>
+            <a:r>
+              <a:rPr lang="ko-KR" altLang="en-US" sz="1500" dirty="0" err="1" smtClean="0"/>
+              <a:t>릴레이션에</a:t>
+            </a:r>
+            <a:r>
+              <a:rPr lang="ko-KR" altLang="en-US" sz="1500" dirty="0" smtClean="0"/>
+              <a:t> </a:t>
+            </a:r>
+            <a:r>
+              <a:rPr lang="ko-KR" altLang="en-US" sz="1500" dirty="0" err="1" smtClean="0"/>
+              <a:t>외래키가</a:t>
+            </a:r>
+            <a:r>
+              <a:rPr lang="ko-KR" altLang="en-US" sz="1500" dirty="0" smtClean="0"/>
+              <a:t> 부모 </a:t>
+            </a:r>
+            <a:r>
+              <a:rPr lang="ko-KR" altLang="en-US" sz="1500" dirty="0" err="1" smtClean="0"/>
+              <a:t>릴레이션의</a:t>
+            </a:r>
+            <a:r>
+              <a:rPr lang="ko-KR" altLang="en-US" sz="1500" dirty="0" smtClean="0"/>
+              <a:t> 특정 필드 참조</a:t>
+            </a:r>
+            <a:endParaRPr lang="en-US" altLang="ko-KR" sz="1500" dirty="0" smtClean="0"/>
+          </a:p>
+          <a:p>
+            <a:pPr>
+              <a:lnSpc>
+                <a:spcPct val="150000"/>
+              </a:lnSpc>
+            </a:pPr>
+            <a:r>
+              <a:rPr lang="ko-KR" altLang="en-US" sz="1500" dirty="0" smtClean="0"/>
+              <a:t>데이터 중복을 최소화한다</a:t>
+            </a:r>
+            <a:r>
+              <a:rPr lang="en-US" altLang="ko-KR" sz="1500" dirty="0" smtClean="0"/>
+              <a:t>.</a:t>
+            </a:r>
+            <a:endParaRPr lang="ko-KR" altLang="en-US" sz="1500" dirty="0"/>
+          </a:p>
+        </p:txBody>
+      </p:sp>
+    </p:spTree>
+    <p:extLst>
+      <p:ext uri="{BB962C8B-B14F-4D97-AF65-F5344CB8AC3E}">
+        <p14:creationId xmlns:p14="http://schemas.microsoft.com/office/powerpoint/2010/main" val="564884892"/>
+      </p:ext>
+    </p:extLst>
+  </p:cSld>
+  <p:clrMapOvr>
+    <a:masterClrMapping/>
+  </p:clrMapOvr>
+</p:sld>
+</file>
+
+<file path=ppt/slides/slide4.xml><?xml version="1.0" encoding="utf-8"?>
+<p:sld xmlns:a="http://schemas.openxmlformats.org/drawingml/2006/main" xmlns:r="http://schemas.openxmlformats.org/officeDocument/2006/relationships" xmlns:p="http://schemas.openxmlformats.org/presentationml/2006/main">
+  <p:cSld>
+    <p:spTree>
+      <p:nvGrpSpPr>
+        <p:cNvPr id="1" name=""/>
+        <p:cNvGrpSpPr/>
+        <p:nvPr/>
+      </p:nvGrpSpPr>
+      <p:grpSpPr>
+        <a:xfrm>
+          <a:off x="0" y="0"/>
+          <a:ext cx="0" cy="0"/>
+          <a:chOff x="0" y="0"/>
+          <a:chExt cx="0" cy="0"/>
+        </a:xfrm>
+      </p:grpSpPr>
+      <p:sp>
+        <p:nvSpPr>
+          <p:cNvPr id="2" name="제목 1"/>
+          <p:cNvSpPr>
+            <a:spLocks noGrp="1"/>
+          </p:cNvSpPr>
+          <p:nvPr>
+            <p:ph type="title"/>
+          </p:nvPr>
+        </p:nvSpPr>
+        <p:spPr/>
+        <p:txBody>
+          <a:bodyPr/>
+          <a:lstStyle/>
+          <a:p>
+            <a:r>
+              <a:rPr lang="ko-KR" altLang="en-US" dirty="0" smtClean="0"/>
+              <a:t>용어 설명</a:t>
+            </a:r>
+            <a:r>
+              <a:rPr lang="en-US" altLang="ko-KR" dirty="0" smtClean="0"/>
+              <a:t>(</a:t>
+            </a:r>
+            <a:r>
+              <a:rPr lang="ko-KR" altLang="en-US" dirty="0" smtClean="0"/>
+              <a:t>키 추가 설명</a:t>
+            </a:r>
+            <a:r>
+              <a:rPr lang="en-US" altLang="ko-KR" dirty="0" smtClean="0"/>
+              <a:t>)</a:t>
+            </a:r>
+            <a:endParaRPr lang="ko-KR" altLang="en-US" dirty="0"/>
+          </a:p>
+        </p:txBody>
+      </p:sp>
+      <p:sp>
+        <p:nvSpPr>
+          <p:cNvPr id="4" name="TextBox 3"/>
+          <p:cNvSpPr txBox="1"/>
+          <p:nvPr/>
+        </p:nvSpPr>
+        <p:spPr>
+          <a:xfrm>
+            <a:off x="838200" y="1690688"/>
+            <a:ext cx="10515600" cy="3093154"/>
+          </a:xfrm>
+          <a:prstGeom prst="rect">
+            <a:avLst/>
+          </a:prstGeom>
+          <a:noFill/>
+        </p:spPr>
+        <p:txBody>
+          <a:bodyPr wrap="square" rtlCol="0">
+            <a:spAutoFit/>
+          </a:bodyPr>
+          <a:lstStyle/>
+          <a:p>
+            <a:pPr>
+              <a:lnSpc>
+                <a:spcPct val="150000"/>
+              </a:lnSpc>
+            </a:pPr>
+            <a:r>
+              <a:rPr lang="en-US" altLang="ko-KR" sz="2000" b="1" dirty="0" smtClean="0"/>
+              <a:t>CASCADE</a:t>
+            </a:r>
+            <a:endParaRPr lang="en-US" altLang="ko-KR" sz="2000" b="1" dirty="0" smtClean="0"/>
+          </a:p>
+          <a:p>
+            <a:pPr>
+              <a:lnSpc>
+                <a:spcPct val="150000"/>
+              </a:lnSpc>
+            </a:pPr>
+            <a:r>
+              <a:rPr lang="ko-KR" altLang="en-US" sz="1500" dirty="0" smtClean="0"/>
+              <a:t>유일성을 판단하여 </a:t>
+            </a:r>
+            <a:r>
+              <a:rPr lang="ko-KR" altLang="en-US" sz="1500" dirty="0" err="1" smtClean="0"/>
+              <a:t>튜플을</a:t>
+            </a:r>
+            <a:r>
+              <a:rPr lang="ko-KR" altLang="en-US" sz="1500" dirty="0" smtClean="0"/>
+              <a:t> 유일하게 식별</a:t>
+            </a:r>
+            <a:r>
+              <a:rPr lang="en-US" altLang="ko-KR" sz="1500" dirty="0" smtClean="0"/>
+              <a:t>, </a:t>
+            </a:r>
+            <a:r>
+              <a:rPr lang="ko-KR" altLang="en-US" sz="1500" dirty="0" err="1" smtClean="0"/>
+              <a:t>기본키로</a:t>
+            </a:r>
+            <a:r>
+              <a:rPr lang="ko-KR" altLang="en-US" sz="1500" dirty="0" smtClean="0"/>
+              <a:t> </a:t>
+            </a:r>
+            <a:r>
+              <a:rPr lang="en-US" altLang="ko-KR" sz="1500" dirty="0" smtClean="0"/>
+              <a:t>index</a:t>
+            </a:r>
+            <a:r>
+              <a:rPr lang="ko-KR" altLang="en-US" sz="1500" dirty="0" smtClean="0"/>
+              <a:t>를 형성하여 저장함</a:t>
+            </a:r>
+            <a:endParaRPr lang="en-US" altLang="ko-KR" sz="1500" dirty="0" smtClean="0"/>
+          </a:p>
+          <a:p>
+            <a:pPr>
+              <a:lnSpc>
+                <a:spcPct val="150000"/>
+              </a:lnSpc>
+            </a:pPr>
+            <a:r>
+              <a:rPr lang="ko-KR" altLang="en-US" sz="1500" dirty="0" smtClean="0"/>
+              <a:t>검색속도가 향상되며</a:t>
+            </a:r>
+            <a:r>
+              <a:rPr lang="en-US" altLang="ko-KR" sz="1500" dirty="0" smtClean="0"/>
+              <a:t>, null </a:t>
+            </a:r>
+            <a:r>
+              <a:rPr lang="ko-KR" altLang="en-US" sz="1500" dirty="0" smtClean="0"/>
+              <a:t>불가 </a:t>
+            </a:r>
+            <a:endParaRPr lang="en-US" altLang="ko-KR" sz="1500" dirty="0" smtClean="0"/>
+          </a:p>
+          <a:p>
+            <a:pPr>
+              <a:lnSpc>
+                <a:spcPct val="150000"/>
+              </a:lnSpc>
+            </a:pPr>
+            <a:endParaRPr lang="en-US" altLang="ko-KR" sz="1500" dirty="0" smtClean="0"/>
+          </a:p>
+          <a:p>
+            <a:pPr>
+              <a:lnSpc>
+                <a:spcPct val="150000"/>
+              </a:lnSpc>
+            </a:pPr>
+            <a:r>
+              <a:rPr lang="en-US" altLang="ko-KR" sz="2000" b="1" dirty="0" smtClean="0"/>
+              <a:t>SET NULL</a:t>
+            </a:r>
+            <a:endParaRPr lang="en-US" altLang="ko-KR" sz="2000" b="1" dirty="0" smtClean="0"/>
+          </a:p>
+          <a:p>
+            <a:pPr>
+              <a:lnSpc>
+                <a:spcPct val="150000"/>
+              </a:lnSpc>
+            </a:pPr>
+            <a:r>
+              <a:rPr lang="ko-KR" altLang="en-US" sz="1500" dirty="0" smtClean="0"/>
+              <a:t>테이블을 </a:t>
+            </a:r>
+            <a:r>
+              <a:rPr lang="ko-KR" altLang="en-US" sz="1500" dirty="0" err="1" smtClean="0"/>
+              <a:t>정규화하기</a:t>
+            </a:r>
+            <a:r>
+              <a:rPr lang="ko-KR" altLang="en-US" sz="1500" dirty="0" smtClean="0"/>
+              <a:t> 위해 사용</a:t>
+            </a:r>
+            <a:r>
+              <a:rPr lang="en-US" altLang="ko-KR" sz="1500" dirty="0" smtClean="0"/>
+              <a:t>(</a:t>
+            </a:r>
+            <a:r>
+              <a:rPr lang="ko-KR" altLang="en-US" sz="1500" dirty="0" smtClean="0"/>
+              <a:t>데이터 중복을 최소화하기 위해서 테이블을 쪼갠다</a:t>
+            </a:r>
+            <a:r>
+              <a:rPr lang="en-US" altLang="ko-KR" sz="1500" dirty="0" smtClean="0"/>
+              <a:t>.)</a:t>
+            </a:r>
+          </a:p>
+          <a:p>
+            <a:pPr>
+              <a:lnSpc>
+                <a:spcPct val="150000"/>
+              </a:lnSpc>
+            </a:pPr>
+            <a:r>
+              <a:rPr lang="ko-KR" altLang="en-US" sz="1500" dirty="0" smtClean="0"/>
+              <a:t>자식 </a:t>
+            </a:r>
+            <a:r>
+              <a:rPr lang="ko-KR" altLang="en-US" sz="1500" dirty="0" err="1" smtClean="0"/>
+              <a:t>릴레이션에</a:t>
+            </a:r>
+            <a:r>
+              <a:rPr lang="ko-KR" altLang="en-US" sz="1500" dirty="0" smtClean="0"/>
+              <a:t> </a:t>
+            </a:r>
+            <a:r>
+              <a:rPr lang="ko-KR" altLang="en-US" sz="1500" dirty="0" err="1" smtClean="0"/>
+              <a:t>외래키가</a:t>
+            </a:r>
+            <a:r>
+              <a:rPr lang="ko-KR" altLang="en-US" sz="1500" dirty="0" smtClean="0"/>
+              <a:t> 부모 </a:t>
+            </a:r>
+            <a:r>
+              <a:rPr lang="ko-KR" altLang="en-US" sz="1500" dirty="0" err="1" smtClean="0"/>
+              <a:t>릴레이션의</a:t>
+            </a:r>
+            <a:r>
+              <a:rPr lang="ko-KR" altLang="en-US" sz="1500" dirty="0" smtClean="0"/>
+              <a:t> 특정 필드 참조</a:t>
+            </a:r>
+            <a:endParaRPr lang="en-US" altLang="ko-KR" sz="1500" dirty="0" smtClean="0"/>
+          </a:p>
+          <a:p>
+            <a:pPr>
+              <a:lnSpc>
+                <a:spcPct val="150000"/>
+              </a:lnSpc>
+            </a:pPr>
+            <a:r>
+              <a:rPr lang="ko-KR" altLang="en-US" sz="1500" dirty="0" smtClean="0"/>
+              <a:t>데이터 중복을 최소화한다</a:t>
+            </a:r>
+            <a:r>
+              <a:rPr lang="en-US" altLang="ko-KR" sz="1500" dirty="0" smtClean="0"/>
+              <a:t>.</a:t>
+            </a:r>
+            <a:endParaRPr lang="ko-KR" altLang="en-US" sz="1500" dirty="0"/>
+          </a:p>
+        </p:txBody>
+      </p:sp>
+    </p:spTree>
+    <p:extLst>
+      <p:ext uri="{BB962C8B-B14F-4D97-AF65-F5344CB8AC3E}">
+        <p14:creationId xmlns:p14="http://schemas.microsoft.com/office/powerpoint/2010/main" val="671246197"/>
+      </p:ext>
+    </p:extLst>
+  </p:cSld>
+  <p:clrMapOvr>
+    <a:masterClrMapping/>
+  </p:clrMapOvr>
+</p:sld>
+</file>
+
+<file path=ppt/slides/slide5.xml><?xml version="1.0" encoding="utf-8"?>
+<p:sld xmlns:a="http://schemas.openxmlformats.org/drawingml/2006/main" xmlns:r="http://schemas.openxmlformats.org/officeDocument/2006/relationships" xmlns:p="http://schemas.openxmlformats.org/presentationml/2006/main">
+  <p:cSld>
+    <p:spTree>
+      <p:nvGrpSpPr>
+        <p:cNvPr id="1" name=""/>
+        <p:cNvGrpSpPr/>
+        <p:nvPr/>
+      </p:nvGrpSpPr>
+      <p:grpSpPr>
+        <a:xfrm>
+          <a:off x="0" y="0"/>
+          <a:ext cx="0" cy="0"/>
+          <a:chOff x="0" y="0"/>
+          <a:chExt cx="0" cy="0"/>
+        </a:xfrm>
+      </p:grpSpPr>
+      <p:sp>
+        <p:nvSpPr>
+          <p:cNvPr id="2" name="제목 1"/>
+          <p:cNvSpPr>
+            <a:spLocks noGrp="1"/>
+          </p:cNvSpPr>
+          <p:nvPr>
+            <p:ph type="title"/>
+          </p:nvPr>
+        </p:nvSpPr>
+        <p:spPr/>
+        <p:txBody>
+          <a:bodyPr/>
+          <a:lstStyle/>
+          <a:p>
+            <a:r>
+              <a:rPr lang="ko-KR" altLang="en-US" dirty="0" err="1" smtClean="0"/>
+              <a:t>자료형</a:t>
+            </a:r>
+            <a:r>
+              <a:rPr lang="ko-KR" altLang="en-US" dirty="0" smtClean="0"/>
+              <a:t> 설명</a:t>
+            </a:r>
+            <a:endParaRPr lang="ko-KR" altLang="en-US" dirty="0"/>
+          </a:p>
+        </p:txBody>
+      </p:sp>
+      <p:sp>
+        <p:nvSpPr>
+          <p:cNvPr id="4" name="TextBox 3"/>
+          <p:cNvSpPr txBox="1"/>
+          <p:nvPr/>
+        </p:nvSpPr>
+        <p:spPr>
+          <a:xfrm>
+            <a:off x="838200" y="1690688"/>
+            <a:ext cx="10515600" cy="4131900"/>
+          </a:xfrm>
+          <a:prstGeom prst="rect">
+            <a:avLst/>
+          </a:prstGeom>
+          <a:noFill/>
+        </p:spPr>
+        <p:txBody>
+          <a:bodyPr wrap="square" rtlCol="0">
+            <a:spAutoFit/>
+          </a:bodyPr>
+          <a:lstStyle/>
+          <a:p>
+            <a:pPr>
+              <a:lnSpc>
+                <a:spcPct val="150000"/>
+              </a:lnSpc>
+            </a:pPr>
+            <a:r>
+              <a:rPr lang="en-US" altLang="ko-KR" sz="2000" b="1" dirty="0" smtClean="0"/>
+              <a:t>CHAR</a:t>
+            </a:r>
+          </a:p>
+          <a:p>
+            <a:pPr>
+              <a:lnSpc>
+                <a:spcPct val="150000"/>
+              </a:lnSpc>
+            </a:pPr>
+            <a:r>
+              <a:rPr lang="ko-KR" altLang="en-US" sz="1500" dirty="0" err="1"/>
+              <a:t>고정길이</a:t>
+            </a:r>
+            <a:r>
+              <a:rPr lang="ko-KR" altLang="en-US" sz="1500" dirty="0"/>
+              <a:t> 문자 </a:t>
+            </a:r>
+            <a:r>
+              <a:rPr lang="en-US" altLang="ko-KR" sz="1500" dirty="0"/>
+              <a:t>DATA</a:t>
+            </a:r>
+            <a:r>
+              <a:rPr lang="ko-KR" altLang="en-US" sz="1500" dirty="0"/>
+              <a:t>를 </a:t>
+            </a:r>
+            <a:r>
+              <a:rPr lang="en-US" altLang="ko-KR" sz="1500" dirty="0"/>
+              <a:t>4000BYTE </a:t>
+            </a:r>
+            <a:r>
+              <a:rPr lang="ko-KR" altLang="en-US" sz="1500" dirty="0" smtClean="0"/>
+              <a:t>저장</a:t>
+            </a:r>
+            <a:endParaRPr lang="en-US" altLang="ko-KR" sz="1500" dirty="0" smtClean="0"/>
+          </a:p>
+          <a:p>
+            <a:pPr>
+              <a:lnSpc>
+                <a:spcPct val="150000"/>
+              </a:lnSpc>
+            </a:pPr>
+            <a:r>
+              <a:rPr lang="en-US" altLang="ko-KR" sz="2000" b="1" dirty="0" smtClean="0"/>
+              <a:t>VARCHAR2</a:t>
+            </a:r>
+          </a:p>
+          <a:p>
+            <a:pPr>
+              <a:lnSpc>
+                <a:spcPct val="150000"/>
+              </a:lnSpc>
+            </a:pPr>
+            <a:r>
+              <a:rPr lang="ko-KR" altLang="en-US" sz="1500" dirty="0" err="1"/>
+              <a:t>가변길이</a:t>
+            </a:r>
+            <a:r>
+              <a:rPr lang="ko-KR" altLang="en-US" sz="1500" dirty="0"/>
+              <a:t> 문자 </a:t>
+            </a:r>
+            <a:r>
+              <a:rPr lang="en-US" altLang="ko-KR" sz="1500" dirty="0"/>
+              <a:t>DATA</a:t>
+            </a:r>
+            <a:r>
+              <a:rPr lang="ko-KR" altLang="en-US" sz="1500" dirty="0"/>
+              <a:t>를 </a:t>
+            </a:r>
+            <a:r>
+              <a:rPr lang="en-US" altLang="ko-KR" sz="1500" dirty="0"/>
+              <a:t>4000BYTE </a:t>
+            </a:r>
+            <a:r>
+              <a:rPr lang="ko-KR" altLang="en-US" sz="1500" dirty="0" smtClean="0"/>
+              <a:t>저장</a:t>
+            </a:r>
+            <a:endParaRPr lang="en-US" altLang="ko-KR" sz="1500" dirty="0" smtClean="0"/>
+          </a:p>
+          <a:p>
+            <a:pPr>
+              <a:lnSpc>
+                <a:spcPct val="150000"/>
+              </a:lnSpc>
+            </a:pPr>
+            <a:r>
+              <a:rPr lang="en-US" altLang="ko-KR" sz="2000" b="1" dirty="0" smtClean="0"/>
+              <a:t>NUMBER</a:t>
+            </a:r>
+            <a:endParaRPr lang="en-US" altLang="ko-KR" sz="2000" b="1" dirty="0"/>
+          </a:p>
+          <a:p>
+            <a:pPr>
+              <a:lnSpc>
+                <a:spcPct val="150000"/>
+              </a:lnSpc>
+            </a:pPr>
+            <a:r>
+              <a:rPr lang="ko-KR" altLang="en-US" sz="1500" dirty="0" err="1"/>
+              <a:t>가변길이</a:t>
+            </a:r>
+            <a:r>
+              <a:rPr lang="ko-KR" altLang="en-US" sz="1500" dirty="0"/>
+              <a:t> </a:t>
+            </a:r>
+            <a:r>
+              <a:rPr lang="ko-KR" altLang="en-US" sz="1500" dirty="0" err="1"/>
+              <a:t>숫자값을</a:t>
+            </a:r>
+            <a:r>
+              <a:rPr lang="ko-KR" altLang="en-US" sz="1500" dirty="0"/>
+              <a:t> </a:t>
+            </a:r>
+            <a:r>
+              <a:rPr lang="en-US" altLang="ko-KR" sz="1500" dirty="0"/>
+              <a:t>-38 ~ +38</a:t>
+            </a:r>
+            <a:r>
+              <a:rPr lang="ko-KR" altLang="en-US" sz="1500" dirty="0" err="1"/>
+              <a:t>자리수를</a:t>
+            </a:r>
+            <a:r>
+              <a:rPr lang="ko-KR" altLang="en-US" sz="1500" dirty="0"/>
+              <a:t> </a:t>
+            </a:r>
+            <a:r>
+              <a:rPr lang="ko-KR" altLang="en-US" sz="1500" dirty="0" smtClean="0"/>
+              <a:t>저장</a:t>
+            </a:r>
+            <a:endParaRPr lang="en-US" altLang="ko-KR" sz="1500" dirty="0" smtClean="0"/>
+          </a:p>
+          <a:p>
+            <a:pPr>
+              <a:lnSpc>
+                <a:spcPct val="150000"/>
+              </a:lnSpc>
+            </a:pPr>
+            <a:r>
+              <a:rPr lang="en-US" altLang="ko-KR" sz="2000" b="1" dirty="0" smtClean="0"/>
+              <a:t>DATE</a:t>
+            </a:r>
+            <a:endParaRPr lang="en-US" altLang="ko-KR" sz="2000" b="1" dirty="0"/>
+          </a:p>
+          <a:p>
+            <a:pPr>
+              <a:lnSpc>
+                <a:spcPct val="150000"/>
+              </a:lnSpc>
+            </a:pPr>
+            <a:r>
+              <a:rPr lang="ko-KR" altLang="en-US" sz="1500" dirty="0" smtClean="0"/>
+              <a:t>날짜를 저장</a:t>
+            </a:r>
+            <a:endParaRPr lang="en-US" altLang="ko-KR" sz="1500" dirty="0"/>
+          </a:p>
+          <a:p>
+            <a:pPr>
+              <a:lnSpc>
+                <a:spcPct val="150000"/>
+              </a:lnSpc>
+            </a:pPr>
+            <a:r>
+              <a:rPr lang="en-US" altLang="ko-KR" sz="2000" b="1" dirty="0" smtClean="0"/>
+              <a:t>TIMESTAMP</a:t>
+            </a:r>
+            <a:endParaRPr lang="en-US" altLang="ko-KR" sz="2000" b="1" dirty="0"/>
+          </a:p>
+          <a:p>
+            <a:pPr>
+              <a:lnSpc>
+                <a:spcPct val="150000"/>
+              </a:lnSpc>
+            </a:pPr>
+            <a:r>
+              <a:rPr lang="ko-KR" altLang="en-US" sz="1500" dirty="0" smtClean="0"/>
+              <a:t>년</a:t>
+            </a:r>
+            <a:r>
+              <a:rPr lang="en-US" altLang="ko-KR" sz="1500" dirty="0" smtClean="0"/>
+              <a:t>, </a:t>
+            </a:r>
+            <a:r>
+              <a:rPr lang="ko-KR" altLang="en-US" sz="1500" dirty="0" smtClean="0"/>
+              <a:t>월</a:t>
+            </a:r>
+            <a:r>
+              <a:rPr lang="en-US" altLang="ko-KR" sz="1500" dirty="0" smtClean="0"/>
+              <a:t>, </a:t>
+            </a:r>
+            <a:r>
+              <a:rPr lang="ko-KR" altLang="en-US" sz="1500" dirty="0" smtClean="0"/>
+              <a:t>일</a:t>
+            </a:r>
+            <a:r>
+              <a:rPr lang="en-US" altLang="ko-KR" sz="1500" dirty="0" smtClean="0"/>
+              <a:t>, </a:t>
+            </a:r>
+            <a:r>
+              <a:rPr lang="ko-KR" altLang="en-US" sz="1500" dirty="0" smtClean="0"/>
+              <a:t>시</a:t>
+            </a:r>
+            <a:r>
+              <a:rPr lang="en-US" altLang="ko-KR" sz="1500" dirty="0" smtClean="0"/>
+              <a:t>, </a:t>
+            </a:r>
+            <a:r>
+              <a:rPr lang="ko-KR" altLang="en-US" sz="1500" dirty="0" smtClean="0"/>
+              <a:t>분</a:t>
+            </a:r>
+            <a:r>
+              <a:rPr lang="en-US" altLang="ko-KR" sz="1500" dirty="0" smtClean="0"/>
+              <a:t>, </a:t>
+            </a:r>
+            <a:r>
+              <a:rPr lang="ko-KR" altLang="en-US" sz="1500" dirty="0" smtClean="0"/>
+              <a:t>초</a:t>
+            </a:r>
+            <a:r>
+              <a:rPr lang="en-US" altLang="ko-KR" sz="1500" dirty="0" smtClean="0"/>
+              <a:t>, </a:t>
+            </a:r>
+            <a:r>
+              <a:rPr lang="en-US" altLang="ko-KR" sz="1500" dirty="0" err="1" smtClean="0"/>
+              <a:t>mili</a:t>
+            </a:r>
+            <a:r>
+              <a:rPr lang="en-US" altLang="ko-KR" sz="1500" dirty="0" smtClean="0"/>
+              <a:t>-second</a:t>
+            </a:r>
+            <a:r>
+              <a:rPr lang="ko-KR" altLang="en-US" sz="1500" dirty="0" smtClean="0"/>
+              <a:t>까지 보여줌</a:t>
+            </a:r>
+            <a:endParaRPr lang="en-US" altLang="ko-KR" sz="1500" dirty="0"/>
+          </a:p>
+        </p:txBody>
+      </p:sp>
+    </p:spTree>
+    <p:extLst>
+      <p:ext uri="{BB962C8B-B14F-4D97-AF65-F5344CB8AC3E}">
+        <p14:creationId xmlns:p14="http://schemas.microsoft.com/office/powerpoint/2010/main" val="476270996"/>
+      </p:ext>
+    </p:extLst>
+  </p:cSld>
+  <p:clrMapOvr>
+    <a:masterClrMapping/>
+  </p:clrMapOvr>
+</p:sld>
+</file>
+
+<file path=ppt/slides/slide6.xml><?xml version="1.0" encoding="utf-8"?>
+<p:sld xmlns:a="http://schemas.openxmlformats.org/drawingml/2006/main" xmlns:r="http://schemas.openxmlformats.org/officeDocument/2006/relationships" xmlns:p="http://schemas.openxmlformats.org/presentationml/2006/main">
+  <p:cSld>
+    <p:spTree>
+      <p:nvGrpSpPr>
+        <p:cNvPr id="1" name=""/>
+        <p:cNvGrpSpPr/>
+        <p:nvPr/>
+      </p:nvGrpSpPr>
+      <p:grpSpPr>
+        <a:xfrm>
+          <a:off x="0" y="0"/>
+          <a:ext cx="0" cy="0"/>
+          <a:chOff x="0" y="0"/>
+          <a:chExt cx="0" cy="0"/>
+        </a:xfrm>
+      </p:grpSpPr>
+      <p:sp>
+        <p:nvSpPr>
+          <p:cNvPr id="2" name="제목 1"/>
+          <p:cNvSpPr>
+            <a:spLocks noGrp="1"/>
+          </p:cNvSpPr>
+          <p:nvPr>
+            <p:ph type="title"/>
+          </p:nvPr>
+        </p:nvSpPr>
+        <p:spPr/>
+        <p:txBody>
+          <a:bodyPr/>
+          <a:lstStyle/>
+          <a:p>
+            <a:r>
+              <a:rPr lang="en-US" altLang="ko-KR" dirty="0" smtClean="0"/>
+              <a:t>CRUD - C</a:t>
+            </a:r>
+            <a:endParaRPr lang="ko-KR" altLang="en-US" dirty="0"/>
+          </a:p>
+        </p:txBody>
+      </p:sp>
+      <p:sp>
+        <p:nvSpPr>
+          <p:cNvPr id="4" name="TextBox 3"/>
+          <p:cNvSpPr txBox="1"/>
+          <p:nvPr/>
+        </p:nvSpPr>
+        <p:spPr>
+          <a:xfrm>
+            <a:off x="838200" y="1690688"/>
+            <a:ext cx="10515600" cy="3785652"/>
+          </a:xfrm>
+          <a:prstGeom prst="rect">
+            <a:avLst/>
+          </a:prstGeom>
+          <a:noFill/>
+        </p:spPr>
+        <p:txBody>
+          <a:bodyPr wrap="square" rtlCol="0">
+            <a:spAutoFit/>
+          </a:bodyPr>
+          <a:lstStyle/>
+          <a:p>
+            <a:pPr>
+              <a:lnSpc>
+                <a:spcPct val="150000"/>
+              </a:lnSpc>
+            </a:pPr>
+            <a:r>
+              <a:rPr lang="en-US" altLang="ko-KR" sz="2000" b="1" dirty="0" smtClean="0"/>
+              <a:t>CREATE TABLE [</a:t>
+            </a:r>
+            <a:r>
+              <a:rPr lang="ko-KR" altLang="en-US" sz="2000" b="1" dirty="0" err="1" smtClean="0"/>
+              <a:t>테이블명</a:t>
+            </a:r>
+            <a:r>
+              <a:rPr lang="en-US" altLang="ko-KR" sz="2000" b="1" dirty="0" smtClean="0"/>
+              <a:t>] (</a:t>
+            </a:r>
+          </a:p>
+          <a:p>
+            <a:pPr>
+              <a:lnSpc>
+                <a:spcPct val="150000"/>
+              </a:lnSpc>
+            </a:pPr>
+            <a:r>
+              <a:rPr lang="en-US" altLang="ko-KR" sz="2000" b="1" dirty="0" smtClean="0"/>
+              <a:t>	</a:t>
+            </a:r>
+            <a:r>
+              <a:rPr lang="ko-KR" altLang="en-US" sz="2000" b="1" dirty="0" err="1" smtClean="0"/>
+              <a:t>컬럼명</a:t>
+            </a:r>
+            <a:r>
+              <a:rPr lang="en-US" altLang="ko-KR" sz="2000" b="1" dirty="0" smtClean="0"/>
+              <a:t>1 </a:t>
+            </a:r>
+            <a:r>
+              <a:rPr lang="ko-KR" altLang="en-US" sz="2000" b="1" dirty="0" err="1" smtClean="0"/>
+              <a:t>데이터타입</a:t>
+            </a:r>
+            <a:r>
+              <a:rPr lang="en-US" altLang="ko-KR" sz="2000" b="1" dirty="0" smtClean="0"/>
+              <a:t>() </a:t>
+            </a:r>
+            <a:r>
+              <a:rPr lang="ko-KR" altLang="en-US" sz="2000" b="1" dirty="0" smtClean="0"/>
+              <a:t>제약조건</a:t>
+            </a:r>
+            <a:r>
+              <a:rPr lang="en-US" altLang="ko-KR" sz="2000" b="1" dirty="0" smtClean="0"/>
+              <a:t>,</a:t>
+            </a:r>
+          </a:p>
+          <a:p>
+            <a:pPr>
+              <a:lnSpc>
+                <a:spcPct val="150000"/>
+              </a:lnSpc>
+            </a:pPr>
+            <a:r>
+              <a:rPr lang="en-US" altLang="ko-KR" sz="2000" b="1" dirty="0"/>
+              <a:t>	</a:t>
+            </a:r>
+            <a:r>
+              <a:rPr lang="ko-KR" altLang="en-US" sz="2000" b="1" dirty="0" err="1" smtClean="0"/>
+              <a:t>컬럼명</a:t>
+            </a:r>
+            <a:r>
+              <a:rPr lang="en-US" altLang="ko-KR" sz="2000" b="1" dirty="0" smtClean="0"/>
+              <a:t>2 </a:t>
+            </a:r>
+            <a:r>
+              <a:rPr lang="ko-KR" altLang="en-US" sz="2000" b="1" dirty="0" err="1" smtClean="0"/>
+              <a:t>데이터타입</a:t>
+            </a:r>
+            <a:r>
+              <a:rPr lang="en-US" altLang="ko-KR" sz="2000" b="1" dirty="0" smtClean="0"/>
+              <a:t>() </a:t>
+            </a:r>
+            <a:r>
+              <a:rPr lang="ko-KR" altLang="en-US" sz="2000" b="1" dirty="0" smtClean="0"/>
+              <a:t>제약조건</a:t>
+            </a:r>
+            <a:r>
+              <a:rPr lang="en-US" altLang="ko-KR" sz="2000" b="1" dirty="0" smtClean="0"/>
+              <a:t>,</a:t>
+            </a:r>
+          </a:p>
+          <a:p>
+            <a:pPr>
+              <a:lnSpc>
+                <a:spcPct val="150000"/>
+              </a:lnSpc>
+            </a:pPr>
+            <a:r>
+              <a:rPr lang="en-US" altLang="ko-KR" sz="2000" b="1" dirty="0"/>
+              <a:t>	</a:t>
+            </a:r>
+            <a:r>
+              <a:rPr lang="en-US" altLang="ko-KR" sz="2000" b="1" dirty="0" smtClean="0"/>
+              <a:t>…</a:t>
+            </a:r>
+            <a:endParaRPr lang="en-US" altLang="ko-KR" sz="2000" b="1" dirty="0"/>
+          </a:p>
+          <a:p>
+            <a:pPr>
+              <a:lnSpc>
+                <a:spcPct val="150000"/>
+              </a:lnSpc>
+            </a:pPr>
+            <a:r>
+              <a:rPr lang="en-US" altLang="ko-KR" sz="2000" b="1" dirty="0" smtClean="0"/>
+              <a:t>);</a:t>
+            </a:r>
+          </a:p>
+          <a:p>
+            <a:pPr>
+              <a:lnSpc>
+                <a:spcPct val="150000"/>
+              </a:lnSpc>
+            </a:pPr>
+            <a:endParaRPr lang="en-US" altLang="ko-KR" sz="2000" b="1" dirty="0" smtClean="0"/>
+          </a:p>
+          <a:p>
+            <a:pPr>
+              <a:lnSpc>
+                <a:spcPct val="150000"/>
+              </a:lnSpc>
+            </a:pPr>
+            <a:r>
+              <a:rPr lang="en-US" altLang="ko-KR" sz="2000" b="1" dirty="0"/>
+              <a:t>INSERT INTO [</a:t>
+            </a:r>
+            <a:r>
+              <a:rPr lang="ko-KR" altLang="en-US" sz="2000" b="1" dirty="0" err="1"/>
+              <a:t>테이블명</a:t>
+            </a:r>
+            <a:r>
+              <a:rPr lang="en-US" altLang="ko-KR" sz="2000" b="1" dirty="0"/>
+              <a:t>] VALUES (</a:t>
+            </a:r>
+            <a:r>
+              <a:rPr lang="ko-KR" altLang="en-US" sz="2000" b="1" dirty="0"/>
+              <a:t>컬럼 값</a:t>
+            </a:r>
+            <a:r>
+              <a:rPr lang="en-US" altLang="ko-KR" sz="2000" b="1" dirty="0"/>
+              <a:t>1, </a:t>
+            </a:r>
+            <a:r>
+              <a:rPr lang="ko-KR" altLang="en-US" sz="2000" b="1" dirty="0"/>
+              <a:t>컬럼 값</a:t>
+            </a:r>
+            <a:r>
+              <a:rPr lang="en-US" altLang="ko-KR" sz="2000" b="1" dirty="0"/>
+              <a:t>2, ... , </a:t>
+            </a:r>
+            <a:r>
+              <a:rPr lang="ko-KR" altLang="en-US" sz="2000" b="1" dirty="0"/>
+              <a:t>컬럼 값</a:t>
+            </a:r>
+            <a:r>
+              <a:rPr lang="en-US" altLang="ko-KR" sz="2000" b="1" dirty="0"/>
+              <a:t>N);</a:t>
+            </a:r>
+          </a:p>
+          <a:p>
+            <a:pPr>
+              <a:lnSpc>
+                <a:spcPct val="150000"/>
+              </a:lnSpc>
+            </a:pPr>
+            <a:endParaRPr lang="en-US" altLang="ko-KR" sz="2000" b="1" dirty="0" smtClean="0"/>
+          </a:p>
+        </p:txBody>
+      </p:sp>
+    </p:spTree>
+    <p:extLst>
+      <p:ext uri="{BB962C8B-B14F-4D97-AF65-F5344CB8AC3E}">
+        <p14:creationId xmlns:p14="http://schemas.microsoft.com/office/powerpoint/2010/main" val="2709051062"/>
+      </p:ext>
+    </p:extLst>
+  </p:cSld>
+  <p:clrMapOvr>
+    <a:masterClrMapping/>
+  </p:clrMapOvr>
+</p:sld>
+</file>
+
+<file path=ppt/slides/slide7.xml><?xml version="1.0" encoding="utf-8"?>
+<p:sld xmlns:a="http://schemas.openxmlformats.org/drawingml/2006/main" xmlns:r="http://schemas.openxmlformats.org/officeDocument/2006/relationships" xmlns:p="http://schemas.openxmlformats.org/presentationml/2006/main">
+  <p:cSld>
+    <p:spTree>
+      <p:nvGrpSpPr>
+        <p:cNvPr id="1" name=""/>
+        <p:cNvGrpSpPr/>
+        <p:nvPr/>
+      </p:nvGrpSpPr>
+      <p:grpSpPr>
+        <a:xfrm>
+          <a:off x="0" y="0"/>
+          <a:ext cx="0" cy="0"/>
+          <a:chOff x="0" y="0"/>
+          <a:chExt cx="0" cy="0"/>
+        </a:xfrm>
+      </p:grpSpPr>
+      <p:sp>
+        <p:nvSpPr>
+          <p:cNvPr id="2" name="제목 1"/>
+          <p:cNvSpPr>
+            <a:spLocks noGrp="1"/>
+          </p:cNvSpPr>
+          <p:nvPr>
+            <p:ph type="title"/>
+          </p:nvPr>
+        </p:nvSpPr>
+        <p:spPr/>
+        <p:txBody>
+          <a:bodyPr/>
+          <a:lstStyle/>
+          <a:p>
+            <a:r>
+              <a:rPr lang="en-US" altLang="ko-KR" dirty="0" smtClean="0"/>
+              <a:t>CRUD - R</a:t>
+            </a:r>
+            <a:endParaRPr lang="ko-KR" altLang="en-US" dirty="0"/>
+          </a:p>
+        </p:txBody>
+      </p:sp>
+      <p:sp>
+        <p:nvSpPr>
+          <p:cNvPr id="4" name="TextBox 3"/>
+          <p:cNvSpPr txBox="1"/>
+          <p:nvPr/>
+        </p:nvSpPr>
+        <p:spPr>
+          <a:xfrm>
+            <a:off x="838200" y="1690688"/>
+            <a:ext cx="10515600" cy="2400657"/>
+          </a:xfrm>
+          <a:prstGeom prst="rect">
+            <a:avLst/>
+          </a:prstGeom>
+          <a:noFill/>
+        </p:spPr>
+        <p:txBody>
+          <a:bodyPr wrap="square" rtlCol="0">
+            <a:spAutoFit/>
+          </a:bodyPr>
+          <a:lstStyle/>
+          <a:p>
+            <a:pPr>
+              <a:lnSpc>
+                <a:spcPct val="150000"/>
+              </a:lnSpc>
+            </a:pPr>
+            <a:r>
+              <a:rPr lang="en-US" altLang="ko-KR" sz="2000" b="1" dirty="0" smtClean="0"/>
+              <a:t>SELECT [</a:t>
+            </a:r>
+            <a:r>
+              <a:rPr lang="ko-KR" altLang="en-US" sz="2000" b="1" dirty="0" err="1" smtClean="0"/>
+              <a:t>컬럼명</a:t>
+            </a:r>
+            <a:r>
+              <a:rPr lang="en-US" altLang="ko-KR" sz="2000" b="1" dirty="0" smtClean="0"/>
+              <a:t>] FROM [</a:t>
+            </a:r>
+            <a:r>
+              <a:rPr lang="ko-KR" altLang="en-US" sz="2000" b="1" dirty="0" err="1" smtClean="0"/>
+              <a:t>테이블명</a:t>
+            </a:r>
+            <a:r>
+              <a:rPr lang="en-US" altLang="ko-KR" sz="2000" b="1" dirty="0" smtClean="0"/>
+              <a:t>] WHERE [</a:t>
+            </a:r>
+            <a:r>
+              <a:rPr lang="ko-KR" altLang="en-US" sz="2000" b="1" dirty="0" smtClean="0"/>
+              <a:t>조건</a:t>
+            </a:r>
+            <a:r>
+              <a:rPr lang="en-US" altLang="ko-KR" sz="2000" b="1" dirty="0" smtClean="0"/>
+              <a:t>] </a:t>
+            </a:r>
+            <a:r>
+              <a:rPr lang="en-US" altLang="ko-KR" sz="2000" b="1" dirty="0" smtClean="0"/>
+              <a:t>ORDER BY []</a:t>
+            </a:r>
+          </a:p>
+          <a:p>
+            <a:pPr>
+              <a:lnSpc>
+                <a:spcPct val="150000"/>
+              </a:lnSpc>
+            </a:pPr>
+            <a:endParaRPr lang="en-US" altLang="ko-KR" sz="2000" b="1" dirty="0"/>
+          </a:p>
+          <a:p>
+            <a:pPr>
+              <a:lnSpc>
+                <a:spcPct val="150000"/>
+              </a:lnSpc>
+            </a:pPr>
+            <a:r>
+              <a:rPr lang="en-US" altLang="ko-KR" sz="2000" b="1" dirty="0" smtClean="0"/>
+              <a:t>SELECT </a:t>
+            </a:r>
+            <a:r>
+              <a:rPr lang="ko-KR" altLang="en-US" sz="2000" b="1" dirty="0" smtClean="0"/>
+              <a:t>뒤에는 개수를 세는 집계 </a:t>
+            </a:r>
+            <a:r>
+              <a:rPr lang="en-US" altLang="ko-KR" sz="2000" b="1" dirty="0" smtClean="0"/>
+              <a:t>COUNT</a:t>
+            </a:r>
+            <a:r>
+              <a:rPr lang="ko-KR" altLang="en-US" sz="2000" b="1" dirty="0" smtClean="0"/>
+              <a:t>가 올 수도 있고</a:t>
+            </a:r>
+            <a:endParaRPr lang="en-US" altLang="ko-KR" sz="2000" b="1" dirty="0" smtClean="0"/>
+          </a:p>
+          <a:p>
+            <a:pPr>
+              <a:lnSpc>
+                <a:spcPct val="150000"/>
+              </a:lnSpc>
+            </a:pPr>
+            <a:r>
+              <a:rPr lang="ko-KR" altLang="en-US" sz="2000" b="1" dirty="0" smtClean="0"/>
+              <a:t>전체를 셀 수 있는 </a:t>
+            </a:r>
+            <a:r>
+              <a:rPr lang="en-US" altLang="ko-KR" sz="2000" b="1" dirty="0" smtClean="0"/>
+              <a:t>*</a:t>
+            </a:r>
+            <a:r>
+              <a:rPr lang="ko-KR" altLang="en-US" sz="2000" b="1" dirty="0" smtClean="0"/>
+              <a:t>이 올 수 있고</a:t>
+            </a:r>
+            <a:r>
+              <a:rPr lang="en-US" altLang="ko-KR" sz="2000" b="1" dirty="0" smtClean="0"/>
+              <a:t>,</a:t>
+            </a:r>
+          </a:p>
+          <a:p>
+            <a:pPr>
+              <a:lnSpc>
+                <a:spcPct val="150000"/>
+              </a:lnSpc>
+            </a:pPr>
+            <a:r>
+              <a:rPr lang="ko-KR" altLang="en-US" sz="2000" b="1" dirty="0" smtClean="0"/>
+              <a:t>여러 개의 컬럼을 가져오고 싶을 땐 </a:t>
+            </a:r>
+            <a:r>
+              <a:rPr lang="en-US" altLang="ko-KR" sz="2000" b="1" dirty="0" smtClean="0"/>
+              <a:t>[</a:t>
+            </a:r>
+            <a:r>
+              <a:rPr lang="ko-KR" altLang="en-US" sz="2000" b="1" dirty="0" smtClean="0"/>
+              <a:t>컬럼</a:t>
+            </a:r>
+            <a:r>
+              <a:rPr lang="en-US" altLang="ko-KR" sz="2000" b="1" dirty="0" smtClean="0"/>
+              <a:t>1, </a:t>
+            </a:r>
+            <a:r>
+              <a:rPr lang="ko-KR" altLang="en-US" sz="2000" b="1" dirty="0" smtClean="0"/>
+              <a:t>컬럼</a:t>
+            </a:r>
+            <a:r>
+              <a:rPr lang="en-US" altLang="ko-KR" sz="2000" b="1" dirty="0" smtClean="0"/>
+              <a:t>2, … ] </a:t>
+            </a:r>
+            <a:r>
+              <a:rPr lang="ko-KR" altLang="en-US" sz="2000" b="1" dirty="0" smtClean="0"/>
+              <a:t>쓰면 된다</a:t>
+            </a:r>
+            <a:r>
+              <a:rPr lang="en-US" altLang="ko-KR" sz="2000" b="1" dirty="0" smtClean="0"/>
+              <a:t>.</a:t>
+            </a:r>
+          </a:p>
+        </p:txBody>
+      </p:sp>
+    </p:spTree>
+    <p:extLst>
+      <p:ext uri="{BB962C8B-B14F-4D97-AF65-F5344CB8AC3E}">
+        <p14:creationId xmlns:p14="http://schemas.microsoft.com/office/powerpoint/2010/main" val="3027804875"/>
+      </p:ext>
+    </p:extLst>
+  </p:cSld>
+  <p:clrMapOvr>
+    <a:masterClrMapping/>
+  </p:clrMapOvr>
+</p:sld>
+</file>
+
+<file path=ppt/slides/slide8.xml><?xml version="1.0" encoding="utf-8"?>
+<p:sld xmlns:a="http://schemas.openxmlformats.org/drawingml/2006/main" xmlns:r="http://schemas.openxmlformats.org/officeDocument/2006/relationships" xmlns:p="http://schemas.openxmlformats.org/presentationml/2006/main">
+  <p:cSld>
+    <p:spTree>
+      <p:nvGrpSpPr>
+        <p:cNvPr id="1" name=""/>
+        <p:cNvGrpSpPr/>
+        <p:nvPr/>
+      </p:nvGrpSpPr>
+      <p:grpSpPr>
+        <a:xfrm>
+          <a:off x="0" y="0"/>
+          <a:ext cx="0" cy="0"/>
+          <a:chOff x="0" y="0"/>
+          <a:chExt cx="0" cy="0"/>
+        </a:xfrm>
+      </p:grpSpPr>
+      <p:sp>
+        <p:nvSpPr>
+          <p:cNvPr id="2" name="제목 1"/>
+          <p:cNvSpPr>
+            <a:spLocks noGrp="1"/>
+          </p:cNvSpPr>
+          <p:nvPr>
+            <p:ph type="title"/>
+          </p:nvPr>
+        </p:nvSpPr>
+        <p:spPr/>
+        <p:txBody>
+          <a:bodyPr/>
+          <a:lstStyle/>
+          <a:p>
+            <a:r>
+              <a:rPr lang="en-US" altLang="ko-KR" dirty="0" smtClean="0"/>
+              <a:t>CRUD - U</a:t>
+            </a:r>
+            <a:endParaRPr lang="ko-KR" altLang="en-US" dirty="0"/>
+          </a:p>
+        </p:txBody>
+      </p:sp>
+      <p:sp>
+        <p:nvSpPr>
+          <p:cNvPr id="4" name="TextBox 3"/>
+          <p:cNvSpPr txBox="1"/>
+          <p:nvPr/>
+        </p:nvSpPr>
+        <p:spPr>
+          <a:xfrm>
+            <a:off x="838200" y="1690688"/>
+            <a:ext cx="10515600" cy="4247317"/>
+          </a:xfrm>
+          <a:prstGeom prst="rect">
+            <a:avLst/>
+          </a:prstGeom>
+          <a:noFill/>
+        </p:spPr>
+        <p:txBody>
+          <a:bodyPr wrap="square" rtlCol="0">
+            <a:spAutoFit/>
+          </a:bodyPr>
+          <a:lstStyle/>
+          <a:p>
+            <a:pPr>
+              <a:lnSpc>
+                <a:spcPct val="150000"/>
+              </a:lnSpc>
+            </a:pPr>
+            <a:r>
+              <a:rPr lang="en-US" altLang="ko-KR" sz="2000" b="1" dirty="0" smtClean="0"/>
+              <a:t>ALTER TABLE [</a:t>
+            </a:r>
+            <a:r>
+              <a:rPr lang="ko-KR" altLang="en-US" sz="2000" b="1" dirty="0" err="1" smtClean="0"/>
+              <a:t>테이블명</a:t>
+            </a:r>
+            <a:r>
+              <a:rPr lang="en-US" altLang="ko-KR" sz="2000" b="1" dirty="0" smtClean="0"/>
+              <a:t>] ADD (</a:t>
+            </a:r>
+            <a:r>
+              <a:rPr lang="ko-KR" altLang="en-US" sz="2000" b="1" dirty="0" err="1" smtClean="0"/>
+              <a:t>컬럼명</a:t>
+            </a:r>
+            <a:r>
+              <a:rPr lang="ko-KR" altLang="en-US" sz="2000" b="1" dirty="0" smtClean="0"/>
+              <a:t> </a:t>
+            </a:r>
+            <a:r>
+              <a:rPr lang="ko-KR" altLang="en-US" sz="2000" b="1" dirty="0" err="1" smtClean="0"/>
+              <a:t>데이터타입</a:t>
+            </a:r>
+            <a:r>
+              <a:rPr lang="ko-KR" altLang="en-US" sz="2000" b="1" dirty="0" smtClean="0"/>
+              <a:t> </a:t>
+            </a:r>
+            <a:r>
+              <a:rPr lang="en-US" altLang="ko-KR" sz="2000" b="1" dirty="0" smtClean="0"/>
+              <a:t>())</a:t>
+            </a:r>
+          </a:p>
+          <a:p>
+            <a:pPr>
+              <a:lnSpc>
+                <a:spcPct val="150000"/>
+              </a:lnSpc>
+            </a:pPr>
+            <a:r>
+              <a:rPr lang="en-US" altLang="ko-KR" sz="2000" b="1" dirty="0"/>
+              <a:t>ALTER TABLE [</a:t>
+            </a:r>
+            <a:r>
+              <a:rPr lang="ko-KR" altLang="en-US" sz="2000" b="1" dirty="0" err="1"/>
+              <a:t>테이블명</a:t>
+            </a:r>
+            <a:r>
+              <a:rPr lang="en-US" altLang="ko-KR" sz="2000" b="1" dirty="0"/>
+              <a:t>] </a:t>
+            </a:r>
+            <a:r>
+              <a:rPr lang="en-US" altLang="ko-KR" sz="2000" b="1" dirty="0" smtClean="0"/>
+              <a:t>MODIFY </a:t>
+            </a:r>
+            <a:r>
+              <a:rPr lang="en-US" altLang="ko-KR" sz="2000" b="1" dirty="0"/>
+              <a:t>(</a:t>
+            </a:r>
+            <a:r>
+              <a:rPr lang="ko-KR" altLang="en-US" sz="2000" b="1" dirty="0" err="1"/>
+              <a:t>컬럼명</a:t>
+            </a:r>
+            <a:r>
+              <a:rPr lang="ko-KR" altLang="en-US" sz="2000" b="1" dirty="0"/>
+              <a:t> </a:t>
+            </a:r>
+            <a:r>
+              <a:rPr lang="ko-KR" altLang="en-US" sz="2000" b="1" dirty="0" err="1"/>
+              <a:t>데이터타입</a:t>
+            </a:r>
+            <a:r>
+              <a:rPr lang="ko-KR" altLang="en-US" sz="2000" b="1" dirty="0"/>
+              <a:t> </a:t>
+            </a:r>
+            <a:r>
+              <a:rPr lang="en-US" altLang="ko-KR" sz="2000" b="1" dirty="0" smtClean="0"/>
+              <a:t>())</a:t>
+            </a:r>
+          </a:p>
+          <a:p>
+            <a:pPr>
+              <a:lnSpc>
+                <a:spcPct val="150000"/>
+              </a:lnSpc>
+            </a:pPr>
+            <a:r>
+              <a:rPr lang="en-US" altLang="ko-KR" sz="2000" b="1" dirty="0"/>
+              <a:t>ALTER TABLE [</a:t>
+            </a:r>
+            <a:r>
+              <a:rPr lang="ko-KR" altLang="en-US" sz="2000" b="1" dirty="0" err="1"/>
+              <a:t>테이블명</a:t>
+            </a:r>
+            <a:r>
+              <a:rPr lang="en-US" altLang="ko-KR" sz="2000" b="1" dirty="0"/>
+              <a:t>] </a:t>
+            </a:r>
+            <a:r>
+              <a:rPr lang="en-US" altLang="ko-KR" sz="2000" b="1" dirty="0" smtClean="0"/>
+              <a:t>DROP COLUMN </a:t>
+            </a:r>
+            <a:r>
+              <a:rPr lang="ko-KR" altLang="en-US" sz="2000" b="1" dirty="0" err="1" smtClean="0"/>
+              <a:t>컬럼명</a:t>
+            </a:r>
+            <a:endParaRPr lang="en-US" altLang="ko-KR" sz="2000" b="1" dirty="0" smtClean="0"/>
+          </a:p>
+          <a:p>
+            <a:pPr>
+              <a:lnSpc>
+                <a:spcPct val="150000"/>
+              </a:lnSpc>
+            </a:pPr>
+            <a:r>
+              <a:rPr lang="en-US" altLang="ko-KR" sz="2000" b="1" dirty="0" smtClean="0"/>
+              <a:t>ALTER TABLE [</a:t>
+            </a:r>
+            <a:r>
+              <a:rPr lang="ko-KR" altLang="en-US" sz="2000" b="1" dirty="0" err="1" smtClean="0"/>
+              <a:t>테이블명</a:t>
+            </a:r>
+            <a:r>
+              <a:rPr lang="en-US" altLang="ko-KR" sz="2000" b="1" dirty="0" smtClean="0"/>
+              <a:t>] RENAME COLUMN </a:t>
+            </a:r>
+            <a:r>
+              <a:rPr lang="ko-KR" altLang="en-US" sz="2000" b="1" dirty="0" err="1" smtClean="0"/>
+              <a:t>원래컬럼명</a:t>
+            </a:r>
+            <a:r>
+              <a:rPr lang="ko-KR" altLang="en-US" sz="2000" b="1" dirty="0" smtClean="0"/>
+              <a:t> </a:t>
+            </a:r>
+            <a:r>
+              <a:rPr lang="en-US" altLang="ko-KR" sz="2000" b="1" dirty="0" smtClean="0"/>
+              <a:t>TO </a:t>
+            </a:r>
+            <a:r>
+              <a:rPr lang="ko-KR" altLang="en-US" sz="2000" b="1" dirty="0" err="1" smtClean="0"/>
+              <a:t>바꿀컬럼명</a:t>
+            </a:r>
+            <a:endParaRPr lang="en-US" altLang="ko-KR" sz="2000" b="1" dirty="0"/>
+          </a:p>
+          <a:p>
+            <a:pPr>
+              <a:lnSpc>
+                <a:spcPct val="150000"/>
+              </a:lnSpc>
+            </a:pPr>
+            <a:endParaRPr lang="en-US" altLang="ko-KR" sz="2000" b="1" dirty="0" smtClean="0"/>
+          </a:p>
+          <a:p>
+            <a:pPr>
+              <a:lnSpc>
+                <a:spcPct val="150000"/>
+              </a:lnSpc>
+            </a:pPr>
+            <a:r>
+              <a:rPr lang="en-US" altLang="ko-KR" sz="2000" b="1" dirty="0" smtClean="0"/>
+              <a:t>UPDATE [</a:t>
+            </a:r>
+            <a:r>
+              <a:rPr lang="ko-KR" altLang="en-US" sz="2000" b="1" dirty="0" err="1" smtClean="0"/>
+              <a:t>테이블명</a:t>
+            </a:r>
+            <a:r>
+              <a:rPr lang="en-US" altLang="ko-KR" sz="2000" b="1" dirty="0" smtClean="0"/>
+              <a:t>] SET [</a:t>
+            </a:r>
+            <a:r>
+              <a:rPr lang="ko-KR" altLang="en-US" sz="2000" b="1" dirty="0" err="1" smtClean="0"/>
+              <a:t>컬럼명</a:t>
+            </a:r>
+            <a:r>
+              <a:rPr lang="en-US" altLang="ko-KR" sz="2000" b="1" dirty="0" smtClean="0"/>
+              <a:t> = </a:t>
+            </a:r>
+            <a:r>
+              <a:rPr lang="ko-KR" altLang="en-US" sz="2000" b="1" dirty="0" smtClean="0"/>
+              <a:t>데이터 값</a:t>
+            </a:r>
+            <a:r>
+              <a:rPr lang="en-US" altLang="ko-KR" sz="2000" b="1" dirty="0" smtClean="0"/>
+              <a:t>] WHERE [</a:t>
+            </a:r>
+            <a:r>
+              <a:rPr lang="ko-KR" altLang="en-US" sz="2000" b="1" dirty="0" smtClean="0"/>
+              <a:t>조건</a:t>
+            </a:r>
+            <a:r>
+              <a:rPr lang="en-US" altLang="ko-KR" sz="2000" b="1" dirty="0" smtClean="0"/>
+              <a:t>]</a:t>
+            </a:r>
+            <a:endParaRPr lang="en-US" altLang="ko-KR" sz="2000" b="1" dirty="0" smtClean="0"/>
+          </a:p>
+          <a:p>
+            <a:pPr>
+              <a:lnSpc>
+                <a:spcPct val="150000"/>
+              </a:lnSpc>
+            </a:pPr>
+            <a:endParaRPr lang="en-US" altLang="ko-KR" sz="2000" b="1" dirty="0" smtClean="0"/>
+          </a:p>
+          <a:p>
+            <a:pPr>
+              <a:lnSpc>
+                <a:spcPct val="150000"/>
+              </a:lnSpc>
+            </a:pPr>
+            <a:r>
+              <a:rPr lang="en-US" altLang="ko-KR" sz="2000" b="1" dirty="0" smtClean="0"/>
+              <a:t>SET </a:t>
+            </a:r>
+            <a:r>
+              <a:rPr lang="ko-KR" altLang="en-US" sz="2000" b="1" dirty="0" err="1" smtClean="0"/>
+              <a:t>컬럼명</a:t>
+            </a:r>
+            <a:r>
+              <a:rPr lang="ko-KR" altLang="en-US" sz="2000" b="1" dirty="0" smtClean="0"/>
+              <a:t> </a:t>
+            </a:r>
+            <a:r>
+              <a:rPr lang="en-US" altLang="ko-KR" sz="2000" b="1" dirty="0" smtClean="0"/>
+              <a:t>  = </a:t>
+            </a:r>
+            <a:r>
+              <a:rPr lang="ko-KR" altLang="en-US" sz="2000" b="1" dirty="0" smtClean="0"/>
+              <a:t>데이터 값 </a:t>
+            </a:r>
+            <a:endParaRPr lang="en-US" altLang="ko-KR" sz="2000" b="1" dirty="0" smtClean="0"/>
+          </a:p>
+          <a:p>
+            <a:pPr>
+              <a:lnSpc>
+                <a:spcPct val="150000"/>
+              </a:lnSpc>
+            </a:pPr>
+            <a:r>
+              <a:rPr lang="en-US" altLang="ko-KR" sz="2000" b="1" dirty="0" smtClean="0"/>
+              <a:t>- </a:t>
+            </a:r>
+            <a:r>
+              <a:rPr lang="ko-KR" altLang="en-US" sz="2000" b="1" dirty="0" smtClean="0"/>
+              <a:t>선택한 컬럼에 기재한 데이터 값으로 데이터 갱신 </a:t>
+            </a:r>
+            <a:endParaRPr lang="en-US" altLang="ko-KR" sz="2000" b="1" dirty="0" smtClean="0"/>
+          </a:p>
+        </p:txBody>
+      </p:sp>
+    </p:spTree>
+    <p:extLst>
+      <p:ext uri="{BB962C8B-B14F-4D97-AF65-F5344CB8AC3E}">
+        <p14:creationId xmlns:p14="http://schemas.microsoft.com/office/powerpoint/2010/main" val="3492121335"/>
+      </p:ext>
+    </p:extLst>
+  </p:cSld>
+  <p:clrMapOvr>
+    <a:masterClrMapping/>
+  </p:clrMapOvr>
+</p:sld>
+</file>
+
+<file path=ppt/slides/slide9.xml><?xml version="1.0" encoding="utf-8"?>
+<p:sld xmlns:a="http://schemas.openxmlformats.org/drawingml/2006/main" xmlns:r="http://schemas.openxmlformats.org/officeDocument/2006/relationships" xmlns:p="http://schemas.openxmlformats.org/presentationml/2006/main">
+  <p:cSld>
+    <p:spTree>
+      <p:nvGrpSpPr>
+        <p:cNvPr id="1" name=""/>
+        <p:cNvGrpSpPr/>
+        <p:nvPr/>
+      </p:nvGrpSpPr>
+      <p:grpSpPr>
+        <a:xfrm>
+          <a:off x="0" y="0"/>
+          <a:ext cx="0" cy="0"/>
+          <a:chOff x="0" y="0"/>
+          <a:chExt cx="0" cy="0"/>
+        </a:xfrm>
+      </p:grpSpPr>
+      <p:sp>
+        <p:nvSpPr>
+          <p:cNvPr id="2" name="제목 1"/>
+          <p:cNvSpPr>
+            <a:spLocks noGrp="1"/>
+          </p:cNvSpPr>
+          <p:nvPr>
+            <p:ph type="title"/>
+          </p:nvPr>
+        </p:nvSpPr>
+        <p:spPr/>
+        <p:txBody>
+          <a:bodyPr/>
+          <a:lstStyle/>
+          <a:p>
+            <a:r>
+              <a:rPr lang="en-US" altLang="ko-KR" dirty="0" smtClean="0"/>
+              <a:t>CRUD - D</a:t>
+            </a:r>
+            <a:endParaRPr lang="ko-KR" altLang="en-US" dirty="0"/>
+          </a:p>
+        </p:txBody>
+      </p:sp>
+      <p:sp>
+        <p:nvSpPr>
+          <p:cNvPr id="4" name="TextBox 3"/>
+          <p:cNvSpPr txBox="1"/>
+          <p:nvPr/>
+        </p:nvSpPr>
+        <p:spPr>
+          <a:xfrm>
+            <a:off x="838200" y="1690688"/>
+            <a:ext cx="10515600" cy="1477328"/>
+          </a:xfrm>
+          <a:prstGeom prst="rect">
+            <a:avLst/>
+          </a:prstGeom>
+          <a:noFill/>
+        </p:spPr>
+        <p:txBody>
+          <a:bodyPr wrap="square" rtlCol="0">
+            <a:spAutoFit/>
+          </a:bodyPr>
+          <a:lstStyle/>
+          <a:p>
+            <a:pPr>
+              <a:lnSpc>
+                <a:spcPct val="150000"/>
+              </a:lnSpc>
+            </a:pPr>
+            <a:r>
+              <a:rPr lang="en-US" altLang="ko-KR" sz="2000" b="1" dirty="0" smtClean="0"/>
+              <a:t>DROP TABLE [</a:t>
+            </a:r>
+            <a:r>
+              <a:rPr lang="ko-KR" altLang="en-US" sz="2000" b="1" dirty="0" err="1" smtClean="0"/>
+              <a:t>테이블명</a:t>
+            </a:r>
+            <a:r>
+              <a:rPr lang="en-US" altLang="ko-KR" sz="2000" b="1" dirty="0" smtClean="0"/>
+              <a:t>]</a:t>
+            </a:r>
+          </a:p>
+          <a:p>
+            <a:pPr>
+              <a:lnSpc>
+                <a:spcPct val="150000"/>
+              </a:lnSpc>
+            </a:pPr>
+            <a:endParaRPr lang="en-US" altLang="ko-KR" sz="2000" b="1" dirty="0" smtClean="0"/>
+          </a:p>
+          <a:p>
+            <a:pPr>
+              <a:lnSpc>
+                <a:spcPct val="150000"/>
+              </a:lnSpc>
+            </a:pPr>
+            <a:r>
+              <a:rPr lang="en-US" altLang="ko-KR" sz="2000" b="1" dirty="0" smtClean="0"/>
+              <a:t>DELETE FROM [</a:t>
+            </a:r>
+            <a:r>
+              <a:rPr lang="ko-KR" altLang="en-US" sz="2000" b="1" dirty="0" err="1" smtClean="0"/>
+              <a:t>테이블명</a:t>
+            </a:r>
+            <a:r>
+              <a:rPr lang="en-US" altLang="ko-KR" sz="2000" b="1" dirty="0" smtClean="0"/>
+              <a:t>] WHERE [</a:t>
+            </a:r>
+            <a:r>
+              <a:rPr lang="ko-KR" altLang="en-US" sz="2000" b="1" dirty="0" smtClean="0"/>
+              <a:t>조건</a:t>
+            </a:r>
+            <a:r>
+              <a:rPr lang="en-US" altLang="ko-KR" sz="2000" b="1" dirty="0" smtClean="0"/>
+              <a:t>]</a:t>
+            </a:r>
+          </a:p>
+        </p:txBody>
+      </p:sp>
+    </p:spTree>
+    <p:extLst>
+      <p:ext uri="{BB962C8B-B14F-4D97-AF65-F5344CB8AC3E}">
+        <p14:creationId xmlns:p14="http://schemas.microsoft.com/office/powerpoint/2010/main" val="1562948786"/>
       </p:ext>
     </p:extLst>
   </p:cSld>

--- a/자료/DB정리.pptx
+++ b/자료/DB정리.pptx
@@ -8,13 +8,13 @@
     <p:sldId id="256" r:id="rId2"/>
     <p:sldId id="257" r:id="rId3"/>
     <p:sldId id="263" r:id="rId4"/>
-    <p:sldId id="271" r:id="rId5"/>
-    <p:sldId id="264" r:id="rId6"/>
-    <p:sldId id="267" r:id="rId7"/>
-    <p:sldId id="268" r:id="rId8"/>
+    <p:sldId id="264" r:id="rId5"/>
+    <p:sldId id="267" r:id="rId6"/>
+    <p:sldId id="268" r:id="rId7"/>
+    <p:sldId id="265" r:id="rId8"/>
     <p:sldId id="269" r:id="rId9"/>
     <p:sldId id="270" r:id="rId10"/>
-    <p:sldId id="265" r:id="rId11"/>
+    <p:sldId id="271" r:id="rId11"/>
     <p:sldId id="262" r:id="rId12"/>
     <p:sldId id="258" r:id="rId13"/>
     <p:sldId id="259" r:id="rId14"/>
@@ -3076,7 +3076,7 @@
           <a:p>
             <a:r>
               <a:rPr lang="ko-KR" altLang="en-US" dirty="0" smtClean="0"/>
-              <a:t>조회 및 검색</a:t>
+              <a:t>함수 </a:t>
             </a:r>
             <a:endParaRPr lang="ko-KR" altLang="en-US" dirty="0"/>
           </a:p>
@@ -3091,7 +3091,7 @@
         <p:spPr>
           <a:xfrm>
             <a:off x="838200" y="1690688"/>
-            <a:ext cx="10515600" cy="4708981"/>
+            <a:ext cx="10515600" cy="1938992"/>
           </a:xfrm>
           <a:prstGeom prst="rect">
             <a:avLst/>
@@ -3110,174 +3110,107 @@
               </a:lnSpc>
             </a:pPr>
             <a:r>
+              <a:rPr lang="ko-KR" altLang="en-US" sz="2000" b="1" dirty="0"/>
+              <a:t>함수를 호출하고 함수의 기능을 실행하고 결과값을 리턴</a:t>
+            </a:r>
+            <a:r>
+              <a:rPr lang="en-US" altLang="ko-KR" sz="2000" b="1" dirty="0"/>
+              <a:t>, </a:t>
+            </a:r>
+            <a:endParaRPr lang="en-US" altLang="ko-KR" sz="2000" b="1" dirty="0" smtClean="0"/>
+          </a:p>
+          <a:p>
+            <a:pPr>
+              <a:lnSpc>
+                <a:spcPct val="150000"/>
+              </a:lnSpc>
+            </a:pPr>
+            <a:r>
+              <a:rPr lang="en-US" altLang="ko-KR" sz="2000" b="1" dirty="0"/>
+              <a:t>	</a:t>
+            </a:r>
+            <a:r>
+              <a:rPr lang="ko-KR" altLang="en-US" sz="2000" b="1" dirty="0" smtClean="0"/>
+              <a:t>결과값을 리턴 받아서 </a:t>
+            </a:r>
+            <a:r>
+              <a:rPr lang="ko-KR" altLang="en-US" sz="2000" b="1" dirty="0"/>
+              <a:t>처리 한다</a:t>
+            </a:r>
+            <a:r>
+              <a:rPr lang="en-US" altLang="ko-KR" sz="2000" b="1" dirty="0"/>
+              <a:t>... </a:t>
+            </a:r>
+          </a:p>
+          <a:p>
+            <a:pPr>
+              <a:lnSpc>
+                <a:spcPct val="150000"/>
+              </a:lnSpc>
+            </a:pPr>
+            <a:r>
               <a:rPr lang="en-US" altLang="ko-KR" sz="2000" b="1" dirty="0" smtClean="0"/>
-              <a:t>SELECT </a:t>
+              <a:t>	</a:t>
+            </a:r>
+            <a:r>
+              <a:rPr lang="ko-KR" altLang="en-US" sz="2000" b="1" dirty="0" smtClean="0"/>
+              <a:t>예를 </a:t>
+            </a:r>
+            <a:r>
+              <a:rPr lang="ko-KR" altLang="en-US" sz="2000" b="1" dirty="0"/>
+              <a:t>들어  </a:t>
             </a:r>
             <a:r>
               <a:rPr lang="en-US" altLang="ko-KR" sz="2000" b="1" dirty="0"/>
-              <a:t>[] </a:t>
-            </a:r>
-            <a:r>
-              <a:rPr lang="en-US" altLang="ko-KR" sz="2000" b="1" dirty="0" smtClean="0"/>
-              <a:t>FROM </a:t>
-            </a:r>
+              <a:t>count(*)</a:t>
+            </a:r>
+            <a:r>
+              <a:rPr lang="ko-KR" altLang="en-US" sz="2000" b="1" dirty="0"/>
+              <a:t>함수를 호출하면 </a:t>
+            </a:r>
+            <a:r>
+              <a:rPr lang="ko-KR" altLang="en-US" sz="2000" b="1" dirty="0" err="1"/>
+              <a:t>튜플의</a:t>
+            </a:r>
+            <a:r>
+              <a:rPr lang="ko-KR" altLang="en-US" sz="2000" b="1" dirty="0"/>
+              <a:t> 수를 </a:t>
+            </a:r>
+            <a:endParaRPr lang="en-US" altLang="ko-KR" sz="2000" b="1" dirty="0" smtClean="0"/>
+          </a:p>
+          <a:p>
+            <a:pPr>
+              <a:lnSpc>
+                <a:spcPct val="150000"/>
+              </a:lnSpc>
+            </a:pPr>
             <a:r>
               <a:rPr lang="en-US" altLang="ko-KR" sz="2000" b="1" dirty="0"/>
-              <a:t>[] </a:t>
-            </a:r>
-            <a:r>
-              <a:rPr lang="en-US" altLang="ko-KR" sz="2000" b="1" dirty="0" smtClean="0"/>
-              <a:t>WHERE [] (GROUP BY[]) ORDER BY []</a:t>
-            </a:r>
-          </a:p>
-          <a:p>
-            <a:pPr>
-              <a:lnSpc>
-                <a:spcPct val="150000"/>
-              </a:lnSpc>
-            </a:pPr>
-            <a:endParaRPr lang="en-US" altLang="ko-KR" sz="2000" b="1" dirty="0" smtClean="0"/>
-          </a:p>
-          <a:p>
-            <a:pPr>
-              <a:lnSpc>
-                <a:spcPct val="150000"/>
-              </a:lnSpc>
-            </a:pPr>
-            <a:r>
-              <a:rPr lang="en-US" altLang="ko-KR" sz="2000" b="1" dirty="0" smtClean="0"/>
-              <a:t>SELECT </a:t>
-            </a:r>
-            <a:r>
-              <a:rPr lang="en-US" altLang="ko-KR" sz="2000" b="1" dirty="0" smtClean="0"/>
-              <a:t>– </a:t>
+              <a:t>	</a:t>
+            </a:r>
+            <a:r>
+              <a:rPr lang="ko-KR" altLang="en-US" sz="2000" b="1" dirty="0" err="1" smtClean="0"/>
+              <a:t>카운팅하여</a:t>
             </a:r>
             <a:r>
               <a:rPr lang="ko-KR" altLang="en-US" sz="2000" b="1" dirty="0" smtClean="0"/>
-              <a:t>화면에 출력</a:t>
-            </a:r>
-            <a:endParaRPr lang="en-US" altLang="ko-KR" sz="2000" b="1" dirty="0" smtClean="0"/>
-          </a:p>
-          <a:p>
-            <a:pPr>
-              <a:lnSpc>
-                <a:spcPct val="150000"/>
-              </a:lnSpc>
-            </a:pPr>
-            <a:r>
-              <a:rPr lang="en-US" altLang="ko-KR" sz="2000" b="1" dirty="0" smtClean="0"/>
-              <a:t>FROM </a:t>
-            </a:r>
-            <a:r>
-              <a:rPr lang="en-US" altLang="ko-KR" sz="2000" b="1" dirty="0" smtClean="0"/>
-              <a:t>– </a:t>
+              <a:t> </a:t>
+            </a:r>
+            <a:r>
+              <a:rPr lang="ko-KR" altLang="en-US" sz="2000" b="1" dirty="0" err="1"/>
+              <a:t>카운팅</a:t>
+            </a:r>
+            <a:r>
+              <a:rPr lang="ko-KR" altLang="en-US" sz="2000" b="1" dirty="0"/>
+              <a:t> 결과값을 </a:t>
             </a:r>
             <a:r>
               <a:rPr lang="ko-KR" altLang="en-US" sz="2000" b="1" dirty="0" smtClean="0"/>
-              <a:t>대상 테이블</a:t>
-            </a:r>
-            <a:endParaRPr lang="en-US" altLang="ko-KR" sz="2000" b="1" dirty="0" smtClean="0"/>
-          </a:p>
-          <a:p>
-            <a:pPr>
-              <a:lnSpc>
-                <a:spcPct val="150000"/>
-              </a:lnSpc>
-            </a:pPr>
-            <a:r>
-              <a:rPr lang="en-US" altLang="ko-KR" sz="2000" b="1" dirty="0" smtClean="0"/>
-              <a:t>WHERE </a:t>
-            </a:r>
-            <a:r>
-              <a:rPr lang="en-US" altLang="ko-KR" sz="2000" b="1" dirty="0" smtClean="0"/>
-              <a:t>– </a:t>
-            </a:r>
-            <a:r>
-              <a:rPr lang="ko-KR" altLang="en-US" sz="2000" b="1" dirty="0" err="1" smtClean="0"/>
-              <a:t>튜플</a:t>
-            </a:r>
-            <a:r>
-              <a:rPr lang="ko-KR" altLang="en-US" sz="2000" b="1" dirty="0" smtClean="0"/>
-              <a:t> 선정 </a:t>
-            </a:r>
-            <a:r>
-              <a:rPr lang="ko-KR" altLang="en-US" sz="2000" b="1" dirty="0" smtClean="0"/>
-              <a:t>조건</a:t>
-            </a:r>
-            <a:endParaRPr lang="en-US" altLang="ko-KR" sz="2000" b="1" dirty="0" smtClean="0"/>
-          </a:p>
-          <a:p>
-            <a:pPr>
-              <a:lnSpc>
-                <a:spcPct val="150000"/>
-              </a:lnSpc>
-            </a:pPr>
-            <a:r>
-              <a:rPr lang="en-US" altLang="ko-KR" sz="2000" b="1" dirty="0" smtClean="0"/>
-              <a:t>GROUP BY – </a:t>
-            </a:r>
-            <a:r>
-              <a:rPr lang="ko-KR" altLang="en-US" sz="2000" b="1" dirty="0" smtClean="0"/>
-              <a:t>그룹화 후 요약</a:t>
-            </a:r>
-            <a:endParaRPr lang="en-US" altLang="ko-KR" sz="2000" b="1" dirty="0" smtClean="0"/>
-          </a:p>
-          <a:p>
-            <a:pPr>
-              <a:lnSpc>
-                <a:spcPct val="150000"/>
-              </a:lnSpc>
-            </a:pPr>
-            <a:r>
-              <a:rPr lang="en-US" altLang="ko-KR" sz="2000" b="1" dirty="0" smtClean="0"/>
-              <a:t>ORDER BY </a:t>
-            </a:r>
-            <a:r>
-              <a:rPr lang="en-US" altLang="ko-KR" sz="2000" b="1" dirty="0" smtClean="0"/>
-              <a:t>– </a:t>
-            </a:r>
-            <a:r>
-              <a:rPr lang="ko-KR" altLang="en-US" sz="2000" b="1" dirty="0" smtClean="0"/>
-              <a:t>정렬</a:t>
-            </a:r>
-            <a:endParaRPr lang="en-US" altLang="ko-KR" sz="2000" b="1" dirty="0" smtClean="0"/>
-          </a:p>
-          <a:p>
-            <a:pPr>
-              <a:lnSpc>
-                <a:spcPct val="150000"/>
-              </a:lnSpc>
-            </a:pPr>
-            <a:endParaRPr lang="en-US" altLang="ko-KR" sz="2000" b="1" dirty="0"/>
-          </a:p>
-          <a:p>
-            <a:pPr>
-              <a:lnSpc>
-                <a:spcPct val="150000"/>
-              </a:lnSpc>
-            </a:pPr>
-            <a:r>
-              <a:rPr lang="ko-KR" altLang="en-US" sz="2000" b="1" dirty="0" smtClean="0"/>
-              <a:t>순서 </a:t>
-            </a:r>
-            <a:r>
-              <a:rPr lang="en-US" altLang="ko-KR" sz="2000" b="1" dirty="0" smtClean="0"/>
-              <a:t>:</a:t>
-            </a:r>
-          </a:p>
-          <a:p>
-            <a:pPr>
-              <a:lnSpc>
-                <a:spcPct val="150000"/>
-              </a:lnSpc>
-            </a:pPr>
-            <a:r>
-              <a:rPr lang="en-US" altLang="ko-KR" sz="2000" b="1" dirty="0" smtClean="0"/>
-              <a:t>FROM -&gt; WHERE -&gt; SELECT -&gt; ORDER BY </a:t>
-            </a:r>
-            <a:r>
-              <a:rPr lang="ko-KR" altLang="en-US" sz="2000" b="1" dirty="0" smtClean="0"/>
-              <a:t>순서로 생각 및 분석 </a:t>
+              <a:t>리턴 한다</a:t>
+            </a:r>
+            <a:r>
+              <a:rPr lang="en-US" altLang="ko-KR" sz="2000" b="1" dirty="0"/>
+              <a:t>.</a:t>
             </a:r>
             <a:endParaRPr lang="en-US" altLang="ko-KR" sz="2000" b="1" dirty="0" smtClean="0"/>
           </a:p>
@@ -3286,7 +3219,7 @@
     </p:spTree>
     <p:extLst>
       <p:ext uri="{BB962C8B-B14F-4D97-AF65-F5344CB8AC3E}">
-        <p14:creationId xmlns:p14="http://schemas.microsoft.com/office/powerpoint/2010/main" val="2233381564"/>
+        <p14:creationId xmlns:p14="http://schemas.microsoft.com/office/powerpoint/2010/main" val="1123313251"/>
       </p:ext>
     </p:extLst>
   </p:cSld>
@@ -6631,7 +6564,7 @@
         <p:spPr>
           <a:xfrm>
             <a:off x="838200" y="1690688"/>
-            <a:ext cx="10515600" cy="3093154"/>
+            <a:ext cx="10515600" cy="3785652"/>
           </a:xfrm>
           <a:prstGeom prst="rect">
             <a:avLst/>
@@ -6810,11 +6743,97 @@
             </a:pPr>
             <a:r>
               <a:rPr lang="ko-KR" altLang="en-US" sz="1500" dirty="0" smtClean="0"/>
-              <a:t>데이터 중복을 최소화한다</a:t>
+              <a:t>데이터 중복을 </a:t>
+            </a:r>
+            <a:r>
+              <a:rPr lang="ko-KR" altLang="en-US" sz="1500" dirty="0" smtClean="0"/>
+              <a:t>최소화한다</a:t>
             </a:r>
             <a:r>
               <a:rPr lang="en-US" altLang="ko-KR" sz="1500" dirty="0" smtClean="0"/>
               <a:t>.</a:t>
+            </a:r>
+          </a:p>
+          <a:p>
+            <a:pPr>
+              <a:lnSpc>
+                <a:spcPct val="150000"/>
+              </a:lnSpc>
+            </a:pPr>
+            <a:r>
+              <a:rPr lang="ko-KR" altLang="en-US" sz="1500" dirty="0" err="1" smtClean="0"/>
+              <a:t>외래키</a:t>
+            </a:r>
+            <a:r>
+              <a:rPr lang="ko-KR" altLang="en-US" sz="1500" dirty="0" smtClean="0"/>
+              <a:t> 제약조건  </a:t>
+            </a:r>
+            <a:r>
+              <a:rPr lang="en-US" altLang="ko-KR" sz="1500" dirty="0" smtClean="0"/>
+              <a:t>– 	CASCADE(</a:t>
+            </a:r>
+            <a:r>
+              <a:rPr lang="ko-KR" altLang="en-US" sz="1500" dirty="0" err="1" smtClean="0"/>
+              <a:t>부모키가</a:t>
+            </a:r>
+            <a:r>
+              <a:rPr lang="ko-KR" altLang="en-US" sz="1500" dirty="0" smtClean="0"/>
+              <a:t> 삭제되면 </a:t>
+            </a:r>
+            <a:r>
+              <a:rPr lang="ko-KR" altLang="en-US" sz="1500" dirty="0" err="1" smtClean="0"/>
+              <a:t>자식키도</a:t>
+            </a:r>
+            <a:r>
+              <a:rPr lang="ko-KR" altLang="en-US" sz="1500" dirty="0" smtClean="0"/>
+              <a:t> 삭제</a:t>
+            </a:r>
+            <a:r>
+              <a:rPr lang="en-US" altLang="ko-KR" sz="1500" dirty="0"/>
+              <a:t>)</a:t>
+            </a:r>
+            <a:r>
+              <a:rPr lang="en-US" altLang="ko-KR" sz="1500" dirty="0" smtClean="0"/>
+              <a:t>, </a:t>
+            </a:r>
+          </a:p>
+          <a:p>
+            <a:pPr>
+              <a:lnSpc>
+                <a:spcPct val="150000"/>
+              </a:lnSpc>
+            </a:pPr>
+            <a:r>
+              <a:rPr lang="en-US" altLang="ko-KR" sz="1500" dirty="0"/>
+              <a:t>	</a:t>
+            </a:r>
+            <a:r>
+              <a:rPr lang="en-US" altLang="ko-KR" sz="1500" dirty="0" smtClean="0"/>
+              <a:t>	SET NULL(</a:t>
+            </a:r>
+            <a:r>
+              <a:rPr lang="ko-KR" altLang="en-US" sz="1500" dirty="0" err="1" smtClean="0"/>
+              <a:t>부모키가</a:t>
+            </a:r>
+            <a:r>
+              <a:rPr lang="ko-KR" altLang="en-US" sz="1500" dirty="0" smtClean="0"/>
+              <a:t> 삭제되면 </a:t>
+            </a:r>
+            <a:r>
+              <a:rPr lang="ko-KR" altLang="en-US" sz="1500" dirty="0" err="1" smtClean="0"/>
+              <a:t>자식키는</a:t>
+            </a:r>
+            <a:r>
+              <a:rPr lang="ko-KR" altLang="en-US" sz="1500" dirty="0" smtClean="0"/>
+              <a:t> </a:t>
+            </a:r>
+            <a:r>
+              <a:rPr lang="en-US" altLang="ko-KR" sz="1500" dirty="0" smtClean="0"/>
+              <a:t>NULL</a:t>
+            </a:r>
+            <a:r>
+              <a:rPr lang="en-US" altLang="ko-KR" sz="1500" dirty="0"/>
+              <a:t>)</a:t>
             </a:r>
             <a:endParaRPr lang="ko-KR" altLang="en-US" sz="1500" dirty="0"/>
           </a:p>
@@ -6866,20 +6885,12 @@
           <a:lstStyle/>
           <a:p>
             <a:r>
+              <a:rPr lang="ko-KR" altLang="en-US" dirty="0" err="1" smtClean="0"/>
+              <a:t>자료형</a:t>
+            </a:r>
+            <a:r>
               <a:rPr lang="ko-KR" altLang="en-US" dirty="0" smtClean="0"/>
-              <a:t>용어 설명</a:t>
-            </a:r>
-            <a:r>
-              <a:rPr lang="en-US" altLang="ko-KR" dirty="0" smtClean="0"/>
-              <a:t>(</a:t>
-            </a:r>
-            <a:r>
-              <a:rPr lang="ko-KR" altLang="en-US" dirty="0" smtClean="0"/>
-              <a:t>키 추가 설명</a:t>
-            </a:r>
-            <a:r>
-              <a:rPr lang="en-US" altLang="ko-KR" dirty="0" smtClean="0"/>
-              <a:t>)</a:t>
+              <a:t> 설명</a:t>
             </a:r>
             <a:endParaRPr lang="ko-KR" altLang="en-US" dirty="0"/>
           </a:p>
@@ -6894,7 +6905,7 @@
         <p:spPr>
           <a:xfrm>
             <a:off x="838200" y="1690688"/>
-            <a:ext cx="10515600" cy="3093154"/>
+            <a:ext cx="10515600" cy="4131900"/>
           </a:xfrm>
           <a:prstGeom prst="rect">
             <a:avLst/>
@@ -6914,179 +6925,246 @@
             </a:pPr>
             <a:r>
               <a:rPr lang="en-US" altLang="ko-KR" sz="2000" b="1" dirty="0" smtClean="0"/>
-              <a:t>CASCADE</a:t>
-            </a:r>
-            <a:endParaRPr lang="en-US" altLang="ko-KR" sz="2000" b="1" dirty="0" smtClean="0"/>
-          </a:p>
-          <a:p>
-            <a:pPr>
-              <a:lnSpc>
-                <a:spcPct val="150000"/>
-              </a:lnSpc>
-            </a:pPr>
+              <a:t>CHAR</a:t>
+            </a:r>
+          </a:p>
+          <a:p>
+            <a:pPr>
+              <a:lnSpc>
+                <a:spcPct val="150000"/>
+              </a:lnSpc>
+            </a:pPr>
+            <a:r>
+              <a:rPr lang="ko-KR" altLang="en-US" sz="1500" dirty="0" err="1"/>
+              <a:t>고정길이</a:t>
+            </a:r>
+            <a:r>
+              <a:rPr lang="ko-KR" altLang="en-US" sz="1500" dirty="0"/>
+              <a:t> 문자 </a:t>
+            </a:r>
+            <a:r>
+              <a:rPr lang="en-US" altLang="ko-KR" sz="1500" dirty="0"/>
+              <a:t>DATA</a:t>
+            </a:r>
+            <a:r>
+              <a:rPr lang="ko-KR" altLang="en-US" sz="1500" dirty="0"/>
+              <a:t>를 </a:t>
+            </a:r>
+            <a:r>
+              <a:rPr lang="en-US" altLang="ko-KR" sz="1500" dirty="0"/>
+              <a:t>4000BYTE </a:t>
+            </a:r>
             <a:r>
               <a:rPr lang="ko-KR" altLang="en-US" sz="1500" dirty="0" smtClean="0"/>
-              <a:t>유일성을 판단하여 </a:t>
-            </a:r>
-            <a:r>
-              <a:rPr lang="ko-KR" altLang="en-US" sz="1500" dirty="0" err="1" smtClean="0"/>
-              <a:t>튜플을</a:t>
+              <a:t>저장</a:t>
+            </a:r>
+            <a:endParaRPr lang="en-US" altLang="ko-KR" sz="1500" dirty="0" smtClean="0"/>
+          </a:p>
+          <a:p>
+            <a:pPr>
+              <a:lnSpc>
+                <a:spcPct val="150000"/>
+              </a:lnSpc>
+            </a:pPr>
+            <a:r>
+              <a:rPr lang="en-US" altLang="ko-KR" sz="2000" b="1" dirty="0" smtClean="0"/>
+              <a:t>VARCHAR2</a:t>
+            </a:r>
+          </a:p>
+          <a:p>
+            <a:pPr>
+              <a:lnSpc>
+                <a:spcPct val="150000"/>
+              </a:lnSpc>
+            </a:pPr>
+            <a:r>
+              <a:rPr lang="ko-KR" altLang="en-US" sz="1500" dirty="0" err="1"/>
+              <a:t>가변길이</a:t>
+            </a:r>
+            <a:r>
+              <a:rPr lang="ko-KR" altLang="en-US" sz="1500" dirty="0"/>
+              <a:t> 문자 </a:t>
+            </a:r>
+            <a:r>
+              <a:rPr lang="en-US" altLang="ko-KR" sz="1500" dirty="0"/>
+              <a:t>DATA</a:t>
+            </a:r>
+            <a:r>
+              <a:rPr lang="ko-KR" altLang="en-US" sz="1500" dirty="0"/>
+              <a:t>를 </a:t>
+            </a:r>
+            <a:r>
+              <a:rPr lang="en-US" altLang="ko-KR" sz="1500" dirty="0"/>
+              <a:t>4000BYTE </a:t>
             </a:r>
             <a:r>
               <a:rPr lang="ko-KR" altLang="en-US" sz="1500" dirty="0" smtClean="0"/>
-              <a:t> 유일하게 식별</a:t>
+              <a:t>저장</a:t>
+            </a:r>
+            <a:endParaRPr lang="en-US" altLang="ko-KR" sz="1500" dirty="0" smtClean="0"/>
+          </a:p>
+          <a:p>
+            <a:pPr>
+              <a:lnSpc>
+                <a:spcPct val="150000"/>
+              </a:lnSpc>
+            </a:pPr>
+            <a:r>
+              <a:rPr lang="en-US" altLang="ko-KR" sz="2000" b="1" dirty="0" smtClean="0"/>
+              <a:t>NUMBER</a:t>
+            </a:r>
+            <a:endParaRPr lang="en-US" altLang="ko-KR" sz="2000" b="1" dirty="0"/>
+          </a:p>
+          <a:p>
+            <a:pPr>
+              <a:lnSpc>
+                <a:spcPct val="150000"/>
+              </a:lnSpc>
+            </a:pPr>
+            <a:r>
+              <a:rPr lang="ko-KR" altLang="en-US" sz="1500" dirty="0" err="1"/>
+              <a:t>가변길이</a:t>
+            </a:r>
+            <a:r>
+              <a:rPr lang="ko-KR" altLang="en-US" sz="1500" dirty="0"/>
+              <a:t> </a:t>
+            </a:r>
+            <a:r>
+              <a:rPr lang="ko-KR" altLang="en-US" sz="1500" dirty="0" err="1"/>
+              <a:t>숫자값을</a:t>
+            </a:r>
+            <a:r>
+              <a:rPr lang="ko-KR" altLang="en-US" sz="1500" dirty="0"/>
+              <a:t> </a:t>
+            </a:r>
+            <a:r>
+              <a:rPr lang="en-US" altLang="ko-KR" sz="1500" dirty="0"/>
+              <a:t>-38 ~ +38</a:t>
+            </a:r>
+            <a:r>
+              <a:rPr lang="ko-KR" altLang="en-US" sz="1500" dirty="0" err="1"/>
+              <a:t>자리수를</a:t>
+            </a:r>
+            <a:r>
+              <a:rPr lang="ko-KR" altLang="en-US" sz="1500" dirty="0"/>
+              <a:t> </a:t>
+            </a:r>
+            <a:r>
+              <a:rPr lang="ko-KR" altLang="en-US" sz="1500" dirty="0" smtClean="0"/>
+              <a:t>저장</a:t>
+            </a:r>
+            <a:endParaRPr lang="en-US" altLang="ko-KR" sz="1500" dirty="0" smtClean="0"/>
+          </a:p>
+          <a:p>
+            <a:pPr>
+              <a:lnSpc>
+                <a:spcPct val="150000"/>
+              </a:lnSpc>
+            </a:pPr>
+            <a:r>
+              <a:rPr lang="en-US" altLang="ko-KR" sz="2000" b="1" dirty="0" smtClean="0"/>
+              <a:t>DATE</a:t>
+            </a:r>
+            <a:endParaRPr lang="en-US" altLang="ko-KR" sz="2000" b="1" dirty="0"/>
+          </a:p>
+          <a:p>
+            <a:pPr>
+              <a:lnSpc>
+                <a:spcPct val="150000"/>
+              </a:lnSpc>
+            </a:pPr>
+            <a:r>
+              <a:rPr lang="ko-KR" altLang="en-US" sz="1500" dirty="0" smtClean="0"/>
+              <a:t>날짜를 저장</a:t>
+            </a:r>
+            <a:endParaRPr lang="en-US" altLang="ko-KR" sz="1500" dirty="0"/>
+          </a:p>
+          <a:p>
+            <a:pPr>
+              <a:lnSpc>
+                <a:spcPct val="150000"/>
+              </a:lnSpc>
+            </a:pPr>
+            <a:r>
+              <a:rPr lang="en-US" altLang="ko-KR" sz="2000" b="1" dirty="0" smtClean="0"/>
+              <a:t>TIMESTAMP</a:t>
+            </a:r>
+            <a:endParaRPr lang="en-US" altLang="ko-KR" sz="2000" b="1" dirty="0"/>
+          </a:p>
+          <a:p>
+            <a:pPr>
+              <a:lnSpc>
+                <a:spcPct val="150000"/>
+              </a:lnSpc>
+            </a:pPr>
+            <a:r>
+              <a:rPr lang="ko-KR" altLang="en-US" sz="1500" dirty="0" smtClean="0"/>
+              <a:t>년</a:t>
             </a:r>
             <a:r>
               <a:rPr lang="en-US" altLang="ko-KR" sz="1500" dirty="0" smtClean="0"/>
               <a:t>, </a:t>
             </a:r>
             <a:r>
-              <a:rPr lang="ko-KR" altLang="en-US" sz="1500" dirty="0" err="1" smtClean="0"/>
-              <a:t>기본키로</a:t>
-            </a:r>
-            <a:r>
               <a:rPr lang="ko-KR" altLang="en-US" sz="1500" dirty="0" smtClean="0"/>
-              <a:t> </a:t>
+              <a:t>월</a:t>
             </a:r>
             <a:r>
               <a:rPr lang="en-US" altLang="ko-KR" sz="1500" dirty="0" smtClean="0"/>
-              <a:t>index</a:t>
+              <a:t>, </a:t>
             </a:r>
             <a:r>
               <a:rPr lang="ko-KR" altLang="en-US" sz="1500" dirty="0" smtClean="0"/>
-              <a:t>를 형성하여 저장함</a:t>
-            </a:r>
-            <a:endParaRPr lang="en-US" altLang="ko-KR" sz="1500" dirty="0" smtClean="0"/>
-          </a:p>
-          <a:p>
-            <a:pPr>
-              <a:lnSpc>
-                <a:spcPct val="150000"/>
-              </a:lnSpc>
-            </a:pPr>
+              <a:t>일</a:t>
+            </a:r>
+            <a:r>
+              <a:rPr lang="en-US" altLang="ko-KR" sz="1500" dirty="0" smtClean="0"/>
+              <a:t>, </a:t>
+            </a:r>
             <a:r>
               <a:rPr lang="ko-KR" altLang="en-US" sz="1500" dirty="0" smtClean="0"/>
-              <a:t>검색속도가 향상되며</a:t>
+              <a:t>시</a:t>
             </a:r>
             <a:r>
               <a:rPr lang="en-US" altLang="ko-KR" sz="1500" dirty="0" smtClean="0"/>
-              <a:t>, null </a:t>
+              <a:t>, </a:t>
             </a:r>
             <a:r>
               <a:rPr lang="ko-KR" altLang="en-US" sz="1500" dirty="0" smtClean="0"/>
-              <a:t>불가 </a:t>
-            </a:r>
-            <a:endParaRPr lang="en-US" altLang="ko-KR" sz="1500" dirty="0" smtClean="0"/>
-          </a:p>
-          <a:p>
-            <a:pPr>
-              <a:lnSpc>
-                <a:spcPct val="150000"/>
-              </a:lnSpc>
-            </a:pPr>
-            <a:endParaRPr lang="en-US" altLang="ko-KR" sz="1500" dirty="0" smtClean="0"/>
-          </a:p>
-          <a:p>
-            <a:pPr>
-              <a:lnSpc>
-                <a:spcPct val="150000"/>
-              </a:lnSpc>
-            </a:pPr>
-            <a:r>
-              <a:rPr lang="en-US" altLang="ko-KR" sz="2000" b="1" dirty="0" smtClean="0"/>
-              <a:t>SET NULL</a:t>
-            </a:r>
-            <a:endParaRPr lang="en-US" altLang="ko-KR" sz="2000" b="1" dirty="0" smtClean="0"/>
-          </a:p>
-          <a:p>
-            <a:pPr>
-              <a:lnSpc>
-                <a:spcPct val="150000"/>
-              </a:lnSpc>
-            </a:pPr>
+              <a:t>분</a:t>
+            </a:r>
+            <a:r>
+              <a:rPr lang="en-US" altLang="ko-KR" sz="1500" dirty="0" smtClean="0"/>
+              <a:t>, </a:t>
+            </a:r>
             <a:r>
               <a:rPr lang="ko-KR" altLang="en-US" sz="1500" dirty="0" smtClean="0"/>
-              <a:t>테이블을 </a:t>
-            </a:r>
-            <a:r>
-              <a:rPr lang="ko-KR" altLang="en-US" sz="1500" dirty="0" err="1" smtClean="0"/>
-              <a:t>정규화하기</a:t>
+              <a:t>초</a:t>
+            </a:r>
+            <a:r>
+              <a:rPr lang="en-US" altLang="ko-KR" sz="1500" dirty="0" smtClean="0"/>
+              <a:t>, </a:t>
+            </a:r>
+            <a:r>
+              <a:rPr lang="en-US" altLang="ko-KR" sz="1500" dirty="0" err="1" smtClean="0"/>
+              <a:t>mili</a:t>
+            </a:r>
+            <a:r>
+              <a:rPr lang="en-US" altLang="ko-KR" sz="1500" dirty="0" smtClean="0"/>
+              <a:t>-second</a:t>
             </a:r>
             <a:r>
               <a:rPr lang="ko-KR" altLang="en-US" sz="1500" dirty="0" smtClean="0"/>
-              <a:t> 위해 사용</a:t>
-            </a:r>
-            <a:r>
-              <a:rPr lang="en-US" altLang="ko-KR" sz="1500" dirty="0" smtClean="0"/>
-              <a:t>(</a:t>
-            </a:r>
-            <a:r>
-              <a:rPr lang="ko-KR" altLang="en-US" sz="1500" dirty="0" smtClean="0"/>
-              <a:t>데이터 중복을 최소화하기 위해서 테이블을 쪼갠다</a:t>
-            </a:r>
-            <a:r>
-              <a:rPr lang="en-US" altLang="ko-KR" sz="1500" dirty="0" smtClean="0"/>
-              <a:t>.)</a:t>
-            </a:r>
-          </a:p>
-          <a:p>
-            <a:pPr>
-              <a:lnSpc>
-                <a:spcPct val="150000"/>
-              </a:lnSpc>
-            </a:pPr>
-            <a:r>
-              <a:rPr lang="ko-KR" altLang="en-US" sz="1500" dirty="0" smtClean="0"/>
-              <a:t>자식 </a:t>
-            </a:r>
-            <a:r>
-              <a:rPr lang="ko-KR" altLang="en-US" sz="1500" dirty="0" err="1" smtClean="0"/>
-              <a:t>릴레이션에</a:t>
-            </a:r>
-            <a:r>
-              <a:rPr lang="ko-KR" altLang="en-US" sz="1500" dirty="0" smtClean="0"/>
-              <a:t> </a:t>
-            </a:r>
-            <a:r>
-              <a:rPr lang="ko-KR" altLang="en-US" sz="1500" dirty="0" err="1" smtClean="0"/>
-              <a:t>외래키가</a:t>
-            </a:r>
-            <a:r>
-              <a:rPr lang="ko-KR" altLang="en-US" sz="1500" dirty="0" smtClean="0"/>
-              <a:t> 부모 </a:t>
-            </a:r>
-            <a:r>
-              <a:rPr lang="ko-KR" altLang="en-US" sz="1500" dirty="0" err="1" smtClean="0"/>
-              <a:t>릴레이션의</a:t>
-            </a:r>
-            <a:r>
-              <a:rPr lang="ko-KR" altLang="en-US" sz="1500" dirty="0" smtClean="0"/>
-              <a:t> 특정 필드 참조</a:t>
-            </a:r>
-            <a:endParaRPr lang="en-US" altLang="ko-KR" sz="1500" dirty="0" smtClean="0"/>
-          </a:p>
-          <a:p>
-            <a:pPr>
-              <a:lnSpc>
-                <a:spcPct val="150000"/>
-              </a:lnSpc>
-            </a:pPr>
-            <a:r>
-              <a:rPr lang="ko-KR" altLang="en-US" sz="1500" dirty="0" smtClean="0"/>
-              <a:t>데이터 중복을 최소화한다</a:t>
-            </a:r>
-            <a:r>
-              <a:rPr lang="en-US" altLang="ko-KR" sz="1500" dirty="0" smtClean="0"/>
-              <a:t>.</a:t>
-            </a:r>
-            <a:endParaRPr lang="ko-KR" altLang="en-US" sz="1500" dirty="0"/>
+              <a:t>까지 보여줌</a:t>
+            </a:r>
+            <a:endParaRPr lang="en-US" altLang="ko-KR" sz="1500" dirty="0"/>
           </a:p>
         </p:txBody>
       </p:sp>
     </p:spTree>
     <p:extLst>
       <p:ext uri="{BB962C8B-B14F-4D97-AF65-F5344CB8AC3E}">
-        <p14:creationId xmlns:p14="http://schemas.microsoft.com/office/powerpoint/2010/main" val="671246197"/>
+        <p14:creationId xmlns:p14="http://schemas.microsoft.com/office/powerpoint/2010/main" val="476270996"/>
       </p:ext>
     </p:extLst>
   </p:cSld>
@@ -7129,12 +7207,8 @@
           <a:lstStyle/>
           <a:p>
             <a:r>
-              <a:rPr lang="ko-KR" altLang="en-US" dirty="0" err="1" smtClean="0"/>
-              <a:t>자료형</a:t>
-            </a:r>
-            <a:r>
-              <a:rPr lang="ko-KR" altLang="en-US" dirty="0" smtClean="0"/>
-              <a:t> 설명</a:t>
+              <a:rPr lang="en-US" altLang="ko-KR" dirty="0" smtClean="0"/>
+              <a:t>CRUD - C</a:t>
             </a:r>
             <a:endParaRPr lang="ko-KR" altLang="en-US" dirty="0"/>
           </a:p>
@@ -7149,7 +7223,7 @@
         <p:spPr>
           <a:xfrm>
             <a:off x="838200" y="1690688"/>
-            <a:ext cx="10515600" cy="4131900"/>
+            <a:ext cx="10515600" cy="3785652"/>
           </a:xfrm>
           <a:prstGeom prst="rect">
             <a:avLst/>
@@ -7169,83 +7243,16 @@
             </a:pPr>
             <a:r>
               <a:rPr lang="en-US" altLang="ko-KR" sz="2000" b="1" dirty="0" smtClean="0"/>
-              <a:t>CHAR</a:t>
-            </a:r>
-          </a:p>
-          <a:p>
-            <a:pPr>
-              <a:lnSpc>
-                <a:spcPct val="150000"/>
-              </a:lnSpc>
-            </a:pPr>
-            <a:r>
-              <a:rPr lang="ko-KR" altLang="en-US" sz="1500" dirty="0" err="1"/>
-              <a:t>고정길이</a:t>
-            </a:r>
-            <a:r>
-              <a:rPr lang="ko-KR" altLang="en-US" sz="1500" dirty="0"/>
-              <a:t> 문자 </a:t>
-            </a:r>
-            <a:r>
-              <a:rPr lang="en-US" altLang="ko-KR" sz="1500" dirty="0"/>
-              <a:t>DATA</a:t>
-            </a:r>
-            <a:r>
-              <a:rPr lang="ko-KR" altLang="en-US" sz="1500" dirty="0"/>
-              <a:t>를 </a:t>
-            </a:r>
-            <a:r>
-              <a:rPr lang="en-US" altLang="ko-KR" sz="1500" dirty="0"/>
-              <a:t>4000BYTE </a:t>
-            </a:r>
-            <a:r>
-              <a:rPr lang="ko-KR" altLang="en-US" sz="1500" dirty="0" smtClean="0"/>
-              <a:t>저장</a:t>
-            </a:r>
-            <a:endParaRPr lang="en-US" altLang="ko-KR" sz="1500" dirty="0" smtClean="0"/>
-          </a:p>
-          <a:p>
-            <a:pPr>
-              <a:lnSpc>
-                <a:spcPct val="150000"/>
-              </a:lnSpc>
-            </a:pPr>
+              <a:t>CREATE TABLE [</a:t>
+            </a:r>
+            <a:r>
+              <a:rPr lang="ko-KR" altLang="en-US" sz="2000" b="1" dirty="0" err="1" smtClean="0"/>
+              <a:t>테이블명</a:t>
+            </a:r>
             <a:r>
               <a:rPr lang="en-US" altLang="ko-KR" sz="2000" b="1" dirty="0" smtClean="0"/>
-              <a:t>VARCHAR2</a:t>
-            </a:r>
-          </a:p>
-          <a:p>
-            <a:pPr>
-              <a:lnSpc>
-                <a:spcPct val="150000"/>
-              </a:lnSpc>
-            </a:pPr>
-            <a:r>
-              <a:rPr lang="ko-KR" altLang="en-US" sz="1500" dirty="0" err="1"/>
-              <a:t>가변길이</a:t>
-            </a:r>
-            <a:r>
-              <a:rPr lang="ko-KR" altLang="en-US" sz="1500" dirty="0"/>
-              <a:t> 문자 </a:t>
-            </a:r>
-            <a:r>
-              <a:rPr lang="en-US" altLang="ko-KR" sz="1500" dirty="0"/>
-              <a:t>DATA</a:t>
-            </a:r>
-            <a:r>
-              <a:rPr lang="ko-KR" altLang="en-US" sz="1500" dirty="0"/>
-              <a:t>를 </a:t>
-            </a:r>
-            <a:r>
-              <a:rPr lang="en-US" altLang="ko-KR" sz="1500" dirty="0"/>
-              <a:t>4000BYTE </a:t>
-            </a:r>
-            <a:r>
-              <a:rPr lang="ko-KR" altLang="en-US" sz="1500" dirty="0" smtClean="0"/>
-              <a:t>저장</a:t>
-            </a:r>
-            <a:endParaRPr lang="en-US" altLang="ko-KR" sz="1500" dirty="0" smtClean="0"/>
+              <a:t>] (</a:t>
+            </a:r>
           </a:p>
           <a:p>
             <a:pPr>
@@ -7255,7 +7262,81 @@
             </a:pPr>
             <a:r>
               <a:rPr lang="en-US" altLang="ko-KR" sz="2000" b="1" dirty="0" smtClean="0"/>
-              <a:t>NUMBER</a:t>
+              <a:t>	</a:t>
+            </a:r>
+            <a:r>
+              <a:rPr lang="ko-KR" altLang="en-US" sz="2000" b="1" dirty="0" err="1" smtClean="0"/>
+              <a:t>컬럼명</a:t>
+            </a:r>
+            <a:r>
+              <a:rPr lang="en-US" altLang="ko-KR" sz="2000" b="1" dirty="0" smtClean="0"/>
+              <a:t>1 </a:t>
+            </a:r>
+            <a:r>
+              <a:rPr lang="ko-KR" altLang="en-US" sz="2000" b="1" dirty="0" err="1" smtClean="0"/>
+              <a:t>데이터타입</a:t>
+            </a:r>
+            <a:r>
+              <a:rPr lang="en-US" altLang="ko-KR" sz="2000" b="1" dirty="0" smtClean="0"/>
+              <a:t>() </a:t>
+            </a:r>
+            <a:r>
+              <a:rPr lang="ko-KR" altLang="en-US" sz="2000" b="1" dirty="0" smtClean="0"/>
+              <a:t>제약조건</a:t>
+            </a:r>
+            <a:r>
+              <a:rPr lang="en-US" altLang="ko-KR" sz="2000" b="1" dirty="0" smtClean="0"/>
+              <a:t>,</a:t>
+            </a:r>
+          </a:p>
+          <a:p>
+            <a:pPr>
+              <a:lnSpc>
+                <a:spcPct val="150000"/>
+              </a:lnSpc>
+            </a:pPr>
+            <a:r>
+              <a:rPr lang="en-US" altLang="ko-KR" sz="2000" b="1" dirty="0"/>
+              <a:t>	</a:t>
+            </a:r>
+            <a:r>
+              <a:rPr lang="ko-KR" altLang="en-US" sz="2000" b="1" dirty="0" err="1" smtClean="0"/>
+              <a:t>컬럼명</a:t>
+            </a:r>
+            <a:r>
+              <a:rPr lang="en-US" altLang="ko-KR" sz="2000" b="1" dirty="0" smtClean="0"/>
+              <a:t>2 </a:t>
+            </a:r>
+            <a:r>
+              <a:rPr lang="ko-KR" altLang="en-US" sz="2000" b="1" dirty="0" err="1" smtClean="0"/>
+              <a:t>데이터타입</a:t>
+            </a:r>
+            <a:r>
+              <a:rPr lang="en-US" altLang="ko-KR" sz="2000" b="1" dirty="0" smtClean="0"/>
+              <a:t>() </a:t>
+            </a:r>
+            <a:r>
+              <a:rPr lang="ko-KR" altLang="en-US" sz="2000" b="1" dirty="0" smtClean="0"/>
+              <a:t>제약조건</a:t>
+            </a:r>
+            <a:r>
+              <a:rPr lang="en-US" altLang="ko-KR" sz="2000" b="1" dirty="0" smtClean="0"/>
+              <a:t>,</a:t>
+            </a:r>
+          </a:p>
+          <a:p>
+            <a:pPr>
+              <a:lnSpc>
+                <a:spcPct val="150000"/>
+              </a:lnSpc>
+            </a:pPr>
+            <a:r>
+              <a:rPr lang="en-US" altLang="ko-KR" sz="2000" b="1" dirty="0"/>
+              <a:t>	</a:t>
+            </a:r>
+            <a:r>
+              <a:rPr lang="en-US" altLang="ko-KR" sz="2000" b="1" dirty="0" smtClean="0"/>
+              <a:t>…</a:t>
             </a:r>
             <a:endParaRPr lang="en-US" altLang="ko-KR" sz="2000" b="1" dirty="0"/>
           </a:p>
@@ -7266,48 +7347,67 @@
               </a:lnSpc>
             </a:pPr>
             <a:r>
-              <a:rPr lang="ko-KR" altLang="en-US" sz="1500" dirty="0" err="1"/>
-              <a:t>가변길이</a:t>
-            </a:r>
-            <a:r>
-              <a:rPr lang="ko-KR" altLang="en-US" sz="1500" dirty="0"/>
-              <a:t> </a:t>
-            </a:r>
-            <a:r>
-              <a:rPr lang="ko-KR" altLang="en-US" sz="1500" dirty="0" err="1"/>
-              <a:t>숫자값을</a:t>
-            </a:r>
-            <a:r>
-              <a:rPr lang="ko-KR" altLang="en-US" sz="1500" dirty="0"/>
-              <a:t> </a:t>
-            </a:r>
-            <a:r>
-              <a:rPr lang="en-US" altLang="ko-KR" sz="1500" dirty="0"/>
-              <a:t>-38 ~ +38</a:t>
-            </a:r>
-            <a:r>
-              <a:rPr lang="ko-KR" altLang="en-US" sz="1500" dirty="0" err="1"/>
-              <a:t>자리수를</a:t>
-            </a:r>
-            <a:r>
-              <a:rPr lang="ko-KR" altLang="en-US" sz="1500" dirty="0"/>
-              <a:t> </a:t>
-            </a:r>
-            <a:r>
-              <a:rPr lang="ko-KR" altLang="en-US" sz="1500" dirty="0" smtClean="0"/>
-              <a:t>저장</a:t>
-            </a:r>
-            <a:endParaRPr lang="en-US" altLang="ko-KR" sz="1500" dirty="0" smtClean="0"/>
-          </a:p>
-          <a:p>
-            <a:pPr>
-              <a:lnSpc>
-                <a:spcPct val="150000"/>
-              </a:lnSpc>
-            </a:pPr>
-            <a:r>
               <a:rPr lang="en-US" altLang="ko-KR" sz="2000" b="1" dirty="0" smtClean="0"/>
-              <a:t>DATE</a:t>
+              <a:t>);</a:t>
+            </a:r>
+          </a:p>
+          <a:p>
+            <a:pPr>
+              <a:lnSpc>
+                <a:spcPct val="150000"/>
+              </a:lnSpc>
+            </a:pPr>
+            <a:endParaRPr lang="en-US" altLang="ko-KR" sz="2000" b="1" dirty="0" smtClean="0"/>
+          </a:p>
+          <a:p>
+            <a:pPr>
+              <a:lnSpc>
+                <a:spcPct val="150000"/>
+              </a:lnSpc>
+            </a:pPr>
+            <a:r>
+              <a:rPr lang="en-US" altLang="ko-KR" sz="2000" b="1" dirty="0"/>
+              <a:t>INSERT INTO [</a:t>
+            </a:r>
+            <a:r>
+              <a:rPr lang="ko-KR" altLang="en-US" sz="2000" b="1" dirty="0" err="1"/>
+              <a:t>테이블명</a:t>
+            </a:r>
+            <a:r>
+              <a:rPr lang="en-US" altLang="ko-KR" sz="2000" b="1" dirty="0"/>
+              <a:t>] VALUES (</a:t>
+            </a:r>
+            <a:r>
+              <a:rPr lang="ko-KR" altLang="en-US" sz="2000" b="1" dirty="0"/>
+              <a:t>컬럼 값</a:t>
+            </a:r>
+            <a:r>
+              <a:rPr lang="en-US" altLang="ko-KR" sz="2000" b="1" dirty="0"/>
+              <a:t>1, </a:t>
+            </a:r>
+            <a:r>
+              <a:rPr lang="ko-KR" altLang="en-US" sz="2000" b="1" dirty="0"/>
+              <a:t>컬럼 값</a:t>
+            </a:r>
+            <a:r>
+              <a:rPr lang="en-US" altLang="ko-KR" sz="2000" b="1" dirty="0"/>
+              <a:t>2, ... , </a:t>
+            </a:r>
+            <a:r>
+              <a:rPr lang="ko-KR" altLang="en-US" sz="2000" b="1" dirty="0"/>
+              <a:t>컬럼 </a:t>
+            </a:r>
+            <a:r>
+              <a:rPr lang="ko-KR" altLang="en-US" sz="2000" b="1" dirty="0" smtClean="0"/>
+              <a:t>값</a:t>
+            </a:r>
+            <a:r>
+              <a:rPr lang="en-US" altLang="ko-KR" sz="2000" b="1" dirty="0" smtClean="0"/>
+              <a:t>n)</a:t>
+            </a:r>
+            <a:r>
+              <a:rPr lang="en-US" altLang="ko-KR" sz="2000" b="1" dirty="0" smtClean="0"/>
+              <a:t>;</a:t>
             </a:r>
             <a:endParaRPr lang="en-US" altLang="ko-KR" sz="2000" b="1" dirty="0"/>
           </a:p>
@@ -7317,98 +7417,14 @@
                 <a:spcPct val="150000"/>
               </a:lnSpc>
             </a:pPr>
-            <a:r>
-              <a:rPr lang="ko-KR" altLang="en-US" sz="1500" dirty="0" smtClean="0"/>
-              <a:t>날짜를 저장</a:t>
-            </a:r>
-            <a:endParaRPr lang="en-US" altLang="ko-KR" sz="1500" dirty="0"/>
-          </a:p>
-          <a:p>
-            <a:pPr>
-              <a:lnSpc>
-                <a:spcPct val="150000"/>
-              </a:lnSpc>
-            </a:pPr>
-            <a:r>
-              <a:rPr lang="en-US" altLang="ko-KR" sz="2000" b="1" dirty="0" smtClean="0"/>
-              <a:t>TIMESTAMP</a:t>
-            </a:r>
-            <a:endParaRPr lang="en-US" altLang="ko-KR" sz="2000" b="1" dirty="0"/>
-          </a:p>
-          <a:p>
-            <a:pPr>
-              <a:lnSpc>
-                <a:spcPct val="150000"/>
-              </a:lnSpc>
-            </a:pPr>
-            <a:r>
-              <a:rPr lang="ko-KR" altLang="en-US" sz="1500" dirty="0" smtClean="0"/>
-              <a:t>년</a:t>
-            </a:r>
-            <a:r>
-              <a:rPr lang="en-US" altLang="ko-KR" sz="1500" dirty="0" smtClean="0"/>
-              <a:t>, </a:t>
-            </a:r>
-            <a:r>
-              <a:rPr lang="ko-KR" altLang="en-US" sz="1500" dirty="0" smtClean="0"/>
-              <a:t>월</a:t>
-            </a:r>
-            <a:r>
-              <a:rPr lang="en-US" altLang="ko-KR" sz="1500" dirty="0" smtClean="0"/>
-              <a:t>, </a:t>
-            </a:r>
-            <a:r>
-              <a:rPr lang="ko-KR" altLang="en-US" sz="1500" dirty="0" smtClean="0"/>
-              <a:t>일</a:t>
-            </a:r>
-            <a:r>
-              <a:rPr lang="en-US" altLang="ko-KR" sz="1500" dirty="0" smtClean="0"/>
-              <a:t>, </a:t>
-            </a:r>
-            <a:r>
-              <a:rPr lang="ko-KR" altLang="en-US" sz="1500" dirty="0" smtClean="0"/>
-              <a:t>시</a:t>
-            </a:r>
-            <a:r>
-              <a:rPr lang="en-US" altLang="ko-KR" sz="1500" dirty="0" smtClean="0"/>
-              <a:t>, </a:t>
-            </a:r>
-            <a:r>
-              <a:rPr lang="ko-KR" altLang="en-US" sz="1500" dirty="0" smtClean="0"/>
-              <a:t>분</a:t>
-            </a:r>
-            <a:r>
-              <a:rPr lang="en-US" altLang="ko-KR" sz="1500" dirty="0" smtClean="0"/>
-              <a:t>, </a:t>
-            </a:r>
-            <a:r>
-              <a:rPr lang="ko-KR" altLang="en-US" sz="1500" dirty="0" smtClean="0"/>
-              <a:t>초</a:t>
-            </a:r>
-            <a:r>
-              <a:rPr lang="en-US" altLang="ko-KR" sz="1500" dirty="0" smtClean="0"/>
-              <a:t>, </a:t>
-            </a:r>
-            <a:r>
-              <a:rPr lang="en-US" altLang="ko-KR" sz="1500" dirty="0" err="1" smtClean="0"/>
-              <a:t>mili</a:t>
-            </a:r>
-            <a:r>
-              <a:rPr lang="en-US" altLang="ko-KR" sz="1500" dirty="0" smtClean="0"/>
-              <a:t>-second</a:t>
-            </a:r>
-            <a:r>
-              <a:rPr lang="ko-KR" altLang="en-US" sz="1500" dirty="0" smtClean="0"/>
-              <a:t>까지 보여줌</a:t>
-            </a:r>
-            <a:endParaRPr lang="en-US" altLang="ko-KR" sz="1500" dirty="0"/>
+            <a:endParaRPr lang="en-US" altLang="ko-KR" sz="2000" b="1" dirty="0" smtClean="0"/>
           </a:p>
         </p:txBody>
       </p:sp>
     </p:spTree>
     <p:extLst>
       <p:ext uri="{BB962C8B-B14F-4D97-AF65-F5344CB8AC3E}">
-        <p14:creationId xmlns:p14="http://schemas.microsoft.com/office/powerpoint/2010/main" val="476270996"/>
+        <p14:creationId xmlns:p14="http://schemas.microsoft.com/office/powerpoint/2010/main" val="2709051062"/>
       </p:ext>
     </p:extLst>
   </p:cSld>
@@ -7452,7 +7468,7 @@
           <a:p>
             <a:r>
               <a:rPr lang="en-US" altLang="ko-KR" dirty="0" smtClean="0"/>
-              <a:t>CRUD - C</a:t>
+              <a:t>CRUD - R</a:t>
             </a:r>
             <a:endParaRPr lang="ko-KR" altLang="en-US" dirty="0"/>
           </a:p>
@@ -7467,7 +7483,7 @@
         <p:spPr>
           <a:xfrm>
             <a:off x="838200" y="1690688"/>
-            <a:ext cx="10515600" cy="3785652"/>
+            <a:ext cx="10515600" cy="2400657"/>
           </a:xfrm>
           <a:prstGeom prst="rect">
             <a:avLst/>
@@ -7487,7 +7503,15 @@
             </a:pPr>
             <a:r>
               <a:rPr lang="en-US" altLang="ko-KR" sz="2000" b="1" dirty="0" smtClean="0"/>
-              <a:t>CREATE TABLE [</a:t>
+              <a:t>SELECT [</a:t>
+            </a:r>
+            <a:r>
+              <a:rPr lang="ko-KR" altLang="en-US" sz="2000" b="1" dirty="0" err="1" smtClean="0"/>
+              <a:t>컬럼명</a:t>
+            </a:r>
+            <a:r>
+              <a:rPr lang="en-US" altLang="ko-KR" sz="2000" b="1" dirty="0" smtClean="0"/>
+              <a:t>] FROM [</a:t>
             </a:r>
             <a:r>
               <a:rPr lang="ko-KR" altLang="en-US" sz="2000" b="1" dirty="0" err="1" smtClean="0"/>
@@ -7495,38 +7519,66 @@
             </a:r>
             <a:r>
               <a:rPr lang="en-US" altLang="ko-KR" sz="2000" b="1" dirty="0" smtClean="0"/>
-              <a:t>] (</a:t>
-            </a:r>
-          </a:p>
-          <a:p>
-            <a:pPr>
-              <a:lnSpc>
-                <a:spcPct val="150000"/>
-              </a:lnSpc>
-            </a:pPr>
+              <a:t>] WHERE [</a:t>
+            </a:r>
+            <a:r>
+              <a:rPr lang="ko-KR" altLang="en-US" sz="2000" b="1" dirty="0" smtClean="0"/>
+              <a:t>조건</a:t>
+            </a:r>
             <a:r>
               <a:rPr lang="en-US" altLang="ko-KR" sz="2000" b="1" dirty="0" smtClean="0"/>
-              <a:t>	</a:t>
-            </a:r>
-            <a:r>
-              <a:rPr lang="ko-KR" altLang="en-US" sz="2000" b="1" dirty="0" err="1" smtClean="0"/>
-              <a:t>컬럼명</a:t>
-            </a:r>
+              <a:t>] ORDER BY []</a:t>
+            </a:r>
+          </a:p>
+          <a:p>
+            <a:pPr>
+              <a:lnSpc>
+                <a:spcPct val="150000"/>
+              </a:lnSpc>
+            </a:pPr>
+            <a:endParaRPr lang="en-US" altLang="ko-KR" sz="2000" b="1" dirty="0"/>
+          </a:p>
+          <a:p>
+            <a:pPr>
+              <a:lnSpc>
+                <a:spcPct val="150000"/>
+              </a:lnSpc>
+            </a:pPr>
             <a:r>
               <a:rPr lang="en-US" altLang="ko-KR" sz="2000" b="1" dirty="0" smtClean="0"/>
-              <a:t>1 </a:t>
-            </a:r>
-            <a:r>
-              <a:rPr lang="ko-KR" altLang="en-US" sz="2000" b="1" dirty="0" err="1" smtClean="0"/>
-              <a:t>데이터타입</a:t>
+              <a:t>SELECT </a:t>
+            </a:r>
+            <a:r>
+              <a:rPr lang="ko-KR" altLang="en-US" sz="2000" b="1" dirty="0" smtClean="0"/>
+              <a:t>뒤에는 개수를 세는 집계 </a:t>
             </a:r>
             <a:r>
               <a:rPr lang="en-US" altLang="ko-KR" sz="2000" b="1" dirty="0" smtClean="0"/>
-              <a:t>() </a:t>
+              <a:t>COUNT</a:t>
             </a:r>
             <a:r>
               <a:rPr lang="ko-KR" altLang="en-US" sz="2000" b="1" dirty="0" smtClean="0"/>
-              <a:t>제약조건</a:t>
+              <a:t>가 올 수도 있고</a:t>
+            </a:r>
+            <a:endParaRPr lang="en-US" altLang="ko-KR" sz="2000" b="1" dirty="0" smtClean="0"/>
+          </a:p>
+          <a:p>
+            <a:pPr>
+              <a:lnSpc>
+                <a:spcPct val="150000"/>
+              </a:lnSpc>
+            </a:pPr>
+            <a:r>
+              <a:rPr lang="ko-KR" altLang="en-US" sz="2000" b="1" dirty="0" smtClean="0"/>
+              <a:t>전체를 셀 수 있는 </a:t>
+            </a:r>
+            <a:r>
+              <a:rPr lang="en-US" altLang="ko-KR" sz="2000" b="1" dirty="0" smtClean="0"/>
+              <a:t>*</a:t>
+            </a:r>
+            <a:r>
+              <a:rPr lang="ko-KR" altLang="en-US" sz="2000" b="1" dirty="0" smtClean="0"/>
+              <a:t>이 올 수 있고</a:t>
             </a:r>
             <a:r>
               <a:rPr lang="en-US" altLang="ko-KR" sz="2000" b="1" dirty="0" smtClean="0"/>
@@ -7540,126 +7592,44 @@
               </a:lnSpc>
             </a:pPr>
             <a:r>
-              <a:rPr lang="en-US" altLang="ko-KR" sz="2000" b="1" dirty="0"/>
-              <a:t>	</a:t>
-            </a:r>
-            <a:r>
-              <a:rPr lang="ko-KR" altLang="en-US" sz="2000" b="1" dirty="0" err="1" smtClean="0"/>
-              <a:t>컬럼명</a:t>
+              <a:rPr lang="ko-KR" altLang="en-US" sz="2000" b="1" dirty="0" smtClean="0"/>
+              <a:t>여러 개의 컬럼을 가져오고 싶을 땐 </a:t>
             </a:r>
             <a:r>
               <a:rPr lang="en-US" altLang="ko-KR" sz="2000" b="1" dirty="0" smtClean="0"/>
-              <a:t>2 </a:t>
-            </a:r>
-            <a:r>
-              <a:rPr lang="ko-KR" altLang="en-US" sz="2000" b="1" dirty="0" err="1" smtClean="0"/>
-              <a:t>데이터타입</a:t>
+              <a:t>[</a:t>
+            </a:r>
+            <a:r>
+              <a:rPr lang="ko-KR" altLang="en-US" sz="2000" b="1" dirty="0" smtClean="0"/>
+              <a:t>컬럼</a:t>
             </a:r>
             <a:r>
               <a:rPr lang="en-US" altLang="ko-KR" sz="2000" b="1" dirty="0" smtClean="0"/>
-              <a:t>() </a:t>
+              <a:t>1, </a:t>
             </a:r>
             <a:r>
               <a:rPr lang="ko-KR" altLang="en-US" sz="2000" b="1" dirty="0" smtClean="0"/>
-              <a:t>제약조건</a:t>
+              <a:t>컬럼</a:t>
             </a:r>
             <a:r>
               <a:rPr lang="en-US" altLang="ko-KR" sz="2000" b="1" dirty="0" smtClean="0"/>
-              <a:t>,</a:t>
-            </a:r>
-          </a:p>
-          <a:p>
-            <a:pPr>
-              <a:lnSpc>
-                <a:spcPct val="150000"/>
-              </a:lnSpc>
-            </a:pPr>
-            <a:r>
-              <a:rPr lang="en-US" altLang="ko-KR" sz="2000" b="1" dirty="0"/>
-              <a:t>	</a:t>
+              <a:t>2, … ] </a:t>
+            </a:r>
+            <a:r>
+              <a:rPr lang="ko-KR" altLang="en-US" sz="2000" b="1" dirty="0" smtClean="0"/>
+              <a:t>쓰면 된다</a:t>
             </a:r>
             <a:r>
               <a:rPr lang="en-US" altLang="ko-KR" sz="2000" b="1" dirty="0" smtClean="0"/>
-              <a:t>…</a:t>
-            </a:r>
-            <a:endParaRPr lang="en-US" altLang="ko-KR" sz="2000" b="1" dirty="0"/>
-          </a:p>
-          <a:p>
-            <a:pPr>
-              <a:lnSpc>
-                <a:spcPct val="150000"/>
-              </a:lnSpc>
-            </a:pPr>
-            <a:r>
-              <a:rPr lang="en-US" altLang="ko-KR" sz="2000" b="1" dirty="0" smtClean="0"/>
-              <a:t>);</a:t>
-            </a:r>
-          </a:p>
-          <a:p>
-            <a:pPr>
-              <a:lnSpc>
-                <a:spcPct val="150000"/>
-              </a:lnSpc>
-            </a:pPr>
-            <a:endParaRPr lang="en-US" altLang="ko-KR" sz="2000" b="1" dirty="0" smtClean="0"/>
-          </a:p>
-          <a:p>
-            <a:pPr>
-              <a:lnSpc>
-                <a:spcPct val="150000"/>
-              </a:lnSpc>
-            </a:pPr>
-            <a:r>
-              <a:rPr lang="en-US" altLang="ko-KR" sz="2000" b="1" dirty="0"/>
-              <a:t>INSERT INTO [</a:t>
-            </a:r>
-            <a:r>
-              <a:rPr lang="ko-KR" altLang="en-US" sz="2000" b="1" dirty="0" err="1"/>
-              <a:t>테이블명</a:t>
-            </a:r>
-            <a:r>
-              <a:rPr lang="en-US" altLang="ko-KR" sz="2000" b="1" dirty="0"/>
-              <a:t>] VALUES (</a:t>
-            </a:r>
-            <a:r>
-              <a:rPr lang="ko-KR" altLang="en-US" sz="2000" b="1" dirty="0"/>
-              <a:t>컬럼 값</a:t>
-            </a:r>
-            <a:r>
-              <a:rPr lang="en-US" altLang="ko-KR" sz="2000" b="1" dirty="0"/>
-              <a:t>1, </a:t>
-            </a:r>
-            <a:r>
-              <a:rPr lang="ko-KR" altLang="en-US" sz="2000" b="1" dirty="0"/>
-              <a:t>컬럼 값</a:t>
-            </a:r>
-            <a:r>
-              <a:rPr lang="en-US" altLang="ko-KR" sz="2000" b="1" dirty="0"/>
-              <a:t>2, ... , </a:t>
-            </a:r>
-            <a:r>
-              <a:rPr lang="ko-KR" altLang="en-US" sz="2000" b="1" dirty="0"/>
-              <a:t>컬럼 값</a:t>
-            </a:r>
-            <a:r>
-              <a:rPr lang="en-US" altLang="ko-KR" sz="2000" b="1" dirty="0"/>
-              <a:t>N);</a:t>
-            </a:r>
-          </a:p>
-          <a:p>
-            <a:pPr>
-              <a:lnSpc>
-                <a:spcPct val="150000"/>
-              </a:lnSpc>
-            </a:pPr>
-            <a:endParaRPr lang="en-US" altLang="ko-KR" sz="2000" b="1" dirty="0" smtClean="0"/>
+              <a:t>.</a:t>
+            </a:r>
           </a:p>
         </p:txBody>
       </p:sp>
     </p:spTree>
     <p:extLst>
       <p:ext uri="{BB962C8B-B14F-4D97-AF65-F5344CB8AC3E}">
-        <p14:creationId xmlns:p14="http://schemas.microsoft.com/office/powerpoint/2010/main" val="2709051062"/>
+        <p14:creationId xmlns:p14="http://schemas.microsoft.com/office/powerpoint/2010/main" val="3027804875"/>
       </p:ext>
     </p:extLst>
   </p:cSld>
@@ -7703,7 +7673,7 @@
           <a:p>
             <a:r>
               <a:rPr lang="en-US" altLang="ko-KR" dirty="0" smtClean="0"/>
-              <a:t>CRUD - R</a:t>
+              <a:t>CRUD – R +</a:t>
             </a:r>
             <a:endParaRPr lang="ko-KR" altLang="en-US" dirty="0"/>
           </a:p>
@@ -7718,7 +7688,7 @@
         <p:spPr>
           <a:xfrm>
             <a:off x="838200" y="1690688"/>
-            <a:ext cx="10515600" cy="2400657"/>
+            <a:ext cx="10515600" cy="4708981"/>
           </a:xfrm>
           <a:prstGeom prst="rect">
             <a:avLst/>
@@ -7738,137 +7708,182 @@
             </a:pPr>
             <a:r>
               <a:rPr lang="en-US" altLang="ko-KR" sz="2000" b="1" dirty="0" smtClean="0"/>
-              <a:t>SELECT [</a:t>
+              <a:t>SELECT </a:t>
+            </a:r>
+            <a:r>
+              <a:rPr lang="en-US" altLang="ko-KR" sz="2000" b="1" dirty="0"/>
+              <a:t>[] </a:t>
+            </a:r>
+            <a:r>
+              <a:rPr lang="en-US" altLang="ko-KR" sz="2000" b="1" dirty="0" smtClean="0"/>
+              <a:t>FROM </a:t>
+            </a:r>
+            <a:r>
+              <a:rPr lang="en-US" altLang="ko-KR" sz="2000" b="1" dirty="0"/>
+              <a:t>[] </a:t>
+            </a:r>
+            <a:r>
+              <a:rPr lang="en-US" altLang="ko-KR" sz="2000" b="1" dirty="0" smtClean="0"/>
+              <a:t>WHERE [] (GROUP BY[]) ORDER BY []</a:t>
+            </a:r>
+          </a:p>
+          <a:p>
+            <a:pPr>
+              <a:lnSpc>
+                <a:spcPct val="150000"/>
+              </a:lnSpc>
+            </a:pPr>
+            <a:endParaRPr lang="en-US" altLang="ko-KR" sz="2000" b="1" dirty="0" smtClean="0"/>
+          </a:p>
+          <a:p>
+            <a:pPr>
+              <a:lnSpc>
+                <a:spcPct val="150000"/>
+              </a:lnSpc>
+            </a:pPr>
+            <a:r>
+              <a:rPr lang="en-US" altLang="ko-KR" sz="2000" b="1" dirty="0" smtClean="0"/>
+              <a:t>SELECT – </a:t>
+            </a:r>
+            <a:r>
+              <a:rPr lang="ko-KR" altLang="en-US" sz="2000" b="1" dirty="0" smtClean="0"/>
+              <a:t>화면에 출력</a:t>
+            </a:r>
+            <a:endParaRPr lang="en-US" altLang="ko-KR" sz="2000" b="1" dirty="0" smtClean="0"/>
+          </a:p>
+          <a:p>
+            <a:pPr>
+              <a:lnSpc>
+                <a:spcPct val="150000"/>
+              </a:lnSpc>
+            </a:pPr>
+            <a:r>
+              <a:rPr lang="en-US" altLang="ko-KR" sz="2000" b="1" dirty="0" smtClean="0"/>
+              <a:t>FROM – </a:t>
+            </a:r>
+            <a:r>
+              <a:rPr lang="ko-KR" altLang="en-US" sz="2000" b="1" dirty="0" smtClean="0"/>
+              <a:t>대상 테이블</a:t>
+            </a:r>
+            <a:endParaRPr lang="en-US" altLang="ko-KR" sz="2000" b="1" dirty="0" smtClean="0"/>
+          </a:p>
+          <a:p>
+            <a:pPr>
+              <a:lnSpc>
+                <a:spcPct val="150000"/>
+              </a:lnSpc>
+            </a:pPr>
+            <a:r>
+              <a:rPr lang="en-US" altLang="ko-KR" sz="2000" b="1" dirty="0" smtClean="0"/>
+              <a:t>WHERE – </a:t>
+            </a:r>
+            <a:r>
+              <a:rPr lang="ko-KR" altLang="en-US" sz="2000" b="1" dirty="0" smtClean="0"/>
+              <a:t>대상 테이블로 부터 </a:t>
             </a:r>
             <a:r>
               <a:rPr lang="ko-KR" altLang="en-US" sz="2000" b="1" dirty="0" err="1" smtClean="0"/>
-              <a:t>컬럼명</a:t>
-            </a:r>
+              <a:t>튜플</a:t>
+            </a:r>
+            <a:r>
+              <a:rPr lang="ko-KR" altLang="en-US" sz="2000" b="1" dirty="0" smtClean="0"/>
+              <a:t> </a:t>
+            </a:r>
+            <a:r>
+              <a:rPr lang="ko-KR" altLang="en-US" sz="2000" b="1" dirty="0" smtClean="0"/>
+              <a:t>선정 조건</a:t>
+            </a:r>
+            <a:endParaRPr lang="en-US" altLang="ko-KR" sz="2000" b="1" dirty="0" smtClean="0"/>
+          </a:p>
+          <a:p>
+            <a:pPr>
+              <a:lnSpc>
+                <a:spcPct val="150000"/>
+              </a:lnSpc>
+            </a:pPr>
             <a:r>
               <a:rPr lang="en-US" altLang="ko-KR" sz="2000" b="1" dirty="0" smtClean="0"/>
-              <a:t>] FROM [</a:t>
-            </a:r>
-            <a:r>
-              <a:rPr lang="ko-KR" altLang="en-US" sz="2000" b="1" dirty="0" err="1" smtClean="0"/>
-              <a:t>테이블명</a:t>
-            </a:r>
+              <a:t>GROUP BY – </a:t>
+            </a:r>
+            <a:r>
+              <a:rPr lang="ko-KR" altLang="en-US" sz="2000" b="1" dirty="0" smtClean="0"/>
+              <a:t>그룹화 후 요약</a:t>
+            </a:r>
+            <a:endParaRPr lang="en-US" altLang="ko-KR" sz="2000" b="1" dirty="0" smtClean="0"/>
+          </a:p>
+          <a:p>
+            <a:pPr>
+              <a:lnSpc>
+                <a:spcPct val="150000"/>
+              </a:lnSpc>
+            </a:pPr>
             <a:r>
               <a:rPr lang="en-US" altLang="ko-KR" sz="2000" b="1" dirty="0" smtClean="0"/>
-              <a:t>] WHERE [</a:t>
+              <a:t>ORDER BY – </a:t>
             </a:r>
             <a:r>
               <a:rPr lang="ko-KR" altLang="en-US" sz="2000" b="1" dirty="0" smtClean="0"/>
-              <a:t>조건</a:t>
+              <a:t>출력할 때 </a:t>
+            </a:r>
+            <a:r>
+              <a:rPr lang="ko-KR" altLang="en-US" sz="2000" b="1" dirty="0" smtClean="0"/>
+              <a:t>정렬</a:t>
+            </a:r>
+            <a:endParaRPr lang="en-US" altLang="ko-KR" sz="2000" b="1" dirty="0" smtClean="0"/>
+          </a:p>
+          <a:p>
+            <a:pPr>
+              <a:lnSpc>
+                <a:spcPct val="150000"/>
+              </a:lnSpc>
+            </a:pPr>
+            <a:endParaRPr lang="en-US" altLang="ko-KR" sz="2000" b="1" dirty="0"/>
+          </a:p>
+          <a:p>
+            <a:pPr>
+              <a:lnSpc>
+                <a:spcPct val="150000"/>
+              </a:lnSpc>
+            </a:pPr>
+            <a:r>
+              <a:rPr lang="ko-KR" altLang="en-US" sz="2000" b="1" dirty="0" smtClean="0"/>
+              <a:t>순서 </a:t>
             </a:r>
             <a:r>
               <a:rPr lang="en-US" altLang="ko-KR" sz="2000" b="1" dirty="0" smtClean="0"/>
-              <a:t>] </a:t>
-            </a:r>
+              <a:t>:</a:t>
+            </a:r>
+          </a:p>
+          <a:p>
+            <a:pPr>
+              <a:lnSpc>
+                <a:spcPct val="150000"/>
+              </a:lnSpc>
+            </a:pPr>
             <a:r>
               <a:rPr lang="en-US" altLang="ko-KR" sz="2000" b="1" dirty="0" smtClean="0"/>
-              <a:t>ORDER BY []</a:t>
-            </a:r>
-          </a:p>
-          <a:p>
-            <a:pPr>
-              <a:lnSpc>
-                <a:spcPct val="150000"/>
-              </a:lnSpc>
-            </a:pPr>
-            <a:endParaRPr lang="en-US" altLang="ko-KR" sz="2000" b="1" dirty="0"/>
-          </a:p>
-          <a:p>
-            <a:pPr>
-              <a:lnSpc>
-                <a:spcPct val="150000"/>
-              </a:lnSpc>
-            </a:pPr>
+              <a:t>FROM -&gt; WHERE </a:t>
+            </a:r>
             <a:r>
               <a:rPr lang="en-US" altLang="ko-KR" sz="2000" b="1" dirty="0" smtClean="0"/>
-              <a:t>SELECT </a:t>
+              <a:t>-&gt; GROUP BY -&gt; </a:t>
+            </a:r>
+            <a:r>
+              <a:rPr lang="en-US" altLang="ko-KR" sz="2000" b="1" dirty="0" smtClean="0"/>
+              <a:t>SELECT -&gt; ORDER BY </a:t>
             </a:r>
             <a:r>
               <a:rPr lang="ko-KR" altLang="en-US" sz="2000" b="1" dirty="0" smtClean="0"/>
-              <a:t>뒤에는 개수를 세는 집계 </a:t>
-            </a:r>
-            <a:r>
-              <a:rPr lang="en-US" altLang="ko-KR" sz="2000" b="1" dirty="0" smtClean="0"/>
-              <a:t>COUNT</a:t>
-            </a:r>
-            <a:r>
-              <a:rPr lang="ko-KR" altLang="en-US" sz="2000" b="1" dirty="0" smtClean="0"/>
-              <a:t>가 올 수도 있고</a:t>
+              <a:t>순서로 생각 및 분석 </a:t>
             </a:r>
             <a:endParaRPr lang="en-US" altLang="ko-KR" sz="2000" b="1" dirty="0" smtClean="0"/>
-          </a:p>
-          <a:p>
-            <a:pPr>
-              <a:lnSpc>
-                <a:spcPct val="150000"/>
-              </a:lnSpc>
-            </a:pPr>
-            <a:r>
-              <a:rPr lang="ko-KR" altLang="en-US" sz="2000" b="1" dirty="0" smtClean="0"/>
-              <a:t>전체를 셀 수 있는 </a:t>
-            </a:r>
-            <a:r>
-              <a:rPr lang="en-US" altLang="ko-KR" sz="2000" b="1" dirty="0" smtClean="0"/>
-              <a:t>*</a:t>
-            </a:r>
-            <a:r>
-              <a:rPr lang="ko-KR" altLang="en-US" sz="2000" b="1" dirty="0" smtClean="0"/>
-              <a:t>이 올 수 있고</a:t>
-            </a:r>
-            <a:r>
-              <a:rPr lang="en-US" altLang="ko-KR" sz="2000" b="1" dirty="0" smtClean="0"/>
-              <a:t>,</a:t>
-            </a:r>
-          </a:p>
-          <a:p>
-            <a:pPr>
-              <a:lnSpc>
-                <a:spcPct val="150000"/>
-              </a:lnSpc>
-            </a:pPr>
-            <a:r>
-              <a:rPr lang="ko-KR" altLang="en-US" sz="2000" b="1" dirty="0" smtClean="0"/>
-              <a:t>여러 개의 컬럼을 가져오고 싶을 땐 </a:t>
-            </a:r>
-            <a:r>
-              <a:rPr lang="en-US" altLang="ko-KR" sz="2000" b="1" dirty="0" smtClean="0"/>
-              <a:t>[</a:t>
-            </a:r>
-            <a:r>
-              <a:rPr lang="ko-KR" altLang="en-US" sz="2000" b="1" dirty="0" smtClean="0"/>
-              <a:t>컬럼</a:t>
-            </a:r>
-            <a:r>
-              <a:rPr lang="en-US" altLang="ko-KR" sz="2000" b="1" dirty="0" smtClean="0"/>
-              <a:t>1, </a:t>
-            </a:r>
-            <a:r>
-              <a:rPr lang="ko-KR" altLang="en-US" sz="2000" b="1" dirty="0" smtClean="0"/>
-              <a:t>컬럼</a:t>
-            </a:r>
-            <a:r>
-              <a:rPr lang="en-US" altLang="ko-KR" sz="2000" b="1" dirty="0" smtClean="0"/>
-              <a:t>2, … ] </a:t>
-            </a:r>
-            <a:r>
-              <a:rPr lang="ko-KR" altLang="en-US" sz="2000" b="1" dirty="0" smtClean="0"/>
-              <a:t>쓰면 된다</a:t>
-            </a:r>
-            <a:r>
-              <a:rPr lang="en-US" altLang="ko-KR" sz="2000" b="1" dirty="0" smtClean="0"/>
-              <a:t>.</a:t>
-            </a:r>
           </a:p>
         </p:txBody>
       </p:sp>
     </p:spTree>
     <p:extLst>
       <p:ext uri="{BB962C8B-B14F-4D97-AF65-F5344CB8AC3E}">
-        <p14:creationId xmlns:p14="http://schemas.microsoft.com/office/powerpoint/2010/main" val="3027804875"/>
+        <p14:creationId xmlns:p14="http://schemas.microsoft.com/office/powerpoint/2010/main" val="2233381564"/>
       </p:ext>
     </p:extLst>
   </p:cSld>
@@ -7927,7 +7942,7 @@
         <p:spPr>
           <a:xfrm>
             <a:off x="838200" y="1690688"/>
-            <a:ext cx="10515600" cy="4247317"/>
+            <a:ext cx="10515600" cy="4708981"/>
           </a:xfrm>
           <a:prstGeom prst="rect">
             <a:avLst/>
@@ -7946,6 +7961,160 @@
               </a:lnSpc>
             </a:pPr>
             <a:r>
+              <a:rPr lang="ko-KR" altLang="en-US" sz="2000" b="1" dirty="0" smtClean="0"/>
+              <a:t>특정 </a:t>
+            </a:r>
+            <a:r>
+              <a:rPr lang="ko-KR" altLang="en-US" sz="2000" b="1" dirty="0" err="1" smtClean="0"/>
+              <a:t>튜플을</a:t>
+            </a:r>
+            <a:r>
+              <a:rPr lang="ko-KR" altLang="en-US" sz="2000" b="1" dirty="0" smtClean="0"/>
+              <a:t> 선택하여 갱신하려면 </a:t>
+            </a:r>
+            <a:r>
+              <a:rPr lang="en-US" altLang="ko-KR" sz="2000" b="1" dirty="0" smtClean="0"/>
+              <a:t>WHERE</a:t>
+            </a:r>
+            <a:r>
+              <a:rPr lang="ko-KR" altLang="en-US" sz="2000" b="1" dirty="0" smtClean="0"/>
+              <a:t>절 사용</a:t>
+            </a:r>
+            <a:endParaRPr lang="en-US" altLang="ko-KR" sz="2000" b="1" dirty="0" smtClean="0"/>
+          </a:p>
+          <a:p>
+            <a:pPr>
+              <a:lnSpc>
+                <a:spcPct val="150000"/>
+              </a:lnSpc>
+            </a:pPr>
+            <a:endParaRPr lang="en-US" altLang="ko-KR" sz="2000" b="1" dirty="0" smtClean="0"/>
+          </a:p>
+          <a:p>
+            <a:pPr>
+              <a:lnSpc>
+                <a:spcPct val="150000"/>
+              </a:lnSpc>
+            </a:pPr>
+            <a:r>
+              <a:rPr lang="en-US" altLang="ko-KR" sz="2000" b="1" dirty="0" smtClean="0"/>
+              <a:t>ALTER </a:t>
+            </a:r>
+            <a:r>
+              <a:rPr lang="en-US" altLang="ko-KR" sz="2000" b="1" dirty="0" smtClean="0"/>
+              <a:t>TABLE [</a:t>
+            </a:r>
+            <a:r>
+              <a:rPr lang="ko-KR" altLang="en-US" sz="2000" b="1" dirty="0" err="1" smtClean="0"/>
+              <a:t>테이블명</a:t>
+            </a:r>
+            <a:r>
+              <a:rPr lang="en-US" altLang="ko-KR" sz="2000" b="1" dirty="0" smtClean="0"/>
+              <a:t>] ADD (</a:t>
+            </a:r>
+            <a:r>
+              <a:rPr lang="ko-KR" altLang="en-US" sz="2000" b="1" dirty="0" err="1" smtClean="0"/>
+              <a:t>컬럼명</a:t>
+            </a:r>
+            <a:r>
+              <a:rPr lang="ko-KR" altLang="en-US" sz="2000" b="1" dirty="0" smtClean="0"/>
+              <a:t> </a:t>
+            </a:r>
+            <a:r>
+              <a:rPr lang="ko-KR" altLang="en-US" sz="2000" b="1" dirty="0" err="1" smtClean="0"/>
+              <a:t>데이터타입</a:t>
+            </a:r>
+            <a:r>
+              <a:rPr lang="ko-KR" altLang="en-US" sz="2000" b="1" dirty="0" smtClean="0"/>
+              <a:t> </a:t>
+            </a:r>
+            <a:r>
+              <a:rPr lang="en-US" altLang="ko-KR" sz="2000" b="1" dirty="0" smtClean="0"/>
+              <a:t>())</a:t>
+            </a:r>
+          </a:p>
+          <a:p>
+            <a:pPr>
+              <a:lnSpc>
+                <a:spcPct val="150000"/>
+              </a:lnSpc>
+            </a:pPr>
+            <a:r>
+              <a:rPr lang="en-US" altLang="ko-KR" sz="2000" b="1" dirty="0"/>
+              <a:t>ALTER TABLE [</a:t>
+            </a:r>
+            <a:r>
+              <a:rPr lang="ko-KR" altLang="en-US" sz="2000" b="1" dirty="0" err="1"/>
+              <a:t>테이블명</a:t>
+            </a:r>
+            <a:r>
+              <a:rPr lang="en-US" altLang="ko-KR" sz="2000" b="1" dirty="0"/>
+              <a:t>] </a:t>
+            </a:r>
+            <a:r>
+              <a:rPr lang="en-US" altLang="ko-KR" sz="2000" b="1" dirty="0" smtClean="0"/>
+              <a:t>MODIFY </a:t>
+            </a:r>
+            <a:r>
+              <a:rPr lang="en-US" altLang="ko-KR" sz="2000" b="1" dirty="0"/>
+              <a:t>(</a:t>
+            </a:r>
+            <a:r>
+              <a:rPr lang="ko-KR" altLang="en-US" sz="2000" b="1" dirty="0" err="1"/>
+              <a:t>컬럼명</a:t>
+            </a:r>
+            <a:r>
+              <a:rPr lang="ko-KR" altLang="en-US" sz="2000" b="1" dirty="0"/>
+              <a:t> </a:t>
+            </a:r>
+            <a:r>
+              <a:rPr lang="ko-KR" altLang="en-US" sz="2000" b="1" dirty="0" err="1"/>
+              <a:t>데이터타입</a:t>
+            </a:r>
+            <a:r>
+              <a:rPr lang="ko-KR" altLang="en-US" sz="2000" b="1" dirty="0"/>
+              <a:t> </a:t>
+            </a:r>
+            <a:r>
+              <a:rPr lang="en-US" altLang="ko-KR" sz="2000" b="1" dirty="0" smtClean="0"/>
+              <a:t>())</a:t>
+            </a:r>
+          </a:p>
+          <a:p>
+            <a:pPr>
+              <a:lnSpc>
+                <a:spcPct val="150000"/>
+              </a:lnSpc>
+            </a:pPr>
+            <a:r>
+              <a:rPr lang="en-US" altLang="ko-KR" sz="2000" b="1" dirty="0"/>
+              <a:t>ALTER TABLE [</a:t>
+            </a:r>
+            <a:r>
+              <a:rPr lang="ko-KR" altLang="en-US" sz="2000" b="1" dirty="0" err="1"/>
+              <a:t>테이블명</a:t>
+            </a:r>
+            <a:r>
+              <a:rPr lang="en-US" altLang="ko-KR" sz="2000" b="1" dirty="0"/>
+              <a:t>] </a:t>
+            </a:r>
+            <a:r>
+              <a:rPr lang="en-US" altLang="ko-KR" sz="2000" b="1" dirty="0" smtClean="0"/>
+              <a:t>DROP COLUMN </a:t>
+            </a:r>
+            <a:r>
+              <a:rPr lang="ko-KR" altLang="en-US" sz="2000" b="1" dirty="0" err="1" smtClean="0"/>
+              <a:t>컬럼명</a:t>
+            </a:r>
+            <a:endParaRPr lang="en-US" altLang="ko-KR" sz="2000" b="1" dirty="0" smtClean="0"/>
+          </a:p>
+          <a:p>
+            <a:pPr>
+              <a:lnSpc>
+                <a:spcPct val="150000"/>
+              </a:lnSpc>
+            </a:pPr>
+            <a:r>
               <a:rPr lang="en-US" altLang="ko-KR" sz="2000" b="1" dirty="0" smtClean="0"/>
               <a:t>ALTER TABLE [</a:t>
             </a:r>
@@ -7955,221 +8124,95 @@
             </a:r>
             <a:r>
               <a:rPr lang="en-US" altLang="ko-KR" sz="2000" b="1" dirty="0" smtClean="0"/>
-              <a:t>] ADD (</a:t>
+              <a:t>] RENAME COLUMN </a:t>
+            </a:r>
+            <a:r>
+              <a:rPr lang="ko-KR" altLang="en-US" sz="2000" b="1" dirty="0" err="1" smtClean="0"/>
+              <a:t>원래컬럼명</a:t>
+            </a:r>
+            <a:r>
+              <a:rPr lang="ko-KR" altLang="en-US" sz="2000" b="1" dirty="0" smtClean="0"/>
+              <a:t> </a:t>
+            </a:r>
+            <a:r>
+              <a:rPr lang="en-US" altLang="ko-KR" sz="2000" b="1" dirty="0" smtClean="0"/>
+              <a:t>TO </a:t>
+            </a:r>
+            <a:r>
+              <a:rPr lang="ko-KR" altLang="en-US" sz="2000" b="1" dirty="0" err="1" smtClean="0"/>
+              <a:t>바꿀컬럼명</a:t>
+            </a:r>
+            <a:endParaRPr lang="en-US" altLang="ko-KR" sz="2000" b="1" dirty="0"/>
+          </a:p>
+          <a:p>
+            <a:pPr>
+              <a:lnSpc>
+                <a:spcPct val="150000"/>
+              </a:lnSpc>
+            </a:pPr>
+            <a:endParaRPr lang="en-US" altLang="ko-KR" sz="2000" b="1" dirty="0" smtClean="0"/>
+          </a:p>
+          <a:p>
+            <a:pPr>
+              <a:lnSpc>
+                <a:spcPct val="150000"/>
+              </a:lnSpc>
+            </a:pPr>
+            <a:r>
+              <a:rPr lang="en-US" altLang="ko-KR" sz="2000" b="1" dirty="0" smtClean="0"/>
+              <a:t>UPDATE [</a:t>
+            </a:r>
+            <a:r>
+              <a:rPr lang="ko-KR" altLang="en-US" sz="2000" b="1" dirty="0" err="1" smtClean="0"/>
+              <a:t>테이블명</a:t>
+            </a:r>
+            <a:r>
+              <a:rPr lang="en-US" altLang="ko-KR" sz="2000" b="1" dirty="0" smtClean="0"/>
+              <a:t>] SET [</a:t>
             </a:r>
             <a:r>
               <a:rPr lang="ko-KR" altLang="en-US" sz="2000" b="1" dirty="0" err="1" smtClean="0"/>
               <a:t>컬럼명</a:t>
             </a:r>
             <a:r>
+              <a:rPr lang="en-US" altLang="ko-KR" sz="2000" b="1" dirty="0" smtClean="0"/>
+              <a:t> = </a:t>
+            </a:r>
+            <a:r>
               <a:rPr lang="ko-KR" altLang="en-US" sz="2000" b="1" dirty="0" smtClean="0"/>
-              <a:t> </a:t>
-            </a:r>
-            <a:r>
-              <a:rPr lang="ko-KR" altLang="en-US" sz="2000" b="1" dirty="0" err="1" smtClean="0"/>
-              <a:t>데이터타입</a:t>
+              <a:t>데이터 값</a:t>
+            </a:r>
+            <a:r>
+              <a:rPr lang="en-US" altLang="ko-KR" sz="2000" b="1" dirty="0" smtClean="0"/>
+              <a:t>] WHERE [</a:t>
             </a:r>
             <a:r>
               <a:rPr lang="ko-KR" altLang="en-US" sz="2000" b="1" dirty="0" smtClean="0"/>
-              <a:t> </a:t>
+              <a:t>조건</a:t>
             </a:r>
             <a:r>
               <a:rPr lang="en-US" altLang="ko-KR" sz="2000" b="1" dirty="0" smtClean="0"/>
-              <a:t>())</a:t>
-            </a:r>
-          </a:p>
-          <a:p>
-            <a:pPr>
-              <a:lnSpc>
-                <a:spcPct val="150000"/>
-              </a:lnSpc>
-            </a:pPr>
-            <a:r>
-              <a:rPr lang="en-US" altLang="ko-KR" sz="2000" b="1" dirty="0"/>
-              <a:t>ALTER TABLE [</a:t>
-            </a:r>
-            <a:r>
-              <a:rPr lang="ko-KR" altLang="en-US" sz="2000" b="1" dirty="0" err="1"/>
-              <a:t>테이블명</a:t>
-            </a:r>
-            <a:r>
-              <a:rPr lang="en-US" altLang="ko-KR" sz="2000" b="1" dirty="0"/>
-              <a:t>] </a:t>
-            </a:r>
+              <a:t>]</a:t>
+            </a:r>
+            <a:endParaRPr lang="en-US" altLang="ko-KR" sz="2000" b="1" dirty="0" smtClean="0"/>
+          </a:p>
+          <a:p>
+            <a:pPr>
+              <a:lnSpc>
+                <a:spcPct val="150000"/>
+              </a:lnSpc>
+            </a:pPr>
             <a:r>
               <a:rPr lang="en-US" altLang="ko-KR" sz="2000" b="1" dirty="0" smtClean="0"/>
-              <a:t>MODIFY </a:t>
-            </a:r>
-            <a:r>
-              <a:rPr lang="en-US" altLang="ko-KR" sz="2000" b="1" dirty="0"/>
-              <a:t>(</a:t>
-            </a:r>
-            <a:r>
-              <a:rPr lang="ko-KR" altLang="en-US" sz="2000" b="1" dirty="0" err="1"/>
-              <a:t>컬럼명</a:t>
-            </a:r>
-            <a:r>
-              <a:rPr lang="ko-KR" altLang="en-US" sz="2000" b="1" dirty="0"/>
-              <a:t> </a:t>
-            </a:r>
-            <a:r>
-              <a:rPr lang="ko-KR" altLang="en-US" sz="2000" b="1" dirty="0" err="1"/>
-              <a:t>데이터타입</a:t>
-            </a:r>
-            <a:r>
-              <a:rPr lang="ko-KR" altLang="en-US" sz="2000" b="1" dirty="0"/>
-              <a:t> </a:t>
-            </a:r>
-            <a:r>
-              <a:rPr lang="en-US" altLang="ko-KR" sz="2000" b="1" dirty="0" smtClean="0"/>
-              <a:t>())</a:t>
-            </a:r>
-          </a:p>
-          <a:p>
-            <a:pPr>
-              <a:lnSpc>
-                <a:spcPct val="150000"/>
-              </a:lnSpc>
-            </a:pPr>
-            <a:r>
-              <a:rPr lang="en-US" altLang="ko-KR" sz="2000" b="1" dirty="0"/>
-              <a:t>ALTER TABLE [</a:t>
-            </a:r>
-            <a:r>
-              <a:rPr lang="ko-KR" altLang="en-US" sz="2000" b="1" dirty="0" err="1"/>
-              <a:t>테이블명</a:t>
-            </a:r>
-            <a:r>
-              <a:rPr lang="en-US" altLang="ko-KR" sz="2000" b="1" dirty="0"/>
-              <a:t>] </a:t>
-            </a:r>
-            <a:r>
-              <a:rPr lang="en-US" altLang="ko-KR" sz="2000" b="1" dirty="0" smtClean="0"/>
-              <a:t>DROP COLUMN </a:t>
+              <a:t>-&gt; SET </a:t>
             </a:r>
             <a:r>
               <a:rPr lang="ko-KR" altLang="en-US" sz="2000" b="1" dirty="0" err="1" smtClean="0"/>
               <a:t>컬럼명</a:t>
             </a:r>
-            <a:endParaRPr lang="en-US" altLang="ko-KR" sz="2000" b="1" dirty="0" smtClean="0"/>
-          </a:p>
-          <a:p>
-            <a:pPr>
-              <a:lnSpc>
-                <a:spcPct val="150000"/>
-              </a:lnSpc>
-            </a:pPr>
-            <a:r>
-              <a:rPr lang="en-US" altLang="ko-KR" sz="2000" b="1" dirty="0" smtClean="0"/>
-              <a:t>ALTER TABLE [</a:t>
-            </a:r>
-            <a:r>
-              <a:rPr lang="ko-KR" altLang="en-US" sz="2000" b="1" dirty="0" err="1" smtClean="0"/>
-              <a:t>테이블명</a:t>
-            </a:r>
-            <a:r>
-              <a:rPr lang="en-US" altLang="ko-KR" sz="2000" b="1" dirty="0" smtClean="0"/>
-              <a:t>] RENAME COLUMN </a:t>
-            </a:r>
-            <a:r>
-              <a:rPr lang="ko-KR" altLang="en-US" sz="2000" b="1" dirty="0" err="1" smtClean="0"/>
-              <a:t>원래컬럼명</a:t>
-            </a:r>
-            <a:r>
-              <a:rPr lang="ko-KR" altLang="en-US" sz="2000" b="1" dirty="0" smtClean="0"/>
-              <a:t> </a:t>
-            </a:r>
-            <a:r>
-              <a:rPr lang="en-US" altLang="ko-KR" sz="2000" b="1" dirty="0" smtClean="0"/>
-              <a:t>TO </a:t>
-            </a:r>
-            <a:r>
-              <a:rPr lang="ko-KR" altLang="en-US" sz="2000" b="1" dirty="0" err="1" smtClean="0"/>
-              <a:t>바꿀컬럼명</a:t>
-            </a:r>
-            <a:endParaRPr lang="en-US" altLang="ko-KR" sz="2000" b="1" dirty="0"/>
-          </a:p>
-          <a:p>
-            <a:pPr>
-              <a:lnSpc>
-                <a:spcPct val="150000"/>
-              </a:lnSpc>
-            </a:pPr>
-            <a:endParaRPr lang="en-US" altLang="ko-KR" sz="2000" b="1" dirty="0" smtClean="0"/>
-          </a:p>
-          <a:p>
-            <a:pPr>
-              <a:lnSpc>
-                <a:spcPct val="150000"/>
-              </a:lnSpc>
-            </a:pPr>
-            <a:r>
-              <a:rPr lang="en-US" altLang="ko-KR" sz="2000" b="1" dirty="0" smtClean="0"/>
-              <a:t>UPDATE [</a:t>
-            </a:r>
-            <a:r>
-              <a:rPr lang="ko-KR" altLang="en-US" sz="2000" b="1" dirty="0" err="1" smtClean="0"/>
-              <a:t>테이블명</a:t>
-            </a:r>
-            <a:r>
-              <a:rPr lang="en-US" altLang="ko-KR" sz="2000" b="1" dirty="0" smtClean="0"/>
-              <a:t>] SET [</a:t>
-            </a:r>
-            <a:r>
-              <a:rPr lang="ko-KR" altLang="en-US" sz="2000" b="1" dirty="0" err="1" smtClean="0"/>
-              <a:t>컬럼명</a:t>
-            </a:r>
             <a:r>
               <a:rPr lang="en-US" altLang="ko-KR" sz="2000" b="1" dirty="0" smtClean="0"/>
               <a:t> = </a:t>
-            </a:r>
-            <a:r>
-              <a:rPr lang="ko-KR" altLang="en-US" sz="2000" b="1" dirty="0" smtClean="0"/>
-              <a:t>데이터 값</a:t>
-            </a:r>
-            <a:r>
-              <a:rPr lang="en-US" altLang="ko-KR" sz="2000" b="1" dirty="0" smtClean="0"/>
-              <a:t>] WHERE [</a:t>
-            </a:r>
-            <a:r>
-              <a:rPr lang="ko-KR" altLang="en-US" sz="2000" b="1" dirty="0" smtClean="0"/>
-              <a:t>조건</a:t>
-            </a:r>
-            <a:r>
-              <a:rPr lang="en-US" altLang="ko-KR" sz="2000" b="1" dirty="0" smtClean="0"/>
-              <a:t>]</a:t>
-            </a:r>
-            <a:endParaRPr lang="en-US" altLang="ko-KR" sz="2000" b="1" dirty="0" smtClean="0"/>
-          </a:p>
-          <a:p>
-            <a:pPr>
-              <a:lnSpc>
-                <a:spcPct val="150000"/>
-              </a:lnSpc>
-            </a:pPr>
-            <a:endParaRPr lang="en-US" altLang="ko-KR" sz="2000" b="1" dirty="0" smtClean="0"/>
-          </a:p>
-          <a:p>
-            <a:pPr>
-              <a:lnSpc>
-                <a:spcPct val="150000"/>
-              </a:lnSpc>
-            </a:pPr>
-            <a:r>
-              <a:rPr lang="en-US" altLang="ko-KR" sz="2000" b="1" dirty="0" smtClean="0"/>
-              <a:t>SET </a:t>
-            </a:r>
-            <a:r>
-              <a:rPr lang="ko-KR" altLang="en-US" sz="2000" b="1" dirty="0" err="1" smtClean="0"/>
-              <a:t>컬럼명</a:t>
-            </a:r>
-            <a:r>
-              <a:rPr lang="ko-KR" altLang="en-US" sz="2000" b="1" dirty="0" smtClean="0"/>
-              <a:t> </a:t>
-            </a:r>
-            <a:r>
-              <a:rPr lang="en-US" altLang="ko-KR" sz="2000" b="1" dirty="0" smtClean="0"/>
-              <a:t>  = </a:t>
             </a:r>
             <a:r>
               <a:rPr lang="ko-KR" altLang="en-US" sz="2000" b="1" dirty="0" smtClean="0"/>
@@ -8257,7 +8300,7 @@
         <p:spPr>
           <a:xfrm>
             <a:off x="838200" y="1690688"/>
-            <a:ext cx="10515600" cy="1477328"/>
+            <a:ext cx="10515600" cy="2400657"/>
           </a:xfrm>
           <a:prstGeom prst="rect">
             <a:avLst/>
@@ -8276,8 +8319,48 @@
               </a:lnSpc>
             </a:pPr>
             <a:r>
+              <a:rPr lang="ko-KR" altLang="en-US" sz="2000" b="1" dirty="0" smtClean="0"/>
+              <a:t>특정 </a:t>
+            </a:r>
+            <a:r>
+              <a:rPr lang="ko-KR" altLang="en-US" sz="2000" b="1" dirty="0" err="1" smtClean="0"/>
+              <a:t>튜플을</a:t>
+            </a:r>
+            <a:r>
+              <a:rPr lang="ko-KR" altLang="en-US" sz="2000" b="1" dirty="0" smtClean="0"/>
+              <a:t> 선택하여 삭제하려면 </a:t>
+            </a:r>
+            <a:r>
               <a:rPr lang="en-US" altLang="ko-KR" sz="2000" b="1" dirty="0" smtClean="0"/>
-              <a:t>DROP TABLE [</a:t>
+              <a:t>WHERE</a:t>
+            </a:r>
+            <a:r>
+              <a:rPr lang="ko-KR" altLang="en-US" sz="2000" b="1" dirty="0" smtClean="0"/>
+              <a:t>절 사용</a:t>
+            </a:r>
+            <a:endParaRPr lang="en-US" altLang="ko-KR" sz="2000" b="1" dirty="0" smtClean="0"/>
+          </a:p>
+          <a:p>
+            <a:pPr>
+              <a:lnSpc>
+                <a:spcPct val="150000"/>
+              </a:lnSpc>
+            </a:pPr>
+            <a:endParaRPr lang="en-US" altLang="ko-KR" sz="2000" b="1" dirty="0" smtClean="0"/>
+          </a:p>
+          <a:p>
+            <a:pPr>
+              <a:lnSpc>
+                <a:spcPct val="150000"/>
+              </a:lnSpc>
+            </a:pPr>
+            <a:r>
+              <a:rPr lang="en-US" altLang="ko-KR" sz="2000" b="1" dirty="0" smtClean="0"/>
+              <a:t>DROP </a:t>
+            </a:r>
+            <a:r>
+              <a:rPr lang="en-US" altLang="ko-KR" sz="2000" b="1" dirty="0" smtClean="0"/>
+              <a:t>TABLE [</a:t>
             </a:r>
             <a:r>
               <a:rPr lang="ko-KR" altLang="en-US" sz="2000" b="1" dirty="0" err="1" smtClean="0"/>

--- a/자료/DB정리.pptx
+++ b/자료/DB정리.pptx
@@ -14,12 +14,18 @@
     <p:sldId id="265" r:id="rId8"/>
     <p:sldId id="269" r:id="rId9"/>
     <p:sldId id="270" r:id="rId10"/>
-    <p:sldId id="271" r:id="rId11"/>
-    <p:sldId id="262" r:id="rId12"/>
-    <p:sldId id="258" r:id="rId13"/>
-    <p:sldId id="259" r:id="rId14"/>
-    <p:sldId id="260" r:id="rId15"/>
-    <p:sldId id="261" r:id="rId16"/>
+    <p:sldId id="272" r:id="rId11"/>
+    <p:sldId id="271" r:id="rId12"/>
+    <p:sldId id="274" r:id="rId13"/>
+    <p:sldId id="273" r:id="rId14"/>
+    <p:sldId id="275" r:id="rId15"/>
+    <p:sldId id="277" r:id="rId16"/>
+    <p:sldId id="276" r:id="rId17"/>
+    <p:sldId id="262" r:id="rId18"/>
+    <p:sldId id="258" r:id="rId19"/>
+    <p:sldId id="259" r:id="rId20"/>
+    <p:sldId id="260" r:id="rId21"/>
+    <p:sldId id="261" r:id="rId22"/>
   </p:sldIdLst>
   <p:sldSz cx="12192000" cy="6858000"/>
   <p:notesSz cx="6858000" cy="9144000"/>
@@ -3078,6 +3084,22 @@
               <a:rPr lang="ko-KR" altLang="en-US" dirty="0" smtClean="0"/>
               <a:t>함수 </a:t>
             </a:r>
+            <a:r>
+              <a:rPr lang="en-US" altLang="ko-KR" dirty="0" smtClean="0"/>
+              <a:t>(</a:t>
+            </a:r>
+            <a:r>
+              <a:rPr lang="ko-KR" altLang="en-US" dirty="0" smtClean="0"/>
+              <a:t>쓰면서 정리하기</a:t>
+            </a:r>
+            <a:r>
+              <a:rPr lang="en-US" altLang="ko-KR" dirty="0" smtClean="0"/>
+              <a:t>)</a:t>
+            </a:r>
+            <a:r>
+              <a:rPr lang="ko-KR" altLang="en-US" dirty="0" smtClean="0"/>
+              <a:t> </a:t>
+            </a:r>
             <a:endParaRPr lang="ko-KR" altLang="en-US" dirty="0"/>
           </a:p>
         </p:txBody>
@@ -3091,7 +3113,7 @@
         <p:spPr>
           <a:xfrm>
             <a:off x="838200" y="1690688"/>
-            <a:ext cx="10515600" cy="1938992"/>
+            <a:ext cx="10515600" cy="3785652"/>
           </a:xfrm>
           <a:prstGeom prst="rect">
             <a:avLst/>
@@ -3110,12 +3132,8 @@
               </a:lnSpc>
             </a:pPr>
             <a:r>
-              <a:rPr lang="ko-KR" altLang="en-US" sz="2000" b="1" dirty="0"/>
-              <a:t>함수를 호출하고 함수의 기능을 실행하고 결과값을 리턴</a:t>
-            </a:r>
-            <a:r>
-              <a:rPr lang="en-US" altLang="ko-KR" sz="2000" b="1" dirty="0"/>
-              <a:t>, </a:t>
+              <a:rPr lang="en-US" altLang="ko-KR" sz="2000" b="1" dirty="0" err="1" smtClean="0"/>
+              <a:t>Substr</a:t>
             </a:r>
             <a:endParaRPr lang="en-US" altLang="ko-KR" sz="2000" b="1" dirty="0" smtClean="0"/>
           </a:p>
@@ -3126,21 +3144,10 @@
               </a:lnSpc>
             </a:pPr>
             <a:r>
-              <a:rPr lang="en-US" altLang="ko-KR" sz="2000" b="1" dirty="0"/>
-              <a:t>	</a:t>
-            </a:r>
-            <a:r>
-              <a:rPr lang="ko-KR" altLang="en-US" sz="2000" b="1" dirty="0" smtClean="0"/>
-              <a:t>결과값을 리턴 받아서 </a:t>
-            </a:r>
-            <a:r>
-              <a:rPr lang="ko-KR" altLang="en-US" sz="2000" b="1" dirty="0"/>
-              <a:t>처리 한다</a:t>
-            </a:r>
-            <a:r>
-              <a:rPr lang="en-US" altLang="ko-KR" sz="2000" b="1" dirty="0"/>
-              <a:t>... </a:t>
-            </a:r>
+              <a:rPr lang="en-US" altLang="ko-KR" sz="2000" b="1" dirty="0" err="1" smtClean="0"/>
+              <a:t>Concat</a:t>
+            </a:r>
+            <a:endParaRPr lang="en-US" altLang="ko-KR" sz="2000" b="1" dirty="0" smtClean="0"/>
           </a:p>
           <a:p>
             <a:pPr>
@@ -3150,31 +3157,18 @@
             </a:pPr>
             <a:r>
               <a:rPr lang="en-US" altLang="ko-KR" sz="2000" b="1" dirty="0" smtClean="0"/>
-              <a:t>	</a:t>
-            </a:r>
-            <a:r>
-              <a:rPr lang="ko-KR" altLang="en-US" sz="2000" b="1" dirty="0" smtClean="0"/>
-              <a:t>예를 </a:t>
-            </a:r>
-            <a:r>
-              <a:rPr lang="ko-KR" altLang="en-US" sz="2000" b="1" dirty="0"/>
-              <a:t>들어  </a:t>
-            </a:r>
-            <a:r>
-              <a:rPr lang="en-US" altLang="ko-KR" sz="2000" b="1" dirty="0"/>
-              <a:t>count(*)</a:t>
-            </a:r>
-            <a:r>
-              <a:rPr lang="ko-KR" altLang="en-US" sz="2000" b="1" dirty="0"/>
-              <a:t>함수를 호출하면 </a:t>
-            </a:r>
-            <a:r>
-              <a:rPr lang="ko-KR" altLang="en-US" sz="2000" b="1" dirty="0" err="1"/>
-              <a:t>튜플의</a:t>
-            </a:r>
-            <a:r>
-              <a:rPr lang="ko-KR" altLang="en-US" sz="2000" b="1" dirty="0"/>
-              <a:t> 수를 </a:t>
+              <a:t>Lower</a:t>
+            </a:r>
+          </a:p>
+          <a:p>
+            <a:pPr>
+              <a:lnSpc>
+                <a:spcPct val="150000"/>
+              </a:lnSpc>
+            </a:pPr>
+            <a:r>
+              <a:rPr lang="en-US" altLang="ko-KR" sz="2000" b="1" dirty="0" err="1" smtClean="0"/>
+              <a:t>Trunc</a:t>
             </a:r>
             <a:endParaRPr lang="en-US" altLang="ko-KR" sz="2000" b="1" dirty="0" smtClean="0"/>
           </a:p>
@@ -3185,32 +3179,42 @@
               </a:lnSpc>
             </a:pPr>
             <a:r>
-              <a:rPr lang="en-US" altLang="ko-KR" sz="2000" b="1" dirty="0"/>
-              <a:t>	</a:t>
-            </a:r>
-            <a:r>
-              <a:rPr lang="ko-KR" altLang="en-US" sz="2000" b="1" dirty="0" err="1" smtClean="0"/>
-              <a:t>카운팅하여</a:t>
-            </a:r>
-            <a:r>
-              <a:rPr lang="ko-KR" altLang="en-US" sz="2000" b="1" dirty="0" smtClean="0"/>
-              <a:t> </a:t>
-            </a:r>
-            <a:r>
-              <a:rPr lang="ko-KR" altLang="en-US" sz="2000" b="1" dirty="0" err="1"/>
-              <a:t>카운팅</a:t>
-            </a:r>
-            <a:r>
-              <a:rPr lang="ko-KR" altLang="en-US" sz="2000" b="1" dirty="0"/>
-              <a:t> 결과값을 </a:t>
-            </a:r>
-            <a:r>
-              <a:rPr lang="ko-KR" altLang="en-US" sz="2000" b="1" dirty="0" smtClean="0"/>
-              <a:t>리턴 한다</a:t>
-            </a:r>
-            <a:r>
-              <a:rPr lang="en-US" altLang="ko-KR" sz="2000" b="1" dirty="0"/>
-              <a:t>.</a:t>
+              <a:rPr lang="en-US" altLang="ko-KR" sz="2000" b="1" dirty="0" smtClean="0"/>
+              <a:t>Round</a:t>
+            </a:r>
+          </a:p>
+          <a:p>
+            <a:pPr>
+              <a:lnSpc>
+                <a:spcPct val="150000"/>
+              </a:lnSpc>
+            </a:pPr>
+            <a:r>
+              <a:rPr lang="en-US" altLang="ko-KR" sz="2000" b="1" dirty="0" smtClean="0"/>
+              <a:t>Trim</a:t>
+            </a:r>
+          </a:p>
+          <a:p>
+            <a:pPr>
+              <a:lnSpc>
+                <a:spcPct val="150000"/>
+              </a:lnSpc>
+            </a:pPr>
+            <a:r>
+              <a:rPr lang="en-US" altLang="ko-KR" sz="2000" b="1" dirty="0" err="1" smtClean="0"/>
+              <a:t>Lpad</a:t>
+            </a:r>
+            <a:endParaRPr lang="en-US" altLang="ko-KR" sz="2000" b="1" dirty="0" smtClean="0"/>
+          </a:p>
+          <a:p>
+            <a:pPr>
+              <a:lnSpc>
+                <a:spcPct val="150000"/>
+              </a:lnSpc>
+            </a:pPr>
+            <a:r>
+              <a:rPr lang="en-US" altLang="ko-KR" sz="2000" b="1" dirty="0" err="1" smtClean="0"/>
+              <a:t>Rpad</a:t>
             </a:r>
             <a:endParaRPr lang="en-US" altLang="ko-KR" sz="2000" b="1" dirty="0" smtClean="0"/>
           </a:p>
@@ -3219,13 +3223,20 @@
     </p:spTree>
     <p:extLst>
       <p:ext uri="{BB962C8B-B14F-4D97-AF65-F5344CB8AC3E}">
-        <p14:creationId xmlns:p14="http://schemas.microsoft.com/office/powerpoint/2010/main" val="1123313251"/>
+        <p14:creationId xmlns:p14="http://schemas.microsoft.com/office/powerpoint/2010/main" val="4095271984"/>
       </p:ext>
     </p:extLst>
   </p:cSld>
   <p:clrMapOvr>
     <a:masterClrMapping/>
   </p:clrMapOvr>
+  <p:timing>
+    <p:tnLst>
+      <p:par>
+        <p:cTn id="1" dur="indefinite" restart="never" nodeType="tmRoot"/>
+      </p:par>
+    </p:tnLst>
+  </p:timing>
 </p:sld>
 </file>
 
@@ -3262,6 +3273,971 @@
           <a:lstStyle/>
           <a:p>
             <a:r>
+              <a:rPr lang="ko-KR" altLang="en-US" dirty="0" smtClean="0"/>
+              <a:t>집계 함수</a:t>
+            </a:r>
+            <a:endParaRPr lang="ko-KR" altLang="en-US" dirty="0"/>
+          </a:p>
+        </p:txBody>
+      </p:sp>
+      <p:pic>
+        <p:nvPicPr>
+          <p:cNvPr id="6" name="그림 5"/>
+          <p:cNvPicPr>
+            <a:picLocks noChangeAspect="1"/>
+          </p:cNvPicPr>
+          <p:nvPr/>
+        </p:nvPicPr>
+        <p:blipFill>
+          <a:blip r:embed="rId2"/>
+          <a:stretch>
+            <a:fillRect/>
+          </a:stretch>
+        </p:blipFill>
+        <p:spPr>
+          <a:xfrm>
+            <a:off x="838200" y="1690688"/>
+            <a:ext cx="6887536" cy="3858163"/>
+          </a:xfrm>
+          <a:prstGeom prst="rect">
+            <a:avLst/>
+          </a:prstGeom>
+        </p:spPr>
+      </p:pic>
+    </p:spTree>
+    <p:extLst>
+      <p:ext uri="{BB962C8B-B14F-4D97-AF65-F5344CB8AC3E}">
+        <p14:creationId xmlns:p14="http://schemas.microsoft.com/office/powerpoint/2010/main" val="1123313251"/>
+      </p:ext>
+    </p:extLst>
+  </p:cSld>
+  <p:clrMapOvr>
+    <a:masterClrMapping/>
+  </p:clrMapOvr>
+</p:sld>
+</file>
+
+<file path=ppt/slides/slide12.xml><?xml version="1.0" encoding="utf-8"?>
+<p:sld xmlns:a="http://schemas.openxmlformats.org/drawingml/2006/main" xmlns:r="http://schemas.openxmlformats.org/officeDocument/2006/relationships" xmlns:p="http://schemas.openxmlformats.org/presentationml/2006/main">
+  <p:cSld>
+    <p:spTree>
+      <p:nvGrpSpPr>
+        <p:cNvPr id="1" name=""/>
+        <p:cNvGrpSpPr/>
+        <p:nvPr/>
+      </p:nvGrpSpPr>
+      <p:grpSpPr>
+        <a:xfrm>
+          <a:off x="0" y="0"/>
+          <a:ext cx="0" cy="0"/>
+          <a:chOff x="0" y="0"/>
+          <a:chExt cx="0" cy="0"/>
+        </a:xfrm>
+      </p:grpSpPr>
+      <p:sp>
+        <p:nvSpPr>
+          <p:cNvPr id="2" name="제목 1"/>
+          <p:cNvSpPr>
+            <a:spLocks noGrp="1"/>
+          </p:cNvSpPr>
+          <p:nvPr>
+            <p:ph type="title"/>
+          </p:nvPr>
+        </p:nvSpPr>
+        <p:spPr/>
+        <p:txBody>
+          <a:bodyPr/>
+          <a:lstStyle/>
+          <a:p>
+            <a:r>
+              <a:rPr lang="ko-KR" altLang="en-US" dirty="0" smtClean="0"/>
+              <a:t>문자열</a:t>
+            </a:r>
+            <a:r>
+              <a:rPr lang="ko-KR" altLang="en-US" dirty="0" smtClean="0"/>
+              <a:t> 함수</a:t>
+            </a:r>
+            <a:endParaRPr lang="ko-KR" altLang="en-US" dirty="0"/>
+          </a:p>
+        </p:txBody>
+      </p:sp>
+      <p:pic>
+        <p:nvPicPr>
+          <p:cNvPr id="3" name="그림 2"/>
+          <p:cNvPicPr>
+            <a:picLocks noChangeAspect="1"/>
+          </p:cNvPicPr>
+          <p:nvPr/>
+        </p:nvPicPr>
+        <p:blipFill>
+          <a:blip r:embed="rId2"/>
+          <a:stretch>
+            <a:fillRect/>
+          </a:stretch>
+        </p:blipFill>
+        <p:spPr>
+          <a:xfrm>
+            <a:off x="838200" y="1690688"/>
+            <a:ext cx="6858957" cy="4725059"/>
+          </a:xfrm>
+          <a:prstGeom prst="rect">
+            <a:avLst/>
+          </a:prstGeom>
+        </p:spPr>
+      </p:pic>
+      <p:sp>
+        <p:nvSpPr>
+          <p:cNvPr id="4" name="TextBox 3"/>
+          <p:cNvSpPr txBox="1"/>
+          <p:nvPr/>
+        </p:nvSpPr>
+        <p:spPr>
+          <a:xfrm>
+            <a:off x="7697157" y="2831585"/>
+            <a:ext cx="1212127" cy="369332"/>
+          </a:xfrm>
+          <a:prstGeom prst="rect">
+            <a:avLst/>
+          </a:prstGeom>
+          <a:noFill/>
+        </p:spPr>
+        <p:txBody>
+          <a:bodyPr wrap="none" rtlCol="0">
+            <a:spAutoFit/>
+          </a:bodyPr>
+          <a:lstStyle/>
+          <a:p>
+            <a:r>
+              <a:rPr lang="en-US" altLang="ko-KR" dirty="0" smtClean="0"/>
+              <a:t>-&gt; </a:t>
+            </a:r>
+            <a:r>
+              <a:rPr lang="en-US" altLang="ko-KR" dirty="0" err="1" smtClean="0"/>
+              <a:t>initcap</a:t>
+            </a:r>
+            <a:endParaRPr lang="ko-KR" altLang="en-US" dirty="0"/>
+          </a:p>
+        </p:txBody>
+      </p:sp>
+    </p:spTree>
+    <p:extLst>
+      <p:ext uri="{BB962C8B-B14F-4D97-AF65-F5344CB8AC3E}">
+        <p14:creationId xmlns:p14="http://schemas.microsoft.com/office/powerpoint/2010/main" val="2342820825"/>
+      </p:ext>
+    </p:extLst>
+  </p:cSld>
+  <p:clrMapOvr>
+    <a:masterClrMapping/>
+  </p:clrMapOvr>
+</p:sld>
+</file>
+
+<file path=ppt/slides/slide13.xml><?xml version="1.0" encoding="utf-8"?>
+<p:sld xmlns:a="http://schemas.openxmlformats.org/drawingml/2006/main" xmlns:r="http://schemas.openxmlformats.org/officeDocument/2006/relationships" xmlns:p="http://schemas.openxmlformats.org/presentationml/2006/main">
+  <p:cSld>
+    <p:spTree>
+      <p:nvGrpSpPr>
+        <p:cNvPr id="1" name=""/>
+        <p:cNvGrpSpPr/>
+        <p:nvPr/>
+      </p:nvGrpSpPr>
+      <p:grpSpPr>
+        <a:xfrm>
+          <a:off x="0" y="0"/>
+          <a:ext cx="0" cy="0"/>
+          <a:chOff x="0" y="0"/>
+          <a:chExt cx="0" cy="0"/>
+        </a:xfrm>
+      </p:grpSpPr>
+      <p:sp>
+        <p:nvSpPr>
+          <p:cNvPr id="2" name="제목 1"/>
+          <p:cNvSpPr>
+            <a:spLocks noGrp="1"/>
+          </p:cNvSpPr>
+          <p:nvPr>
+            <p:ph type="title"/>
+          </p:nvPr>
+        </p:nvSpPr>
+        <p:spPr/>
+        <p:txBody>
+          <a:bodyPr/>
+          <a:lstStyle/>
+          <a:p>
+            <a:r>
+              <a:rPr lang="ko-KR" altLang="en-US" dirty="0" smtClean="0"/>
+              <a:t>문자열</a:t>
+            </a:r>
+            <a:r>
+              <a:rPr lang="ko-KR" altLang="en-US" dirty="0" smtClean="0"/>
+              <a:t> 함수</a:t>
+            </a:r>
+            <a:endParaRPr lang="ko-KR" altLang="en-US" dirty="0"/>
+          </a:p>
+        </p:txBody>
+      </p:sp>
+      <p:pic>
+        <p:nvPicPr>
+          <p:cNvPr id="4" name="그림 3"/>
+          <p:cNvPicPr>
+            <a:picLocks noChangeAspect="1"/>
+          </p:cNvPicPr>
+          <p:nvPr/>
+        </p:nvPicPr>
+        <p:blipFill>
+          <a:blip r:embed="rId2"/>
+          <a:stretch>
+            <a:fillRect/>
+          </a:stretch>
+        </p:blipFill>
+        <p:spPr>
+          <a:xfrm>
+            <a:off x="838200" y="1690688"/>
+            <a:ext cx="6944694" cy="3258005"/>
+          </a:xfrm>
+          <a:prstGeom prst="rect">
+            <a:avLst/>
+          </a:prstGeom>
+        </p:spPr>
+      </p:pic>
+      <p:sp>
+        <p:nvSpPr>
+          <p:cNvPr id="6" name="TextBox 5"/>
+          <p:cNvSpPr txBox="1"/>
+          <p:nvPr/>
+        </p:nvSpPr>
+        <p:spPr>
+          <a:xfrm>
+            <a:off x="7750156" y="3961885"/>
+            <a:ext cx="3654398" cy="646331"/>
+          </a:xfrm>
+          <a:prstGeom prst="rect">
+            <a:avLst/>
+          </a:prstGeom>
+          <a:noFill/>
+        </p:spPr>
+        <p:txBody>
+          <a:bodyPr wrap="none" rtlCol="0">
+            <a:spAutoFit/>
+          </a:bodyPr>
+          <a:lstStyle/>
+          <a:p>
+            <a:r>
+              <a:rPr lang="en-US" altLang="ko-KR" dirty="0" smtClean="0"/>
+              <a:t>-&gt; </a:t>
+            </a:r>
+            <a:r>
+              <a:rPr lang="en-US" altLang="ko-KR" dirty="0" err="1" smtClean="0"/>
+              <a:t>ltrim</a:t>
+            </a:r>
+            <a:r>
+              <a:rPr lang="en-US" altLang="ko-KR" dirty="0" smtClean="0"/>
+              <a:t>, </a:t>
+            </a:r>
+            <a:r>
+              <a:rPr lang="en-US" altLang="ko-KR" dirty="0" err="1" smtClean="0"/>
+              <a:t>rtrim</a:t>
+            </a:r>
+            <a:r>
+              <a:rPr lang="ko-KR" altLang="en-US" dirty="0" smtClean="0"/>
+              <a:t> 반복되는 문자열을</a:t>
+            </a:r>
+            <a:endParaRPr lang="en-US" altLang="ko-KR" dirty="0" smtClean="0"/>
+          </a:p>
+          <a:p>
+            <a:r>
+              <a:rPr lang="ko-KR" altLang="en-US" dirty="0" smtClean="0"/>
+              <a:t>제거하기 때문에 조심</a:t>
+            </a:r>
+            <a:endParaRPr lang="ko-KR" altLang="en-US" dirty="0"/>
+          </a:p>
+        </p:txBody>
+      </p:sp>
+    </p:spTree>
+    <p:extLst>
+      <p:ext uri="{BB962C8B-B14F-4D97-AF65-F5344CB8AC3E}">
+        <p14:creationId xmlns:p14="http://schemas.microsoft.com/office/powerpoint/2010/main" val="1479548438"/>
+      </p:ext>
+    </p:extLst>
+  </p:cSld>
+  <p:clrMapOvr>
+    <a:masterClrMapping/>
+  </p:clrMapOvr>
+</p:sld>
+</file>
+
+<file path=ppt/slides/slide14.xml><?xml version="1.0" encoding="utf-8"?>
+<p:sld xmlns:a="http://schemas.openxmlformats.org/drawingml/2006/main" xmlns:r="http://schemas.openxmlformats.org/officeDocument/2006/relationships" xmlns:p="http://schemas.openxmlformats.org/presentationml/2006/main">
+  <p:cSld>
+    <p:spTree>
+      <p:nvGrpSpPr>
+        <p:cNvPr id="1" name=""/>
+        <p:cNvGrpSpPr/>
+        <p:nvPr/>
+      </p:nvGrpSpPr>
+      <p:grpSpPr>
+        <a:xfrm>
+          <a:off x="0" y="0"/>
+          <a:ext cx="0" cy="0"/>
+          <a:chOff x="0" y="0"/>
+          <a:chExt cx="0" cy="0"/>
+        </a:xfrm>
+      </p:grpSpPr>
+      <p:sp>
+        <p:nvSpPr>
+          <p:cNvPr id="2" name="제목 1"/>
+          <p:cNvSpPr>
+            <a:spLocks noGrp="1"/>
+          </p:cNvSpPr>
+          <p:nvPr>
+            <p:ph type="title"/>
+          </p:nvPr>
+        </p:nvSpPr>
+        <p:spPr/>
+        <p:txBody>
+          <a:bodyPr/>
+          <a:lstStyle/>
+          <a:p>
+            <a:r>
+              <a:rPr lang="ko-KR" altLang="en-US" dirty="0" smtClean="0"/>
+              <a:t>문자열</a:t>
+            </a:r>
+            <a:r>
+              <a:rPr lang="ko-KR" altLang="en-US" dirty="0" smtClean="0"/>
+              <a:t> 함수</a:t>
+            </a:r>
+            <a:endParaRPr lang="ko-KR" altLang="en-US" dirty="0"/>
+          </a:p>
+        </p:txBody>
+      </p:sp>
+      <p:pic>
+        <p:nvPicPr>
+          <p:cNvPr id="3" name="그림 2"/>
+          <p:cNvPicPr>
+            <a:picLocks noChangeAspect="1"/>
+          </p:cNvPicPr>
+          <p:nvPr/>
+        </p:nvPicPr>
+        <p:blipFill>
+          <a:blip r:embed="rId2"/>
+          <a:stretch>
+            <a:fillRect/>
+          </a:stretch>
+        </p:blipFill>
+        <p:spPr>
+          <a:xfrm>
+            <a:off x="838200" y="1690688"/>
+            <a:ext cx="6944694" cy="3258005"/>
+          </a:xfrm>
+          <a:prstGeom prst="rect">
+            <a:avLst/>
+          </a:prstGeom>
+        </p:spPr>
+      </p:pic>
+      <p:sp>
+        <p:nvSpPr>
+          <p:cNvPr id="7" name="TextBox 6"/>
+          <p:cNvSpPr txBox="1"/>
+          <p:nvPr/>
+        </p:nvSpPr>
+        <p:spPr>
+          <a:xfrm>
+            <a:off x="7699402" y="4457185"/>
+            <a:ext cx="3903633" cy="2031325"/>
+          </a:xfrm>
+          <a:prstGeom prst="rect">
+            <a:avLst/>
+          </a:prstGeom>
+          <a:noFill/>
+        </p:spPr>
+        <p:txBody>
+          <a:bodyPr wrap="none" rtlCol="0">
+            <a:spAutoFit/>
+          </a:bodyPr>
+          <a:lstStyle/>
+          <a:p>
+            <a:r>
+              <a:rPr lang="en-US" altLang="ko-KR" dirty="0" smtClean="0"/>
+              <a:t>-&gt;</a:t>
+            </a:r>
+          </a:p>
+          <a:p>
+            <a:r>
+              <a:rPr lang="en-US" altLang="ko-KR" dirty="0" err="1" smtClean="0"/>
+              <a:t>concat</a:t>
+            </a:r>
+            <a:r>
+              <a:rPr lang="en-US" altLang="ko-KR" dirty="0" smtClean="0"/>
+              <a:t> </a:t>
+            </a:r>
+            <a:r>
+              <a:rPr lang="ko-KR" altLang="en-US" dirty="0" smtClean="0"/>
+              <a:t>을 사용할 땐 </a:t>
+            </a:r>
+            <a:r>
+              <a:rPr lang="ko-KR" altLang="en-US" dirty="0" err="1" smtClean="0"/>
+              <a:t>두개씩만</a:t>
+            </a:r>
+            <a:r>
+              <a:rPr lang="ko-KR" altLang="en-US" dirty="0" smtClean="0"/>
+              <a:t> 가능 </a:t>
+            </a:r>
+            <a:endParaRPr lang="en-US" altLang="ko-KR" dirty="0" smtClean="0"/>
+          </a:p>
+          <a:p>
+            <a:r>
+              <a:rPr lang="en-US" altLang="ko-KR" dirty="0" err="1" smtClean="0"/>
+              <a:t>Concat</a:t>
+            </a:r>
+            <a:r>
+              <a:rPr lang="en-US" altLang="ko-KR" dirty="0" smtClean="0"/>
+              <a:t> (‘</a:t>
+            </a:r>
+            <a:r>
+              <a:rPr lang="en-US" altLang="ko-KR" dirty="0" err="1" smtClean="0"/>
+              <a:t>a’,’b</a:t>
+            </a:r>
+            <a:r>
+              <a:rPr lang="en-US" altLang="ko-KR" dirty="0" smtClean="0"/>
+              <a:t>’) =&gt; ab</a:t>
+            </a:r>
+          </a:p>
+          <a:p>
+            <a:r>
+              <a:rPr lang="en-US" altLang="ko-KR" dirty="0" err="1" smtClean="0"/>
+              <a:t>Concat</a:t>
+            </a:r>
+            <a:r>
+              <a:rPr lang="en-US" altLang="ko-KR" dirty="0" smtClean="0"/>
+              <a:t>(</a:t>
+            </a:r>
+            <a:r>
+              <a:rPr lang="en-US" altLang="ko-KR" dirty="0" err="1" smtClean="0"/>
+              <a:t>concat</a:t>
+            </a:r>
+            <a:r>
+              <a:rPr lang="en-US" altLang="ko-KR" dirty="0" smtClean="0"/>
+              <a:t>(‘</a:t>
+            </a:r>
+            <a:r>
+              <a:rPr lang="en-US" altLang="ko-KR" dirty="0" err="1" smtClean="0"/>
+              <a:t>a’,’b</a:t>
+            </a:r>
+            <a:r>
+              <a:rPr lang="en-US" altLang="ko-KR" dirty="0" smtClean="0"/>
+              <a:t>’),’c’) =&gt; </a:t>
+            </a:r>
+            <a:r>
+              <a:rPr lang="en-US" altLang="ko-KR" dirty="0" err="1" smtClean="0"/>
+              <a:t>abc</a:t>
+            </a:r>
+            <a:endParaRPr lang="en-US" altLang="ko-KR" dirty="0" smtClean="0"/>
+          </a:p>
+          <a:p>
+            <a:endParaRPr lang="en-US" altLang="ko-KR" dirty="0" smtClean="0"/>
+          </a:p>
+          <a:p>
+            <a:r>
+              <a:rPr lang="en-US" altLang="ko-KR" dirty="0" smtClean="0"/>
+              <a:t>-&gt;</a:t>
+            </a:r>
+          </a:p>
+          <a:p>
+            <a:r>
+              <a:rPr lang="en-US" altLang="ko-KR" dirty="0" smtClean="0"/>
+              <a:t>|| </a:t>
+            </a:r>
+            <a:r>
+              <a:rPr lang="ko-KR" altLang="en-US" dirty="0" smtClean="0"/>
+              <a:t>는</a:t>
+            </a:r>
+            <a:r>
+              <a:rPr lang="en-US" altLang="ko-KR" dirty="0"/>
+              <a:t> </a:t>
+            </a:r>
+            <a:r>
+              <a:rPr lang="ko-KR" altLang="en-US" dirty="0" smtClean="0"/>
+              <a:t>여러 개 붙여서 사용 가능</a:t>
+            </a:r>
+            <a:endParaRPr lang="ko-KR" altLang="en-US" dirty="0"/>
+          </a:p>
+        </p:txBody>
+      </p:sp>
+    </p:spTree>
+    <p:extLst>
+      <p:ext uri="{BB962C8B-B14F-4D97-AF65-F5344CB8AC3E}">
+        <p14:creationId xmlns:p14="http://schemas.microsoft.com/office/powerpoint/2010/main" val="2110450523"/>
+      </p:ext>
+    </p:extLst>
+  </p:cSld>
+  <p:clrMapOvr>
+    <a:masterClrMapping/>
+  </p:clrMapOvr>
+</p:sld>
+</file>
+
+<file path=ppt/slides/slide15.xml><?xml version="1.0" encoding="utf-8"?>
+<p:sld xmlns:a="http://schemas.openxmlformats.org/drawingml/2006/main" xmlns:r="http://schemas.openxmlformats.org/officeDocument/2006/relationships" xmlns:p="http://schemas.openxmlformats.org/presentationml/2006/main">
+  <p:cSld>
+    <p:spTree>
+      <p:nvGrpSpPr>
+        <p:cNvPr id="1" name=""/>
+        <p:cNvGrpSpPr/>
+        <p:nvPr/>
+      </p:nvGrpSpPr>
+      <p:grpSpPr>
+        <a:xfrm>
+          <a:off x="0" y="0"/>
+          <a:ext cx="0" cy="0"/>
+          <a:chOff x="0" y="0"/>
+          <a:chExt cx="0" cy="0"/>
+        </a:xfrm>
+      </p:grpSpPr>
+      <p:sp>
+        <p:nvSpPr>
+          <p:cNvPr id="2" name="제목 1"/>
+          <p:cNvSpPr>
+            <a:spLocks noGrp="1"/>
+          </p:cNvSpPr>
+          <p:nvPr>
+            <p:ph type="title"/>
+          </p:nvPr>
+        </p:nvSpPr>
+        <p:spPr/>
+        <p:txBody>
+          <a:bodyPr/>
+          <a:lstStyle/>
+          <a:p>
+            <a:r>
+              <a:rPr lang="ko-KR" altLang="en-US" dirty="0" smtClean="0"/>
+              <a:t>문자열</a:t>
+            </a:r>
+            <a:r>
+              <a:rPr lang="ko-KR" altLang="en-US" dirty="0" smtClean="0"/>
+              <a:t> 함수</a:t>
+            </a:r>
+            <a:endParaRPr lang="ko-KR" altLang="en-US" dirty="0"/>
+          </a:p>
+        </p:txBody>
+      </p:sp>
+      <p:sp>
+        <p:nvSpPr>
+          <p:cNvPr id="7" name="TextBox 6"/>
+          <p:cNvSpPr txBox="1"/>
+          <p:nvPr/>
+        </p:nvSpPr>
+        <p:spPr>
+          <a:xfrm>
+            <a:off x="838200" y="1690688"/>
+            <a:ext cx="8994514" cy="4616648"/>
+          </a:xfrm>
+          <a:prstGeom prst="rect">
+            <a:avLst/>
+          </a:prstGeom>
+          <a:noFill/>
+        </p:spPr>
+        <p:txBody>
+          <a:bodyPr wrap="none" rtlCol="0">
+            <a:spAutoFit/>
+          </a:bodyPr>
+          <a:lstStyle/>
+          <a:p>
+            <a:r>
+              <a:rPr lang="en-US" altLang="ko-KR" sz="2000" b="1" dirty="0" smtClean="0"/>
+              <a:t>REPLACE(char1, char2, char3)</a:t>
+            </a:r>
+          </a:p>
+          <a:p>
+            <a:pPr marL="285750" indent="-285750">
+              <a:buFontTx/>
+              <a:buChar char="-"/>
+            </a:pPr>
+            <a:r>
+              <a:rPr lang="en-US" altLang="ko-KR" dirty="0" smtClean="0"/>
+              <a:t>char1 </a:t>
+            </a:r>
+            <a:r>
+              <a:rPr lang="ko-KR" altLang="en-US" dirty="0" smtClean="0"/>
+              <a:t>문자열 중 </a:t>
+            </a:r>
+            <a:r>
+              <a:rPr lang="en-US" altLang="ko-KR" dirty="0" smtClean="0"/>
+              <a:t>char2</a:t>
+            </a:r>
+            <a:r>
+              <a:rPr lang="ko-KR" altLang="en-US" dirty="0" smtClean="0"/>
+              <a:t>를 </a:t>
+            </a:r>
+            <a:r>
+              <a:rPr lang="en-US" altLang="ko-KR" dirty="0" smtClean="0"/>
+              <a:t>char3</a:t>
+            </a:r>
+            <a:r>
+              <a:rPr lang="ko-KR" altLang="en-US" dirty="0" smtClean="0"/>
+              <a:t>로 대체하여 문자열로 변환</a:t>
+            </a:r>
+            <a:endParaRPr lang="en-US" altLang="ko-KR" dirty="0" smtClean="0"/>
+          </a:p>
+          <a:p>
+            <a:pPr marL="285750" indent="-285750">
+              <a:buFontTx/>
+              <a:buChar char="-"/>
+            </a:pPr>
+            <a:endParaRPr lang="en-US" altLang="ko-KR" dirty="0" smtClean="0"/>
+          </a:p>
+          <a:p>
+            <a:r>
+              <a:rPr lang="en-US" altLang="ko-KR" sz="2000" b="1" dirty="0"/>
+              <a:t>DECODE(expr, search1, result1 [, search2, result2,...][, default]);</a:t>
+            </a:r>
+          </a:p>
+          <a:p>
+            <a:pPr marL="285750" indent="-285750">
+              <a:buFontTx/>
+              <a:buChar char="-"/>
+            </a:pPr>
+            <a:r>
+              <a:rPr lang="en-US" altLang="ko-KR" dirty="0" smtClean="0"/>
+              <a:t>expr </a:t>
+            </a:r>
+            <a:r>
+              <a:rPr lang="ko-KR" altLang="en-US" dirty="0" smtClean="0"/>
+              <a:t>컬럼에서 </a:t>
+            </a:r>
+            <a:r>
+              <a:rPr lang="en-US" altLang="ko-KR" dirty="0" smtClean="0"/>
+              <a:t>search1</a:t>
+            </a:r>
+            <a:r>
+              <a:rPr lang="ko-KR" altLang="en-US" dirty="0" smtClean="0"/>
+              <a:t>이면 </a:t>
+            </a:r>
+            <a:r>
+              <a:rPr lang="en-US" altLang="ko-KR" dirty="0" smtClean="0"/>
+              <a:t>result1 search2</a:t>
+            </a:r>
+            <a:r>
+              <a:rPr lang="ko-KR" altLang="en-US" dirty="0" smtClean="0"/>
+              <a:t>이면 </a:t>
+            </a:r>
+            <a:r>
+              <a:rPr lang="en-US" altLang="ko-KR" dirty="0" smtClean="0"/>
+              <a:t>result2 … </a:t>
+            </a:r>
+            <a:r>
+              <a:rPr lang="ko-KR" altLang="en-US" dirty="0" smtClean="0"/>
+              <a:t>아무것도 아니면 </a:t>
+            </a:r>
+            <a:r>
+              <a:rPr lang="en-US" altLang="ko-KR" dirty="0" smtClean="0"/>
+              <a:t>default</a:t>
+            </a:r>
+          </a:p>
+          <a:p>
+            <a:pPr marL="285750" indent="-285750">
+              <a:buFontTx/>
+              <a:buChar char="-"/>
+            </a:pPr>
+            <a:endParaRPr lang="en-US" altLang="ko-KR" dirty="0"/>
+          </a:p>
+          <a:p>
+            <a:r>
+              <a:rPr lang="en-US" altLang="ko-KR" sz="2000" b="1" dirty="0"/>
+              <a:t>CASE</a:t>
+            </a:r>
+          </a:p>
+          <a:p>
+            <a:pPr marL="285750" indent="-285750">
+              <a:buFontTx/>
+              <a:buChar char="-"/>
+            </a:pPr>
+            <a:r>
+              <a:rPr lang="en-US" altLang="ko-KR" dirty="0" smtClean="0"/>
+              <a:t>DECODE </a:t>
+            </a:r>
+            <a:r>
+              <a:rPr lang="ko-KR" altLang="en-US" dirty="0" smtClean="0"/>
+              <a:t>보다 개선된 함수</a:t>
+            </a:r>
+            <a:endParaRPr lang="en-US" altLang="ko-KR" dirty="0" smtClean="0"/>
+          </a:p>
+          <a:p>
+            <a:pPr marL="285750" indent="-285750">
+              <a:buFontTx/>
+              <a:buChar char="-"/>
+            </a:pPr>
+            <a:r>
+              <a:rPr lang="en-US" altLang="ko-KR" dirty="0" smtClean="0"/>
+              <a:t>SELECT CASE (</a:t>
+            </a:r>
+            <a:r>
+              <a:rPr lang="ko-KR" altLang="en-US" dirty="0" smtClean="0"/>
+              <a:t>바꿀 값을 </a:t>
+            </a:r>
+            <a:r>
+              <a:rPr lang="en-US" altLang="ko-KR" dirty="0" smtClean="0"/>
+              <a:t>when </a:t>
+            </a:r>
+            <a:r>
+              <a:rPr lang="ko-KR" altLang="en-US" dirty="0" smtClean="0"/>
+              <a:t>안에 넣어서 사용해도 됨</a:t>
+            </a:r>
+            <a:r>
+              <a:rPr lang="en-US" altLang="ko-KR" dirty="0" smtClean="0"/>
+              <a:t>)</a:t>
+            </a:r>
+          </a:p>
+          <a:p>
+            <a:pPr marL="742950" lvl="1" indent="-285750">
+              <a:buFontTx/>
+              <a:buChar char="-"/>
+            </a:pPr>
+            <a:r>
+              <a:rPr lang="en-US" altLang="ko-KR" dirty="0" smtClean="0"/>
+              <a:t>WHEN [</a:t>
+            </a:r>
+            <a:r>
+              <a:rPr lang="ko-KR" altLang="en-US" dirty="0" smtClean="0"/>
+              <a:t>조건</a:t>
+            </a:r>
+            <a:r>
+              <a:rPr lang="en-US" altLang="ko-KR" dirty="0" smtClean="0"/>
+              <a:t>] THEN [</a:t>
+            </a:r>
+            <a:r>
+              <a:rPr lang="ko-KR" altLang="en-US" dirty="0" smtClean="0"/>
+              <a:t>결과</a:t>
+            </a:r>
+            <a:r>
+              <a:rPr lang="en-US" altLang="ko-KR" dirty="0" smtClean="0"/>
+              <a:t>]</a:t>
+            </a:r>
+          </a:p>
+          <a:p>
+            <a:pPr marL="742950" lvl="1" indent="-285750">
+              <a:buFontTx/>
+              <a:buChar char="-"/>
+            </a:pPr>
+            <a:r>
+              <a:rPr lang="en-US" altLang="ko-KR" dirty="0"/>
+              <a:t>WHEN [</a:t>
+            </a:r>
+            <a:r>
+              <a:rPr lang="ko-KR" altLang="en-US" dirty="0"/>
+              <a:t>조건</a:t>
+            </a:r>
+            <a:r>
+              <a:rPr lang="en-US" altLang="ko-KR" dirty="0"/>
+              <a:t>] THEN [</a:t>
+            </a:r>
+            <a:r>
+              <a:rPr lang="ko-KR" altLang="en-US" dirty="0"/>
+              <a:t>결과</a:t>
+            </a:r>
+            <a:r>
+              <a:rPr lang="en-US" altLang="ko-KR" dirty="0" smtClean="0"/>
+              <a:t>]</a:t>
+            </a:r>
+          </a:p>
+          <a:p>
+            <a:pPr marL="742950" lvl="1" indent="-285750">
+              <a:buFontTx/>
+              <a:buChar char="-"/>
+            </a:pPr>
+            <a:r>
+              <a:rPr lang="en-US" altLang="ko-KR" dirty="0" smtClean="0"/>
+              <a:t>…</a:t>
+            </a:r>
+          </a:p>
+          <a:p>
+            <a:pPr marL="742950" lvl="1" indent="-285750">
+              <a:buFontTx/>
+              <a:buChar char="-"/>
+            </a:pPr>
+            <a:r>
+              <a:rPr lang="en-US" altLang="ko-KR" dirty="0" smtClean="0"/>
+              <a:t>ELSE [</a:t>
+            </a:r>
+            <a:r>
+              <a:rPr lang="ko-KR" altLang="en-US" dirty="0" smtClean="0"/>
+              <a:t>결과</a:t>
+            </a:r>
+            <a:r>
+              <a:rPr lang="en-US" altLang="ko-KR" dirty="0" smtClean="0"/>
+              <a:t>]</a:t>
+            </a:r>
+          </a:p>
+          <a:p>
+            <a:pPr lvl="1"/>
+            <a:r>
+              <a:rPr lang="en-US" altLang="ko-KR" dirty="0" smtClean="0"/>
+              <a:t>END</a:t>
+            </a:r>
+          </a:p>
+          <a:p>
+            <a:pPr lvl="1"/>
+            <a:r>
+              <a:rPr lang="en-US" altLang="ko-KR" dirty="0" smtClean="0"/>
+              <a:t>FROM dual;</a:t>
+            </a:r>
+            <a:endParaRPr lang="ko-KR" altLang="en-US" dirty="0"/>
+          </a:p>
+          <a:p>
+            <a:pPr marL="742950" lvl="1" indent="-285750">
+              <a:buFontTx/>
+              <a:buChar char="-"/>
+            </a:pPr>
+            <a:endParaRPr lang="ko-KR" altLang="en-US" dirty="0"/>
+          </a:p>
+        </p:txBody>
+      </p:sp>
+      <p:pic>
+        <p:nvPicPr>
+          <p:cNvPr id="4" name="그림 3"/>
+          <p:cNvPicPr>
+            <a:picLocks noChangeAspect="1"/>
+          </p:cNvPicPr>
+          <p:nvPr/>
+        </p:nvPicPr>
+        <p:blipFill>
+          <a:blip r:embed="rId2"/>
+          <a:stretch>
+            <a:fillRect/>
+          </a:stretch>
+        </p:blipFill>
+        <p:spPr>
+          <a:xfrm>
+            <a:off x="4145150" y="4978400"/>
+            <a:ext cx="7907150" cy="1771035"/>
+          </a:xfrm>
+          <a:prstGeom prst="rect">
+            <a:avLst/>
+          </a:prstGeom>
+        </p:spPr>
+      </p:pic>
+    </p:spTree>
+    <p:extLst>
+      <p:ext uri="{BB962C8B-B14F-4D97-AF65-F5344CB8AC3E}">
+        <p14:creationId xmlns:p14="http://schemas.microsoft.com/office/powerpoint/2010/main" val="657916243"/>
+      </p:ext>
+    </p:extLst>
+  </p:cSld>
+  <p:clrMapOvr>
+    <a:masterClrMapping/>
+  </p:clrMapOvr>
+</p:sld>
+</file>
+
+<file path=ppt/slides/slide16.xml><?xml version="1.0" encoding="utf-8"?>
+<p:sld xmlns:a="http://schemas.openxmlformats.org/drawingml/2006/main" xmlns:r="http://schemas.openxmlformats.org/officeDocument/2006/relationships" xmlns:p="http://schemas.openxmlformats.org/presentationml/2006/main">
+  <p:cSld>
+    <p:spTree>
+      <p:nvGrpSpPr>
+        <p:cNvPr id="1" name=""/>
+        <p:cNvGrpSpPr/>
+        <p:nvPr/>
+      </p:nvGrpSpPr>
+      <p:grpSpPr>
+        <a:xfrm>
+          <a:off x="0" y="0"/>
+          <a:ext cx="0" cy="0"/>
+          <a:chOff x="0" y="0"/>
+          <a:chExt cx="0" cy="0"/>
+        </a:xfrm>
+      </p:grpSpPr>
+      <p:sp>
+        <p:nvSpPr>
+          <p:cNvPr id="2" name="제목 1"/>
+          <p:cNvSpPr>
+            <a:spLocks noGrp="1"/>
+          </p:cNvSpPr>
+          <p:nvPr>
+            <p:ph type="title"/>
+          </p:nvPr>
+        </p:nvSpPr>
+        <p:spPr/>
+        <p:txBody>
+          <a:bodyPr/>
+          <a:lstStyle/>
+          <a:p>
+            <a:r>
+              <a:rPr lang="ko-KR" altLang="en-US" dirty="0" smtClean="0"/>
+              <a:t>숫자 함수</a:t>
+            </a:r>
+            <a:endParaRPr lang="ko-KR" altLang="en-US" dirty="0"/>
+          </a:p>
+        </p:txBody>
+      </p:sp>
+      <p:pic>
+        <p:nvPicPr>
+          <p:cNvPr id="4" name="그림 3"/>
+          <p:cNvPicPr>
+            <a:picLocks noChangeAspect="1"/>
+          </p:cNvPicPr>
+          <p:nvPr/>
+        </p:nvPicPr>
+        <p:blipFill>
+          <a:blip r:embed="rId2"/>
+          <a:stretch>
+            <a:fillRect/>
+          </a:stretch>
+        </p:blipFill>
+        <p:spPr>
+          <a:xfrm>
+            <a:off x="838200" y="1690688"/>
+            <a:ext cx="7135221" cy="4906060"/>
+          </a:xfrm>
+          <a:prstGeom prst="rect">
+            <a:avLst/>
+          </a:prstGeom>
+        </p:spPr>
+      </p:pic>
+    </p:spTree>
+    <p:extLst>
+      <p:ext uri="{BB962C8B-B14F-4D97-AF65-F5344CB8AC3E}">
+        <p14:creationId xmlns:p14="http://schemas.microsoft.com/office/powerpoint/2010/main" val="582072873"/>
+      </p:ext>
+    </p:extLst>
+  </p:cSld>
+  <p:clrMapOvr>
+    <a:masterClrMapping/>
+  </p:clrMapOvr>
+</p:sld>
+</file>
+
+<file path=ppt/slides/slide17.xml><?xml version="1.0" encoding="utf-8"?>
+<p:sld xmlns:a="http://schemas.openxmlformats.org/drawingml/2006/main" xmlns:r="http://schemas.openxmlformats.org/officeDocument/2006/relationships" xmlns:p="http://schemas.openxmlformats.org/presentationml/2006/main">
+  <p:cSld>
+    <p:spTree>
+      <p:nvGrpSpPr>
+        <p:cNvPr id="1" name=""/>
+        <p:cNvGrpSpPr/>
+        <p:nvPr/>
+      </p:nvGrpSpPr>
+      <p:grpSpPr>
+        <a:xfrm>
+          <a:off x="0" y="0"/>
+          <a:ext cx="0" cy="0"/>
+          <a:chOff x="0" y="0"/>
+          <a:chExt cx="0" cy="0"/>
+        </a:xfrm>
+      </p:grpSpPr>
+      <p:sp>
+        <p:nvSpPr>
+          <p:cNvPr id="2" name="제목 1"/>
+          <p:cNvSpPr>
+            <a:spLocks noGrp="1"/>
+          </p:cNvSpPr>
+          <p:nvPr>
+            <p:ph type="title"/>
+          </p:nvPr>
+        </p:nvSpPr>
+        <p:spPr/>
+        <p:txBody>
+          <a:bodyPr/>
+          <a:lstStyle/>
+          <a:p>
+            <a:r>
               <a:rPr lang="en-US" altLang="ko-KR" dirty="0" smtClean="0"/>
               <a:t>ERD(Entity Relationship Diagram)</a:t>
             </a:r>
@@ -3378,10 +4354,17 @@
   <p:clrMapOvr>
     <a:masterClrMapping/>
   </p:clrMapOvr>
+  <p:timing>
+    <p:tnLst>
+      <p:par>
+        <p:cTn id="1" dur="indefinite" restart="never" nodeType="tmRoot"/>
+      </p:par>
+    </p:tnLst>
+  </p:timing>
 </p:sld>
 </file>
 
-<file path=ppt/slides/slide12.xml><?xml version="1.0" encoding="utf-8"?>
+<file path=ppt/slides/slide18.xml><?xml version="1.0" encoding="utf-8"?>
 <p:sld xmlns:a="http://schemas.openxmlformats.org/drawingml/2006/main" xmlns:r="http://schemas.openxmlformats.org/officeDocument/2006/relationships" xmlns:p="http://schemas.openxmlformats.org/presentationml/2006/main">
   <p:cSld>
     <p:spTree>
@@ -4023,7 +5006,7 @@
 </p:sld>
 </file>
 
-<file path=ppt/slides/slide13.xml><?xml version="1.0" encoding="utf-8"?>
+<file path=ppt/slides/slide19.xml><?xml version="1.0" encoding="utf-8"?>
 <p:sld xmlns:a="http://schemas.openxmlformats.org/drawingml/2006/main" xmlns:r="http://schemas.openxmlformats.org/officeDocument/2006/relationships" xmlns:p="http://schemas.openxmlformats.org/presentationml/2006/main">
   <p:cSld>
     <p:spTree>
@@ -4691,7 +5674,439 @@
 </p:sld>
 </file>
 
-<file path=ppt/slides/slide14.xml><?xml version="1.0" encoding="utf-8"?>
+<file path=ppt/slides/slide2.xml><?xml version="1.0" encoding="utf-8"?>
+<p:sld xmlns:a="http://schemas.openxmlformats.org/drawingml/2006/main" xmlns:r="http://schemas.openxmlformats.org/officeDocument/2006/relationships" xmlns:p="http://schemas.openxmlformats.org/presentationml/2006/main">
+  <p:cSld>
+    <p:spTree>
+      <p:nvGrpSpPr>
+        <p:cNvPr id="1" name=""/>
+        <p:cNvGrpSpPr/>
+        <p:nvPr/>
+      </p:nvGrpSpPr>
+      <p:grpSpPr>
+        <a:xfrm>
+          <a:off x="0" y="0"/>
+          <a:ext cx="0" cy="0"/>
+          <a:chOff x="0" y="0"/>
+          <a:chExt cx="0" cy="0"/>
+        </a:xfrm>
+      </p:grpSpPr>
+      <p:sp>
+        <p:nvSpPr>
+          <p:cNvPr id="2" name="제목 1"/>
+          <p:cNvSpPr>
+            <a:spLocks noGrp="1"/>
+          </p:cNvSpPr>
+          <p:nvPr>
+            <p:ph type="title"/>
+          </p:nvPr>
+        </p:nvSpPr>
+        <p:spPr/>
+        <p:txBody>
+          <a:bodyPr/>
+          <a:lstStyle/>
+          <a:p>
+            <a:r>
+              <a:rPr lang="ko-KR" altLang="en-US" dirty="0" smtClean="0"/>
+              <a:t>용어 설명</a:t>
+            </a:r>
+            <a:endParaRPr lang="ko-KR" altLang="en-US" dirty="0"/>
+          </a:p>
+        </p:txBody>
+      </p:sp>
+      <p:sp>
+        <p:nvSpPr>
+          <p:cNvPr id="4" name="TextBox 3"/>
+          <p:cNvSpPr txBox="1"/>
+          <p:nvPr/>
+        </p:nvSpPr>
+        <p:spPr>
+          <a:xfrm>
+            <a:off x="838200" y="1690688"/>
+            <a:ext cx="10515600" cy="5193729"/>
+          </a:xfrm>
+          <a:prstGeom prst="rect">
+            <a:avLst/>
+          </a:prstGeom>
+          <a:noFill/>
+        </p:spPr>
+        <p:txBody>
+          <a:bodyPr wrap="square" rtlCol="0">
+            <a:spAutoFit/>
+          </a:bodyPr>
+          <a:lstStyle/>
+          <a:p>
+            <a:pPr>
+              <a:lnSpc>
+                <a:spcPct val="150000"/>
+              </a:lnSpc>
+            </a:pPr>
+            <a:r>
+              <a:rPr lang="ko-KR" altLang="en-US" sz="2000" b="1" dirty="0" err="1" smtClean="0"/>
+              <a:t>릴레이션</a:t>
+            </a:r>
+            <a:endParaRPr lang="en-US" altLang="ko-KR" sz="2000" b="1" dirty="0" smtClean="0"/>
+          </a:p>
+          <a:p>
+            <a:pPr>
+              <a:lnSpc>
+                <a:spcPct val="150000"/>
+              </a:lnSpc>
+            </a:pPr>
+            <a:r>
+              <a:rPr lang="ko-KR" altLang="en-US" sz="1500" dirty="0" smtClean="0"/>
+              <a:t>관계 </a:t>
+            </a:r>
+            <a:r>
+              <a:rPr lang="ko-KR" altLang="en-US" sz="1500" dirty="0"/>
+              <a:t>데이터 모델</a:t>
+            </a:r>
+            <a:r>
+              <a:rPr lang="en-US" altLang="ko-KR" sz="1500" dirty="0"/>
+              <a:t>(</a:t>
+            </a:r>
+            <a:r>
+              <a:rPr lang="ko-KR" altLang="en-US" sz="1500" dirty="0"/>
+              <a:t>관계형 데이터베이스</a:t>
+            </a:r>
+            <a:r>
+              <a:rPr lang="en-US" altLang="ko-KR" sz="1500" dirty="0"/>
+              <a:t>)</a:t>
+            </a:r>
+            <a:r>
+              <a:rPr lang="ko-KR" altLang="en-US" sz="1500" dirty="0"/>
+              <a:t>의 테이블을 </a:t>
+            </a:r>
+            <a:r>
+              <a:rPr lang="ko-KR" altLang="en-US" sz="1500" dirty="0" err="1"/>
+              <a:t>릴레이션</a:t>
+            </a:r>
+            <a:r>
+              <a:rPr lang="en-US" altLang="ko-KR" sz="1500" dirty="0"/>
+              <a:t>(Relation)</a:t>
+            </a:r>
+            <a:r>
+              <a:rPr lang="ko-KR" altLang="en-US" sz="1500" dirty="0"/>
+              <a:t>이라고 부른다</a:t>
+            </a:r>
+            <a:r>
+              <a:rPr lang="en-US" altLang="ko-KR" sz="1500" dirty="0"/>
+              <a:t>. </a:t>
+            </a:r>
+            <a:endParaRPr lang="en-US" altLang="ko-KR" sz="1500" dirty="0" smtClean="0"/>
+          </a:p>
+          <a:p>
+            <a:pPr>
+              <a:lnSpc>
+                <a:spcPct val="150000"/>
+              </a:lnSpc>
+            </a:pPr>
+            <a:r>
+              <a:rPr lang="ko-KR" altLang="en-US" sz="1500" dirty="0" err="1" smtClean="0"/>
+              <a:t>튜플</a:t>
+            </a:r>
+            <a:r>
+              <a:rPr lang="en-US" altLang="ko-KR" sz="1500" dirty="0"/>
+              <a:t>(Tuple)</a:t>
+            </a:r>
+            <a:r>
+              <a:rPr lang="ko-KR" altLang="en-US" sz="1500" dirty="0"/>
+              <a:t>과 </a:t>
+            </a:r>
+            <a:r>
+              <a:rPr lang="ko-KR" altLang="en-US" sz="1500" dirty="0" err="1"/>
+              <a:t>어트리뷰트</a:t>
+            </a:r>
+            <a:r>
+              <a:rPr lang="en-US" altLang="ko-KR" sz="1500" dirty="0"/>
+              <a:t>(Attribute)</a:t>
+            </a:r>
+            <a:r>
+              <a:rPr lang="ko-KR" altLang="en-US" sz="1500" dirty="0"/>
+              <a:t>로 구성되어있다</a:t>
+            </a:r>
+            <a:r>
+              <a:rPr lang="en-US" altLang="ko-KR" sz="1500" dirty="0"/>
+              <a:t>. </a:t>
+            </a:r>
+            <a:endParaRPr lang="en-US" altLang="ko-KR" sz="1500" dirty="0" smtClean="0"/>
+          </a:p>
+          <a:p>
+            <a:pPr>
+              <a:lnSpc>
+                <a:spcPct val="150000"/>
+              </a:lnSpc>
+            </a:pPr>
+            <a:r>
+              <a:rPr lang="ko-KR" altLang="en-US" sz="2000" b="1" dirty="0" smtClean="0"/>
+              <a:t>테이블</a:t>
+            </a:r>
+            <a:endParaRPr lang="en-US" altLang="ko-KR" sz="2000" b="1" dirty="0" smtClean="0"/>
+          </a:p>
+          <a:p>
+            <a:pPr>
+              <a:lnSpc>
+                <a:spcPct val="150000"/>
+              </a:lnSpc>
+            </a:pPr>
+            <a:r>
+              <a:rPr lang="ko-KR" altLang="en-US" sz="1500" dirty="0"/>
+              <a:t>테이블은 행과 열로 구성된 데이터 </a:t>
+            </a:r>
+            <a:r>
+              <a:rPr lang="ko-KR" altLang="en-US" sz="1500" dirty="0" smtClean="0"/>
+              <a:t>집합</a:t>
+            </a:r>
+            <a:r>
+              <a:rPr lang="en-US" altLang="ko-KR" sz="1500" dirty="0" smtClean="0"/>
+              <a:t>. </a:t>
+            </a:r>
+            <a:r>
+              <a:rPr lang="en-US" altLang="ko-KR" sz="1500" b="1" dirty="0" smtClean="0"/>
+              <a:t>*</a:t>
+            </a:r>
+            <a:r>
+              <a:rPr lang="en-US" altLang="ko-KR" sz="1500" dirty="0" smtClean="0"/>
+              <a:t>(</a:t>
+            </a:r>
+            <a:r>
+              <a:rPr lang="ko-KR" altLang="en-US" sz="1500" dirty="0" smtClean="0"/>
+              <a:t>테이블 </a:t>
+            </a:r>
+            <a:r>
+              <a:rPr lang="en-US" altLang="ko-KR" sz="1500" dirty="0" smtClean="0"/>
+              <a:t>!=</a:t>
+            </a:r>
+            <a:r>
+              <a:rPr lang="ko-KR" altLang="en-US" sz="1500" dirty="0" smtClean="0"/>
+              <a:t> </a:t>
+            </a:r>
+            <a:r>
+              <a:rPr lang="ko-KR" altLang="en-US" sz="1500" dirty="0" err="1" smtClean="0"/>
+              <a:t>릴레이션</a:t>
+            </a:r>
+            <a:r>
+              <a:rPr lang="en-US" altLang="ko-KR" sz="1500" dirty="0" smtClean="0"/>
+              <a:t>)</a:t>
+            </a:r>
+          </a:p>
+          <a:p>
+            <a:pPr>
+              <a:lnSpc>
+                <a:spcPct val="150000"/>
+              </a:lnSpc>
+            </a:pPr>
+            <a:r>
+              <a:rPr lang="ko-KR" altLang="en-US" sz="2000" b="1" dirty="0" err="1" smtClean="0"/>
+              <a:t>튜플</a:t>
+            </a:r>
+            <a:r>
+              <a:rPr lang="ko-KR" altLang="en-US" sz="2000" b="1" dirty="0" smtClean="0"/>
+              <a:t> </a:t>
+            </a:r>
+            <a:r>
+              <a:rPr lang="en-US" altLang="ko-KR" sz="2000" b="1" dirty="0" smtClean="0"/>
+              <a:t>(== </a:t>
+            </a:r>
+            <a:r>
+              <a:rPr lang="ko-KR" altLang="en-US" sz="2000" b="1" dirty="0" smtClean="0"/>
+              <a:t>레코드</a:t>
+            </a:r>
+            <a:r>
+              <a:rPr lang="en-US" altLang="ko-KR" sz="2000" b="1" dirty="0" smtClean="0"/>
+              <a:t>)</a:t>
+            </a:r>
+          </a:p>
+          <a:p>
+            <a:pPr>
+              <a:lnSpc>
+                <a:spcPct val="150000"/>
+              </a:lnSpc>
+            </a:pPr>
+            <a:r>
+              <a:rPr lang="ko-KR" altLang="en-US" sz="1500" dirty="0" err="1" smtClean="0"/>
+              <a:t>릴레이션의</a:t>
+            </a:r>
+            <a:r>
+              <a:rPr lang="ko-KR" altLang="en-US" sz="1500" dirty="0" smtClean="0"/>
+              <a:t> 행을 말함</a:t>
+            </a:r>
+            <a:endParaRPr lang="en-US" altLang="ko-KR" sz="1500" dirty="0" smtClean="0"/>
+          </a:p>
+          <a:p>
+            <a:pPr>
+              <a:lnSpc>
+                <a:spcPct val="150000"/>
+              </a:lnSpc>
+            </a:pPr>
+            <a:r>
+              <a:rPr lang="ko-KR" altLang="en-US" sz="2000" b="1" dirty="0" err="1" smtClean="0"/>
+              <a:t>어트리뷰트</a:t>
+            </a:r>
+            <a:r>
+              <a:rPr lang="ko-KR" altLang="en-US" sz="2000" b="1" dirty="0" smtClean="0"/>
+              <a:t> </a:t>
+            </a:r>
+            <a:r>
+              <a:rPr lang="en-US" altLang="ko-KR" sz="2000" b="1" dirty="0" smtClean="0"/>
+              <a:t>(== </a:t>
+            </a:r>
+            <a:r>
+              <a:rPr lang="ko-KR" altLang="en-US" sz="2000" b="1" dirty="0" smtClean="0"/>
+              <a:t>필드</a:t>
+            </a:r>
+            <a:r>
+              <a:rPr lang="en-US" altLang="ko-KR" sz="2000" b="1" dirty="0" smtClean="0"/>
+              <a:t>)</a:t>
+            </a:r>
+          </a:p>
+          <a:p>
+            <a:pPr>
+              <a:lnSpc>
+                <a:spcPct val="150000"/>
+              </a:lnSpc>
+            </a:pPr>
+            <a:r>
+              <a:rPr lang="ko-KR" altLang="en-US" sz="1500" dirty="0" err="1" smtClean="0"/>
+              <a:t>릴레이션의</a:t>
+            </a:r>
+            <a:r>
+              <a:rPr lang="ko-KR" altLang="en-US" sz="1500" dirty="0" smtClean="0"/>
+              <a:t> 열을 말함 </a:t>
+            </a:r>
+            <a:r>
+              <a:rPr lang="en-US" altLang="ko-KR" sz="1500" dirty="0" smtClean="0"/>
+              <a:t>‘</a:t>
+            </a:r>
+            <a:r>
+              <a:rPr lang="ko-KR" altLang="en-US" sz="1500" dirty="0" smtClean="0"/>
+              <a:t>속성</a:t>
+            </a:r>
+            <a:r>
+              <a:rPr lang="en-US" altLang="ko-KR" sz="1500" dirty="0" smtClean="0"/>
+              <a:t>’ </a:t>
+            </a:r>
+            <a:r>
+              <a:rPr lang="ko-KR" altLang="en-US" sz="1500" dirty="0" smtClean="0"/>
+              <a:t>또는 </a:t>
+            </a:r>
+            <a:r>
+              <a:rPr lang="ko-KR" altLang="en-US" sz="1500" dirty="0" err="1" smtClean="0"/>
+              <a:t>어트리뷰트라고</a:t>
+            </a:r>
+            <a:r>
+              <a:rPr lang="ko-KR" altLang="en-US" sz="1500" dirty="0" smtClean="0"/>
+              <a:t> 함</a:t>
+            </a:r>
+            <a:endParaRPr lang="en-US" altLang="ko-KR" sz="1500" dirty="0" smtClean="0"/>
+          </a:p>
+          <a:p>
+            <a:pPr>
+              <a:lnSpc>
+                <a:spcPct val="150000"/>
+              </a:lnSpc>
+            </a:pPr>
+            <a:r>
+              <a:rPr lang="ko-KR" altLang="en-US" sz="2000" b="1" dirty="0" smtClean="0"/>
+              <a:t>키 </a:t>
+            </a:r>
+            <a:r>
+              <a:rPr lang="en-US" altLang="ko-KR" sz="2000" b="1" dirty="0" smtClean="0"/>
+              <a:t>(</a:t>
+            </a:r>
+            <a:r>
+              <a:rPr lang="ko-KR" altLang="en-US" sz="2000" b="1" dirty="0" smtClean="0"/>
+              <a:t>현재 배운 키 </a:t>
+            </a:r>
+            <a:r>
+              <a:rPr lang="en-US" altLang="ko-KR" sz="2000" b="1" dirty="0" smtClean="0"/>
+              <a:t>=&gt; </a:t>
+            </a:r>
+            <a:r>
+              <a:rPr lang="ko-KR" altLang="en-US" sz="2000" b="1" dirty="0" err="1" smtClean="0"/>
+              <a:t>기본키</a:t>
+            </a:r>
+            <a:r>
+              <a:rPr lang="en-US" altLang="ko-KR" sz="2000" b="1" dirty="0" smtClean="0"/>
+              <a:t>, </a:t>
+            </a:r>
+            <a:r>
+              <a:rPr lang="ko-KR" altLang="en-US" sz="2000" b="1" dirty="0" err="1" smtClean="0"/>
+              <a:t>외래키</a:t>
+            </a:r>
+            <a:r>
+              <a:rPr lang="en-US" altLang="ko-KR" sz="2000" b="1" dirty="0" smtClean="0"/>
+              <a:t>)</a:t>
+            </a:r>
+          </a:p>
+          <a:p>
+            <a:pPr>
+              <a:lnSpc>
+                <a:spcPct val="150000"/>
+              </a:lnSpc>
+            </a:pPr>
+            <a:r>
+              <a:rPr lang="ko-KR" altLang="en-US" sz="1500" dirty="0"/>
+              <a:t>키는 데이터베이스에서 조건에 만족하는 </a:t>
+            </a:r>
+            <a:r>
+              <a:rPr lang="ko-KR" altLang="en-US" sz="1500" dirty="0" err="1"/>
+              <a:t>튜플을</a:t>
+            </a:r>
+            <a:r>
+              <a:rPr lang="ko-KR" altLang="en-US" sz="1500" dirty="0"/>
+              <a:t> 찾거나 순서대로 정렬할 때 </a:t>
+            </a:r>
+            <a:endParaRPr lang="en-US" altLang="ko-KR" sz="1500" dirty="0" smtClean="0"/>
+          </a:p>
+          <a:p>
+            <a:pPr>
+              <a:lnSpc>
+                <a:spcPct val="150000"/>
+              </a:lnSpc>
+            </a:pPr>
+            <a:r>
+              <a:rPr lang="ko-KR" altLang="en-US" sz="1500" dirty="0" smtClean="0"/>
+              <a:t>다른 </a:t>
+            </a:r>
+            <a:r>
+              <a:rPr lang="ko-KR" altLang="en-US" sz="1500" dirty="0" err="1"/>
+              <a:t>튜플들과</a:t>
+            </a:r>
+            <a:r>
+              <a:rPr lang="ko-KR" altLang="en-US" sz="1500" dirty="0"/>
+              <a:t> 구별할 수 있는 유일한 기준이 되는 속성이다</a:t>
+            </a:r>
+            <a:r>
+              <a:rPr lang="en-US" altLang="ko-KR" sz="1500" dirty="0"/>
+              <a:t>.</a:t>
+            </a:r>
+            <a:endParaRPr lang="en-US" altLang="ko-KR" sz="1500" dirty="0" smtClean="0"/>
+          </a:p>
+          <a:p>
+            <a:pPr>
+              <a:lnSpc>
+                <a:spcPct val="150000"/>
+              </a:lnSpc>
+            </a:pPr>
+            <a:endParaRPr lang="ko-KR" altLang="en-US" sz="1500" dirty="0"/>
+          </a:p>
+        </p:txBody>
+      </p:sp>
+    </p:spTree>
+    <p:extLst>
+      <p:ext uri="{BB962C8B-B14F-4D97-AF65-F5344CB8AC3E}">
+        <p14:creationId xmlns:p14="http://schemas.microsoft.com/office/powerpoint/2010/main" val="2489147112"/>
+      </p:ext>
+    </p:extLst>
+  </p:cSld>
+  <p:clrMapOvr>
+    <a:masterClrMapping/>
+  </p:clrMapOvr>
+</p:sld>
+</file>
+
+<file path=ppt/slides/slide20.xml><?xml version="1.0" encoding="utf-8"?>
 <p:sld xmlns:a="http://schemas.openxmlformats.org/drawingml/2006/main" xmlns:r="http://schemas.openxmlformats.org/officeDocument/2006/relationships" xmlns:p="http://schemas.openxmlformats.org/presentationml/2006/main">
   <p:cSld>
     <p:spTree>
@@ -5363,7 +6778,7 @@
 </p:sld>
 </file>
 
-<file path=ppt/slides/slide15.xml><?xml version="1.0" encoding="utf-8"?>
+<file path=ppt/slides/slide21.xml><?xml version="1.0" encoding="utf-8"?>
 <p:sld xmlns:a="http://schemas.openxmlformats.org/drawingml/2006/main" xmlns:r="http://schemas.openxmlformats.org/officeDocument/2006/relationships" xmlns:p="http://schemas.openxmlformats.org/presentationml/2006/main">
   <p:cSld>
     <p:spTree>
@@ -6071,438 +7486,6 @@
 </p:sld>
 </file>
 
-<file path=ppt/slides/slide2.xml><?xml version="1.0" encoding="utf-8"?>
-<p:sld xmlns:a="http://schemas.openxmlformats.org/drawingml/2006/main" xmlns:r="http://schemas.openxmlformats.org/officeDocument/2006/relationships" xmlns:p="http://schemas.openxmlformats.org/presentationml/2006/main">
-  <p:cSld>
-    <p:spTree>
-      <p:nvGrpSpPr>
-        <p:cNvPr id="1" name=""/>
-        <p:cNvGrpSpPr/>
-        <p:nvPr/>
-      </p:nvGrpSpPr>
-      <p:grpSpPr>
-        <a:xfrm>
-          <a:off x="0" y="0"/>
-          <a:ext cx="0" cy="0"/>
-          <a:chOff x="0" y="0"/>
-          <a:chExt cx="0" cy="0"/>
-        </a:xfrm>
-      </p:grpSpPr>
-      <p:sp>
-        <p:nvSpPr>
-          <p:cNvPr id="2" name="제목 1"/>
-          <p:cNvSpPr>
-            <a:spLocks noGrp="1"/>
-          </p:cNvSpPr>
-          <p:nvPr>
-            <p:ph type="title"/>
-          </p:nvPr>
-        </p:nvSpPr>
-        <p:spPr/>
-        <p:txBody>
-          <a:bodyPr/>
-          <a:lstStyle/>
-          <a:p>
-            <a:r>
-              <a:rPr lang="ko-KR" altLang="en-US" dirty="0" smtClean="0"/>
-              <a:t>용어 설명</a:t>
-            </a:r>
-            <a:endParaRPr lang="ko-KR" altLang="en-US" dirty="0"/>
-          </a:p>
-        </p:txBody>
-      </p:sp>
-      <p:sp>
-        <p:nvSpPr>
-          <p:cNvPr id="4" name="TextBox 3"/>
-          <p:cNvSpPr txBox="1"/>
-          <p:nvPr/>
-        </p:nvSpPr>
-        <p:spPr>
-          <a:xfrm>
-            <a:off x="838200" y="1690688"/>
-            <a:ext cx="10515600" cy="5193729"/>
-          </a:xfrm>
-          <a:prstGeom prst="rect">
-            <a:avLst/>
-          </a:prstGeom>
-          <a:noFill/>
-        </p:spPr>
-        <p:txBody>
-          <a:bodyPr wrap="square" rtlCol="0">
-            <a:spAutoFit/>
-          </a:bodyPr>
-          <a:lstStyle/>
-          <a:p>
-            <a:pPr>
-              <a:lnSpc>
-                <a:spcPct val="150000"/>
-              </a:lnSpc>
-            </a:pPr>
-            <a:r>
-              <a:rPr lang="ko-KR" altLang="en-US" sz="2000" b="1" dirty="0" err="1" smtClean="0"/>
-              <a:t>릴레이션</a:t>
-            </a:r>
-            <a:endParaRPr lang="en-US" altLang="ko-KR" sz="2000" b="1" dirty="0" smtClean="0"/>
-          </a:p>
-          <a:p>
-            <a:pPr>
-              <a:lnSpc>
-                <a:spcPct val="150000"/>
-              </a:lnSpc>
-            </a:pPr>
-            <a:r>
-              <a:rPr lang="ko-KR" altLang="en-US" sz="1500" dirty="0" smtClean="0"/>
-              <a:t>관계 </a:t>
-            </a:r>
-            <a:r>
-              <a:rPr lang="ko-KR" altLang="en-US" sz="1500" dirty="0"/>
-              <a:t>데이터 모델</a:t>
-            </a:r>
-            <a:r>
-              <a:rPr lang="en-US" altLang="ko-KR" sz="1500" dirty="0"/>
-              <a:t>(</a:t>
-            </a:r>
-            <a:r>
-              <a:rPr lang="ko-KR" altLang="en-US" sz="1500" dirty="0"/>
-              <a:t>관계형 데이터베이스</a:t>
-            </a:r>
-            <a:r>
-              <a:rPr lang="en-US" altLang="ko-KR" sz="1500" dirty="0"/>
-              <a:t>)</a:t>
-            </a:r>
-            <a:r>
-              <a:rPr lang="ko-KR" altLang="en-US" sz="1500" dirty="0"/>
-              <a:t>의 테이블을 </a:t>
-            </a:r>
-            <a:r>
-              <a:rPr lang="ko-KR" altLang="en-US" sz="1500" dirty="0" err="1"/>
-              <a:t>릴레이션</a:t>
-            </a:r>
-            <a:r>
-              <a:rPr lang="en-US" altLang="ko-KR" sz="1500" dirty="0"/>
-              <a:t>(Relation)</a:t>
-            </a:r>
-            <a:r>
-              <a:rPr lang="ko-KR" altLang="en-US" sz="1500" dirty="0"/>
-              <a:t>이라고 부른다</a:t>
-            </a:r>
-            <a:r>
-              <a:rPr lang="en-US" altLang="ko-KR" sz="1500" dirty="0"/>
-              <a:t>. </a:t>
-            </a:r>
-            <a:endParaRPr lang="en-US" altLang="ko-KR" sz="1500" dirty="0" smtClean="0"/>
-          </a:p>
-          <a:p>
-            <a:pPr>
-              <a:lnSpc>
-                <a:spcPct val="150000"/>
-              </a:lnSpc>
-            </a:pPr>
-            <a:r>
-              <a:rPr lang="ko-KR" altLang="en-US" sz="1500" dirty="0" err="1" smtClean="0"/>
-              <a:t>튜플</a:t>
-            </a:r>
-            <a:r>
-              <a:rPr lang="en-US" altLang="ko-KR" sz="1500" dirty="0"/>
-              <a:t>(Tuple)</a:t>
-            </a:r>
-            <a:r>
-              <a:rPr lang="ko-KR" altLang="en-US" sz="1500" dirty="0"/>
-              <a:t>과 </a:t>
-            </a:r>
-            <a:r>
-              <a:rPr lang="ko-KR" altLang="en-US" sz="1500" dirty="0" err="1"/>
-              <a:t>어트리뷰트</a:t>
-            </a:r>
-            <a:r>
-              <a:rPr lang="en-US" altLang="ko-KR" sz="1500" dirty="0"/>
-              <a:t>(Attribute)</a:t>
-            </a:r>
-            <a:r>
-              <a:rPr lang="ko-KR" altLang="en-US" sz="1500" dirty="0"/>
-              <a:t>로 구성되어있다</a:t>
-            </a:r>
-            <a:r>
-              <a:rPr lang="en-US" altLang="ko-KR" sz="1500" dirty="0"/>
-              <a:t>. </a:t>
-            </a:r>
-            <a:endParaRPr lang="en-US" altLang="ko-KR" sz="1500" dirty="0" smtClean="0"/>
-          </a:p>
-          <a:p>
-            <a:pPr>
-              <a:lnSpc>
-                <a:spcPct val="150000"/>
-              </a:lnSpc>
-            </a:pPr>
-            <a:r>
-              <a:rPr lang="ko-KR" altLang="en-US" sz="2000" b="1" dirty="0" smtClean="0"/>
-              <a:t>테이블</a:t>
-            </a:r>
-            <a:endParaRPr lang="en-US" altLang="ko-KR" sz="2000" b="1" dirty="0" smtClean="0"/>
-          </a:p>
-          <a:p>
-            <a:pPr>
-              <a:lnSpc>
-                <a:spcPct val="150000"/>
-              </a:lnSpc>
-            </a:pPr>
-            <a:r>
-              <a:rPr lang="ko-KR" altLang="en-US" sz="1500" dirty="0"/>
-              <a:t>테이블은 행과 열로 구성된 데이터 </a:t>
-            </a:r>
-            <a:r>
-              <a:rPr lang="ko-KR" altLang="en-US" sz="1500" dirty="0" smtClean="0"/>
-              <a:t>집합</a:t>
-            </a:r>
-            <a:r>
-              <a:rPr lang="en-US" altLang="ko-KR" sz="1500" dirty="0" smtClean="0"/>
-              <a:t>. </a:t>
-            </a:r>
-            <a:r>
-              <a:rPr lang="en-US" altLang="ko-KR" sz="1500" b="1" dirty="0" smtClean="0"/>
-              <a:t>*</a:t>
-            </a:r>
-            <a:r>
-              <a:rPr lang="en-US" altLang="ko-KR" sz="1500" dirty="0" smtClean="0"/>
-              <a:t>(</a:t>
-            </a:r>
-            <a:r>
-              <a:rPr lang="ko-KR" altLang="en-US" sz="1500" dirty="0" smtClean="0"/>
-              <a:t>테이블 </a:t>
-            </a:r>
-            <a:r>
-              <a:rPr lang="en-US" altLang="ko-KR" sz="1500" dirty="0" smtClean="0"/>
-              <a:t>!=</a:t>
-            </a:r>
-            <a:r>
-              <a:rPr lang="ko-KR" altLang="en-US" sz="1500" dirty="0" smtClean="0"/>
-              <a:t> </a:t>
-            </a:r>
-            <a:r>
-              <a:rPr lang="ko-KR" altLang="en-US" sz="1500" dirty="0" err="1" smtClean="0"/>
-              <a:t>릴레이션</a:t>
-            </a:r>
-            <a:r>
-              <a:rPr lang="en-US" altLang="ko-KR" sz="1500" dirty="0" smtClean="0"/>
-              <a:t>)</a:t>
-            </a:r>
-          </a:p>
-          <a:p>
-            <a:pPr>
-              <a:lnSpc>
-                <a:spcPct val="150000"/>
-              </a:lnSpc>
-            </a:pPr>
-            <a:r>
-              <a:rPr lang="ko-KR" altLang="en-US" sz="2000" b="1" dirty="0" err="1" smtClean="0"/>
-              <a:t>튜플</a:t>
-            </a:r>
-            <a:r>
-              <a:rPr lang="ko-KR" altLang="en-US" sz="2000" b="1" dirty="0" smtClean="0"/>
-              <a:t> </a:t>
-            </a:r>
-            <a:r>
-              <a:rPr lang="en-US" altLang="ko-KR" sz="2000" b="1" dirty="0" smtClean="0"/>
-              <a:t>(== </a:t>
-            </a:r>
-            <a:r>
-              <a:rPr lang="ko-KR" altLang="en-US" sz="2000" b="1" dirty="0" smtClean="0"/>
-              <a:t>레코드</a:t>
-            </a:r>
-            <a:r>
-              <a:rPr lang="en-US" altLang="ko-KR" sz="2000" b="1" dirty="0" smtClean="0"/>
-              <a:t>)</a:t>
-            </a:r>
-          </a:p>
-          <a:p>
-            <a:pPr>
-              <a:lnSpc>
-                <a:spcPct val="150000"/>
-              </a:lnSpc>
-            </a:pPr>
-            <a:r>
-              <a:rPr lang="ko-KR" altLang="en-US" sz="1500" dirty="0" err="1" smtClean="0"/>
-              <a:t>릴레이션의</a:t>
-            </a:r>
-            <a:r>
-              <a:rPr lang="ko-KR" altLang="en-US" sz="1500" dirty="0" smtClean="0"/>
-              <a:t> 행을 말함</a:t>
-            </a:r>
-            <a:endParaRPr lang="en-US" altLang="ko-KR" sz="1500" dirty="0" smtClean="0"/>
-          </a:p>
-          <a:p>
-            <a:pPr>
-              <a:lnSpc>
-                <a:spcPct val="150000"/>
-              </a:lnSpc>
-            </a:pPr>
-            <a:r>
-              <a:rPr lang="ko-KR" altLang="en-US" sz="2000" b="1" dirty="0" err="1" smtClean="0"/>
-              <a:t>어트리뷰트</a:t>
-            </a:r>
-            <a:r>
-              <a:rPr lang="ko-KR" altLang="en-US" sz="2000" b="1" dirty="0" smtClean="0"/>
-              <a:t> </a:t>
-            </a:r>
-            <a:r>
-              <a:rPr lang="en-US" altLang="ko-KR" sz="2000" b="1" dirty="0" smtClean="0"/>
-              <a:t>(== </a:t>
-            </a:r>
-            <a:r>
-              <a:rPr lang="ko-KR" altLang="en-US" sz="2000" b="1" dirty="0" smtClean="0"/>
-              <a:t>필드</a:t>
-            </a:r>
-            <a:r>
-              <a:rPr lang="en-US" altLang="ko-KR" sz="2000" b="1" dirty="0" smtClean="0"/>
-              <a:t>)</a:t>
-            </a:r>
-          </a:p>
-          <a:p>
-            <a:pPr>
-              <a:lnSpc>
-                <a:spcPct val="150000"/>
-              </a:lnSpc>
-            </a:pPr>
-            <a:r>
-              <a:rPr lang="ko-KR" altLang="en-US" sz="1500" dirty="0" err="1" smtClean="0"/>
-              <a:t>릴레이션의</a:t>
-            </a:r>
-            <a:r>
-              <a:rPr lang="ko-KR" altLang="en-US" sz="1500" dirty="0" smtClean="0"/>
-              <a:t> 열을 말함 </a:t>
-            </a:r>
-            <a:r>
-              <a:rPr lang="en-US" altLang="ko-KR" sz="1500" dirty="0" smtClean="0"/>
-              <a:t>‘</a:t>
-            </a:r>
-            <a:r>
-              <a:rPr lang="ko-KR" altLang="en-US" sz="1500" dirty="0" smtClean="0"/>
-              <a:t>속성</a:t>
-            </a:r>
-            <a:r>
-              <a:rPr lang="en-US" altLang="ko-KR" sz="1500" dirty="0" smtClean="0"/>
-              <a:t>’ </a:t>
-            </a:r>
-            <a:r>
-              <a:rPr lang="ko-KR" altLang="en-US" sz="1500" dirty="0" smtClean="0"/>
-              <a:t>또는 </a:t>
-            </a:r>
-            <a:r>
-              <a:rPr lang="ko-KR" altLang="en-US" sz="1500" dirty="0" err="1" smtClean="0"/>
-              <a:t>어트리뷰트라고</a:t>
-            </a:r>
-            <a:r>
-              <a:rPr lang="ko-KR" altLang="en-US" sz="1500" dirty="0" smtClean="0"/>
-              <a:t> 함</a:t>
-            </a:r>
-            <a:endParaRPr lang="en-US" altLang="ko-KR" sz="1500" dirty="0" smtClean="0"/>
-          </a:p>
-          <a:p>
-            <a:pPr>
-              <a:lnSpc>
-                <a:spcPct val="150000"/>
-              </a:lnSpc>
-            </a:pPr>
-            <a:r>
-              <a:rPr lang="ko-KR" altLang="en-US" sz="2000" b="1" dirty="0" smtClean="0"/>
-              <a:t>키 </a:t>
-            </a:r>
-            <a:r>
-              <a:rPr lang="en-US" altLang="ko-KR" sz="2000" b="1" dirty="0" smtClean="0"/>
-              <a:t>(</a:t>
-            </a:r>
-            <a:r>
-              <a:rPr lang="ko-KR" altLang="en-US" sz="2000" b="1" dirty="0" smtClean="0"/>
-              <a:t>현재 배운 키 </a:t>
-            </a:r>
-            <a:r>
-              <a:rPr lang="en-US" altLang="ko-KR" sz="2000" b="1" dirty="0" smtClean="0"/>
-              <a:t>=&gt; </a:t>
-            </a:r>
-            <a:r>
-              <a:rPr lang="ko-KR" altLang="en-US" sz="2000" b="1" dirty="0" err="1" smtClean="0"/>
-              <a:t>기본키</a:t>
-            </a:r>
-            <a:r>
-              <a:rPr lang="en-US" altLang="ko-KR" sz="2000" b="1" dirty="0" smtClean="0"/>
-              <a:t>, </a:t>
-            </a:r>
-            <a:r>
-              <a:rPr lang="ko-KR" altLang="en-US" sz="2000" b="1" dirty="0" err="1" smtClean="0"/>
-              <a:t>외래키</a:t>
-            </a:r>
-            <a:r>
-              <a:rPr lang="en-US" altLang="ko-KR" sz="2000" b="1" dirty="0" smtClean="0"/>
-              <a:t>)</a:t>
-            </a:r>
-          </a:p>
-          <a:p>
-            <a:pPr>
-              <a:lnSpc>
-                <a:spcPct val="150000"/>
-              </a:lnSpc>
-            </a:pPr>
-            <a:r>
-              <a:rPr lang="ko-KR" altLang="en-US" sz="1500" dirty="0"/>
-              <a:t>키는 데이터베이스에서 조건에 만족하는 </a:t>
-            </a:r>
-            <a:r>
-              <a:rPr lang="ko-KR" altLang="en-US" sz="1500" dirty="0" err="1"/>
-              <a:t>튜플을</a:t>
-            </a:r>
-            <a:r>
-              <a:rPr lang="ko-KR" altLang="en-US" sz="1500" dirty="0"/>
-              <a:t> 찾거나 순서대로 정렬할 때 </a:t>
-            </a:r>
-            <a:endParaRPr lang="en-US" altLang="ko-KR" sz="1500" dirty="0" smtClean="0"/>
-          </a:p>
-          <a:p>
-            <a:pPr>
-              <a:lnSpc>
-                <a:spcPct val="150000"/>
-              </a:lnSpc>
-            </a:pPr>
-            <a:r>
-              <a:rPr lang="ko-KR" altLang="en-US" sz="1500" dirty="0" smtClean="0"/>
-              <a:t>다른 </a:t>
-            </a:r>
-            <a:r>
-              <a:rPr lang="ko-KR" altLang="en-US" sz="1500" dirty="0" err="1"/>
-              <a:t>튜플들과</a:t>
-            </a:r>
-            <a:r>
-              <a:rPr lang="ko-KR" altLang="en-US" sz="1500" dirty="0"/>
-              <a:t> 구별할 수 있는 유일한 기준이 되는 속성이다</a:t>
-            </a:r>
-            <a:r>
-              <a:rPr lang="en-US" altLang="ko-KR" sz="1500" dirty="0"/>
-              <a:t>.</a:t>
-            </a:r>
-            <a:endParaRPr lang="en-US" altLang="ko-KR" sz="1500" dirty="0" smtClean="0"/>
-          </a:p>
-          <a:p>
-            <a:pPr>
-              <a:lnSpc>
-                <a:spcPct val="150000"/>
-              </a:lnSpc>
-            </a:pPr>
-            <a:endParaRPr lang="ko-KR" altLang="en-US" sz="1500" dirty="0"/>
-          </a:p>
-        </p:txBody>
-      </p:sp>
-    </p:spTree>
-    <p:extLst>
-      <p:ext uri="{BB962C8B-B14F-4D97-AF65-F5344CB8AC3E}">
-        <p14:creationId xmlns:p14="http://schemas.microsoft.com/office/powerpoint/2010/main" val="2489147112"/>
-      </p:ext>
-    </p:extLst>
-  </p:cSld>
-  <p:clrMapOvr>
-    <a:masterClrMapping/>
-  </p:clrMapOvr>
-</p:sld>
-</file>
-
 <file path=ppt/slides/slide3.xml><?xml version="1.0" encoding="utf-8"?>
 <p:sld xmlns:a="http://schemas.openxmlformats.org/drawingml/2006/main" xmlns:r="http://schemas.openxmlformats.org/officeDocument/2006/relationships" xmlns:p="http://schemas.openxmlformats.org/presentationml/2006/main">
   <p:cSld>
@@ -6743,11 +7726,7 @@
             </a:pPr>
             <a:r>
               <a:rPr lang="ko-KR" altLang="en-US" sz="1500" dirty="0" smtClean="0"/>
-              <a:t>데이터 중복을 </a:t>
-            </a:r>
-            <a:r>
-              <a:rPr lang="ko-KR" altLang="en-US" sz="1500" dirty="0" smtClean="0"/>
-              <a:t>최소화한다</a:t>
+              <a:t>데이터 중복을 최소화한다</a:t>
             </a:r>
             <a:r>
               <a:rPr lang="en-US" altLang="ko-KR" sz="1500" dirty="0" smtClean="0"/>
@@ -7403,11 +8382,7 @@
             </a:r>
             <a:r>
               <a:rPr lang="en-US" altLang="ko-KR" sz="2000" b="1" dirty="0" smtClean="0"/>
-              <a:t>n)</a:t>
-            </a:r>
-            <a:r>
-              <a:rPr lang="en-US" altLang="ko-KR" sz="2000" b="1" dirty="0" smtClean="0"/>
-              <a:t>;</a:t>
+              <a:t>n);</a:t>
             </a:r>
             <a:endParaRPr lang="en-US" altLang="ko-KR" sz="2000" b="1" dirty="0"/>
           </a:p>
@@ -7787,11 +8762,7 @@
             </a:r>
             <a:r>
               <a:rPr lang="ko-KR" altLang="en-US" sz="2000" b="1" dirty="0" smtClean="0"/>
-              <a:t> </a:t>
-            </a:r>
-            <a:r>
-              <a:rPr lang="ko-KR" altLang="en-US" sz="2000" b="1" dirty="0" smtClean="0"/>
-              <a:t>선정 조건</a:t>
+              <a:t> 선정 조건</a:t>
             </a:r>
             <a:endParaRPr lang="en-US" altLang="ko-KR" sz="2000" b="1" dirty="0" smtClean="0"/>
           </a:p>
@@ -7823,11 +8794,7 @@
             </a:r>
             <a:r>
               <a:rPr lang="ko-KR" altLang="en-US" sz="2000" b="1" dirty="0" smtClean="0"/>
-              <a:t>출력할 때 </a:t>
-            </a:r>
-            <a:r>
-              <a:rPr lang="ko-KR" altLang="en-US" sz="2000" b="1" dirty="0" smtClean="0"/>
-              <a:t>정렬</a:t>
+              <a:t>출력할 때 정렬</a:t>
             </a:r>
             <a:endParaRPr lang="en-US" altLang="ko-KR" sz="2000" b="1" dirty="0" smtClean="0"/>
           </a:p>
@@ -7862,15 +8829,7 @@
             </a:pPr>
             <a:r>
               <a:rPr lang="en-US" altLang="ko-KR" sz="2000" b="1" dirty="0" smtClean="0"/>
-              <a:t>FROM -&gt; WHERE </a:t>
-            </a:r>
-            <a:r>
-              <a:rPr lang="en-US" altLang="ko-KR" sz="2000" b="1" dirty="0" smtClean="0"/>
-              <a:t>-&gt; GROUP BY -&gt; </a:t>
-            </a:r>
-            <a:r>
-              <a:rPr lang="en-US" altLang="ko-KR" sz="2000" b="1" dirty="0" smtClean="0"/>
-              <a:t>SELECT -&gt; ORDER BY </a:t>
+              <a:t>FROM -&gt; WHERE -&gt; GROUP BY -&gt; SELECT -&gt; ORDER BY </a:t>
             </a:r>
             <a:r>
               <a:rPr lang="ko-KR" altLang="en-US" sz="2000" b="1" dirty="0" smtClean="0"/>
@@ -7998,11 +8957,7 @@
             </a:pPr>
             <a:r>
               <a:rPr lang="en-US" altLang="ko-KR" sz="2000" b="1" dirty="0" smtClean="0"/>
-              <a:t>ALTER </a:t>
-            </a:r>
-            <a:r>
-              <a:rPr lang="en-US" altLang="ko-KR" sz="2000" b="1" dirty="0" smtClean="0"/>
-              <a:t>TABLE [</a:t>
+              <a:t>ALTER TABLE [</a:t>
             </a:r>
             <a:r>
               <a:rPr lang="ko-KR" altLang="en-US" sz="2000" b="1" dirty="0" err="1" smtClean="0"/>
@@ -8194,7 +9149,6 @@
               <a:rPr lang="en-US" altLang="ko-KR" sz="2000" b="1" dirty="0" smtClean="0"/>
               <a:t>]</a:t>
             </a:r>
-            <a:endParaRPr lang="en-US" altLang="ko-KR" sz="2000" b="1" dirty="0" smtClean="0"/>
           </a:p>
           <a:p>
             <a:pPr>
@@ -8356,11 +9310,7 @@
             </a:pPr>
             <a:r>
               <a:rPr lang="en-US" altLang="ko-KR" sz="2000" b="1" dirty="0" smtClean="0"/>
-              <a:t>DROP </a:t>
-            </a:r>
-            <a:r>
-              <a:rPr lang="en-US" altLang="ko-KR" sz="2000" b="1" dirty="0" smtClean="0"/>
-              <a:t>TABLE [</a:t>
+              <a:t>DROP TABLE [</a:t>
             </a:r>
             <a:r>
               <a:rPr lang="ko-KR" altLang="en-US" sz="2000" b="1" dirty="0" err="1" smtClean="0"/>
